--- a/reports/Final Presentation.pptx
+++ b/reports/Final Presentation.pptx
@@ -5,7 +5,7 @@
     <p:sldMasterId id="2147483648" r:id="rId1"/>
   </p:sldMasterIdLst>
   <p:notesMasterIdLst>
-    <p:notesMasterId r:id="rId16"/>
+    <p:notesMasterId r:id="rId17"/>
   </p:notesMasterIdLst>
   <p:sldIdLst>
     <p:sldId id="256" r:id="rId2"/>
@@ -14,42 +14,41 @@
     <p:sldId id="259" r:id="rId5"/>
     <p:sldId id="260" r:id="rId6"/>
     <p:sldId id="261" r:id="rId7"/>
-    <p:sldId id="262" r:id="rId8"/>
-    <p:sldId id="263" r:id="rId9"/>
-    <p:sldId id="264" r:id="rId10"/>
-    <p:sldId id="265" r:id="rId11"/>
-    <p:sldId id="266" r:id="rId12"/>
-    <p:sldId id="268" r:id="rId13"/>
+    <p:sldId id="270" r:id="rId8"/>
+    <p:sldId id="262" r:id="rId9"/>
+    <p:sldId id="263" r:id="rId10"/>
+    <p:sldId id="264" r:id="rId11"/>
+    <p:sldId id="265" r:id="rId12"/>
+    <p:sldId id="266" r:id="rId13"/>
     <p:sldId id="267" r:id="rId14"/>
-    <p:sldId id="269" r:id="rId15"/>
+    <p:sldId id="268" r:id="rId15"/>
+    <p:sldId id="269" r:id="rId16"/>
   </p:sldIdLst>
   <p:sldSz cx="9144000" cy="5143500" type="screen16x9"/>
   <p:notesSz cx="6858000" cy="9144000"/>
   <p:embeddedFontLst>
     <p:embeddedFont>
-      <p:font typeface="Lato" panose="020B0604020202020204" charset="0"/>
-      <p:regular r:id="rId17"/>
-      <p:bold r:id="rId18"/>
-      <p:italic r:id="rId19"/>
-      <p:boldItalic r:id="rId20"/>
+      <p:font typeface="Old Standard TT" panose="020B0604020202020204" charset="0"/>
+      <p:regular r:id="rId18"/>
+      <p:bold r:id="rId19"/>
+      <p:italic r:id="rId20"/>
     </p:embeddedFont>
     <p:embeddedFont>
-      <p:font typeface="Lato Black" panose="020B0604020202020204" charset="0"/>
+      <p:font typeface="Lato Black" panose="020F0A02020204030203" pitchFamily="34" charset="0"/>
       <p:bold r:id="rId21"/>
       <p:boldItalic r:id="rId22"/>
     </p:embeddedFont>
     <p:embeddedFont>
-      <p:font typeface="Lato Light" panose="020B0604020202020204" charset="0"/>
+      <p:font typeface="Lato" panose="020F0502020204030203" pitchFamily="34" charset="0"/>
       <p:regular r:id="rId23"/>
       <p:bold r:id="rId24"/>
       <p:italic r:id="rId25"/>
       <p:boldItalic r:id="rId26"/>
     </p:embeddedFont>
     <p:embeddedFont>
-      <p:font typeface="Old Standard TT" panose="020B0604020202020204" charset="0"/>
+      <p:font typeface="Lato Light" panose="020F0302020204030203" pitchFamily="34" charset="0"/>
       <p:regular r:id="rId27"/>
-      <p:bold r:id="rId28"/>
-      <p:italic r:id="rId29"/>
+      <p:italic r:id="rId28"/>
     </p:embeddedFont>
   </p:embeddedFontLst>
   <p:defaultTextStyle>
@@ -297,7 +296,7 @@
       </p15:sldGuideLst>
     </p:ext>
     <p:ext uri="http://customooxmlschemas.google.com/">
-      <go:slidesCustomData xmlns:go="http://customooxmlschemas.google.com/" xmlns:p15="http://schemas.microsoft.com/office/powerpoint/2012/main" xmlns:p14="http://schemas.microsoft.com/office/powerpoint/2010/main" xmlns:com="http://schemas.openxmlformats.org/drawingml/2006/compatibility" xmlns:pvml="urn:schemas-microsoft-com:office:powerpoint" xmlns:v="urn:schemas-microsoft-com:vml" xmlns:o="urn:schemas-microsoft-com:office:office" xmlns:dgm="http://schemas.openxmlformats.org/drawingml/2006/diagram" xmlns:c="http://schemas.openxmlformats.org/drawingml/2006/chart" xmlns:mv="urn:schemas-microsoft-com:mac:vml" xmlns:mc="http://schemas.openxmlformats.org/markup-compatibility/2006" xmlns="" r:id="rId31" roundtripDataSignature="AMtx7mhRIJQwIEXwevv7O9URUkGWksRgaA=="/>
+      <go:slidesCustomData xmlns:go="http://customooxmlschemas.google.com/" xmlns:p15="http://schemas.microsoft.com/office/powerpoint/2012/main" xmlns:p14="http://schemas.microsoft.com/office/powerpoint/2010/main" xmlns:com="http://schemas.openxmlformats.org/drawingml/2006/compatibility" xmlns:pvml="urn:schemas-microsoft-com:office:powerpoint" xmlns:v="urn:schemas-microsoft-com:vml" xmlns:o="urn:schemas-microsoft-com:office:office" xmlns:dgm="http://schemas.openxmlformats.org/drawingml/2006/diagram" xmlns:c="http://schemas.openxmlformats.org/drawingml/2006/chart" xmlns:mv="urn:schemas-microsoft-com:mac:vml" xmlns:mc="http://schemas.openxmlformats.org/markup-compatibility/2006" xmlns="" r:id="rId34" roundtripDataSignature="AMtx7mjwOq0WnMmjcCAsriJ4v9/RJGUOlA=="/>
     </p:ext>
   </p:extLst>
 </p:presentation>
@@ -305,42 +304,8 @@
 
 <file path=ppt/commentAuthors.xml><?xml version="1.0" encoding="utf-8"?>
 <p:cmAuthorLst xmlns:a="http://schemas.openxmlformats.org/drawingml/2006/main" xmlns:r="http://schemas.openxmlformats.org/officeDocument/2006/relationships" xmlns:p="http://schemas.openxmlformats.org/presentationml/2006/main">
-  <p:cmAuthor id="1" name="Tyler Kutz" initials="TK" lastIdx="2" clrIdx="0">
-    <p:extLst>
-      <p:ext uri="{19B8F6BF-5375-455C-9EA6-DF929625EA0E}">
-        <p15:presenceInfo xmlns:p15="http://schemas.microsoft.com/office/powerpoint/2012/main" userId="7363498143b084f6" providerId="Windows Live"/>
-      </p:ext>
-    </p:extLst>
-  </p:cmAuthor>
+  <p:cmAuthor id="0" name="Tyler Kutz" initials="" lastIdx="1" clrIdx="0"/>
 </p:cmAuthorLst>
-</file>
-
-<file path=ppt/comments/comment1.xml><?xml version="1.0" encoding="utf-8"?>
-<p:cmLst xmlns:a="http://schemas.openxmlformats.org/drawingml/2006/main" xmlns:r="http://schemas.openxmlformats.org/officeDocument/2006/relationships" xmlns:p="http://schemas.openxmlformats.org/presentationml/2006/main">
-  <p:cm authorId="1" dt="2019-11-18T21:18:22.666" idx="1">
-    <p:pos x="2485" y="1386"/>
-    <p:text>add another line talking about how the data we have does not predict particularly well.  Missing key attributes that contribute to variance</p:text>
-    <p:extLst>
-      <p:ext uri="{C676402C-5697-4E1C-873F-D02D1690AC5C}">
-        <p15:threadingInfo xmlns:p15="http://schemas.microsoft.com/office/powerpoint/2012/main" timeZoneBias="360"/>
-      </p:ext>
-    </p:extLst>
-  </p:cm>
-</p:cmLst>
-</file>
-
-<file path=ppt/comments/comment2.xml><?xml version="1.0" encoding="utf-8"?>
-<p:cmLst xmlns:a="http://schemas.openxmlformats.org/drawingml/2006/main" xmlns:r="http://schemas.openxmlformats.org/officeDocument/2006/relationships" xmlns:p="http://schemas.openxmlformats.org/presentationml/2006/main">
-  <p:cm authorId="1" dt="2019-11-18T21:25:25.608" idx="2">
-    <p:pos x="1835" y="991"/>
-    <p:text>81%, or are you talking about the 2nd method?</p:text>
-    <p:extLst>
-      <p:ext uri="{C676402C-5697-4E1C-873F-D02D1690AC5C}">
-        <p15:threadingInfo xmlns:p15="http://schemas.microsoft.com/office/powerpoint/2012/main" timeZoneBias="360"/>
-      </p:ext>
-    </p:extLst>
-  </p:cm>
-</p:cmLst>
 </file>
 
 <file path=ppt/notesMasters/notesMaster1.xml><?xml version="1.0" encoding="utf-8"?>
@@ -688,6 +653,11 @@
         </p:txBody>
       </p:sp>
     </p:spTree>
+    <p:extLst>
+      <p:ext uri="{BB962C8B-B14F-4D97-AF65-F5344CB8AC3E}">
+        <p14:creationId xmlns:p14="http://schemas.microsoft.com/office/powerpoint/2010/main" val="1277784508"/>
+      </p:ext>
+    </p:extLst>
   </p:cSld>
   <p:clrMap bg1="lt1" tx1="dk1" bg2="dk2" tx2="lt2" accent1="accent1" accent2="accent2" accent3="accent3" accent4="accent4" accent5="accent5" accent6="accent6" hlink="hlink" folHlink="folHlink"/>
   <p:notesStyle>
@@ -1037,6 +1007,11 @@
         </p:txBody>
       </p:sp>
     </p:spTree>
+    <p:extLst>
+      <p:ext uri="{BB962C8B-B14F-4D97-AF65-F5344CB8AC3E}">
+        <p14:creationId xmlns:p14="http://schemas.microsoft.com/office/powerpoint/2010/main" val="927372558"/>
+      </p:ext>
+    </p:extLst>
   </p:cSld>
   <p:clrMapOvr>
     <a:masterClrMapping/>
@@ -1049,7 +1024,7 @@
   <p:cSld>
     <p:spTree>
       <p:nvGrpSpPr>
-        <p:cNvPr id="1" name="Shape 145"/>
+        <p:cNvPr id="1" name="Shape 139"/>
         <p:cNvGrpSpPr/>
         <p:nvPr/>
       </p:nvGrpSpPr>
@@ -1063,7 +1038,7 @@
       </p:grpSpPr>
       <p:sp>
         <p:nvSpPr>
-          <p:cNvPr id="146" name="Google Shape;146;g757575d8c2_0_21:notes"/>
+          <p:cNvPr id="140" name="Google Shape;140;g757575d8c2_0_5:notes"/>
           <p:cNvSpPr>
             <a:spLocks noGrp="1" noRot="1" noChangeAspect="1"/>
           </p:cNvSpPr>
@@ -1114,7 +1089,7 @@
       </p:sp>
       <p:sp>
         <p:nvSpPr>
-          <p:cNvPr id="147" name="Google Shape;147;g757575d8c2_0_21:notes"/>
+          <p:cNvPr id="141" name="Google Shape;141;g757575d8c2_0_5:notes"/>
           <p:cNvSpPr txBox="1">
             <a:spLocks noGrp="1"/>
           </p:cNvSpPr>
@@ -1159,6 +1134,11 @@
         </p:txBody>
       </p:sp>
     </p:spTree>
+    <p:extLst>
+      <p:ext uri="{BB962C8B-B14F-4D97-AF65-F5344CB8AC3E}">
+        <p14:creationId xmlns:p14="http://schemas.microsoft.com/office/powerpoint/2010/main" val="4281129229"/>
+      </p:ext>
+    </p:extLst>
   </p:cSld>
   <p:clrMapOvr>
     <a:masterClrMapping/>
@@ -1171,7 +1151,7 @@
   <p:cSld>
     <p:spTree>
       <p:nvGrpSpPr>
-        <p:cNvPr id="1" name="Shape 154"/>
+        <p:cNvPr id="1" name="Shape 147"/>
         <p:cNvGrpSpPr/>
         <p:nvPr/>
       </p:nvGrpSpPr>
@@ -1185,7 +1165,7 @@
       </p:grpSpPr>
       <p:sp>
         <p:nvSpPr>
-          <p:cNvPr id="155" name="Google Shape;155;p12:notes"/>
+          <p:cNvPr id="148" name="Google Shape;148;g757575d8c2_0_21:notes"/>
           <p:cNvSpPr>
             <a:spLocks noGrp="1" noRot="1" noChangeAspect="1"/>
           </p:cNvSpPr>
@@ -1236,7 +1216,7 @@
       </p:sp>
       <p:sp>
         <p:nvSpPr>
-          <p:cNvPr id="156" name="Google Shape;156;p12:notes"/>
+          <p:cNvPr id="149" name="Google Shape;149;g757575d8c2_0_21:notes"/>
           <p:cNvSpPr txBox="1">
             <a:spLocks noGrp="1"/>
           </p:cNvSpPr>
@@ -1276,15 +1256,16 @@
               <a:buSzPts val="1100"/>
               <a:buNone/>
             </a:pPr>
-            <a:r>
-              <a:rPr lang="en-US" dirty="0"/>
-              <a:t>Less progressive states had slightly higher odds.  Perhaps, lifestyles contribute?</a:t>
-            </a:r>
-            <a:endParaRPr dirty="0"/>
+            <a:endParaRPr/>
           </a:p>
         </p:txBody>
       </p:sp>
     </p:spTree>
+    <p:extLst>
+      <p:ext uri="{BB962C8B-B14F-4D97-AF65-F5344CB8AC3E}">
+        <p14:creationId xmlns:p14="http://schemas.microsoft.com/office/powerpoint/2010/main" val="3990364598"/>
+      </p:ext>
+    </p:extLst>
   </p:cSld>
   <p:clrMapOvr>
     <a:masterClrMapping/>
@@ -1297,7 +1278,7 @@
   <p:cSld>
     <p:spTree>
       <p:nvGrpSpPr>
-        <p:cNvPr id="1" name="Shape 154"/>
+        <p:cNvPr id="1" name="Shape 156"/>
         <p:cNvGrpSpPr/>
         <p:nvPr/>
       </p:nvGrpSpPr>
@@ -1311,7 +1292,7 @@
       </p:grpSpPr>
       <p:sp>
         <p:nvSpPr>
-          <p:cNvPr id="155" name="Google Shape;155;p12:notes"/>
+          <p:cNvPr id="157" name="Google Shape;157;p12:notes"/>
           <p:cNvSpPr>
             <a:spLocks noGrp="1" noRot="1" noChangeAspect="1"/>
           </p:cNvSpPr>
@@ -1362,7 +1343,7 @@
       </p:sp>
       <p:sp>
         <p:nvSpPr>
-          <p:cNvPr id="156" name="Google Shape;156;p12:notes"/>
+          <p:cNvPr id="158" name="Google Shape;158;p12:notes"/>
           <p:cNvSpPr txBox="1">
             <a:spLocks noGrp="1"/>
           </p:cNvSpPr>
@@ -1402,6 +1383,10 @@
               <a:buSzPts val="1100"/>
               <a:buNone/>
             </a:pPr>
+            <a:r>
+              <a:rPr lang="en-US"/>
+              <a:t>Less progressive states had slightly higher odds.  Perhaps, lifestyles contribute?</a:t>
+            </a:r>
             <a:endParaRPr/>
           </a:p>
         </p:txBody>
@@ -1409,7 +1394,7 @@
     </p:spTree>
     <p:extLst>
       <p:ext uri="{BB962C8B-B14F-4D97-AF65-F5344CB8AC3E}">
-        <p14:creationId xmlns:p14="http://schemas.microsoft.com/office/powerpoint/2010/main" val="3949426663"/>
+        <p14:creationId xmlns:p14="http://schemas.microsoft.com/office/powerpoint/2010/main" val="228786347"/>
       </p:ext>
     </p:extLst>
   </p:cSld>
@@ -1424,7 +1409,7 @@
   <p:cSld>
     <p:spTree>
       <p:nvGrpSpPr>
-        <p:cNvPr id="1" name="Shape 162"/>
+        <p:cNvPr id="1" name="Shape 164"/>
         <p:cNvGrpSpPr/>
         <p:nvPr/>
       </p:nvGrpSpPr>
@@ -1438,7 +1423,7 @@
       </p:grpSpPr>
       <p:sp>
         <p:nvSpPr>
-          <p:cNvPr id="163" name="Google Shape;163;p13:notes"/>
+          <p:cNvPr id="165" name="Google Shape;165;p7:notes"/>
           <p:cNvSpPr>
             <a:spLocks noGrp="1" noRot="1" noChangeAspect="1"/>
           </p:cNvSpPr>
@@ -1489,7 +1474,7 @@
       </p:sp>
       <p:sp>
         <p:nvSpPr>
-          <p:cNvPr id="164" name="Google Shape;164;p13:notes"/>
+          <p:cNvPr id="166" name="Google Shape;166;p7:notes"/>
           <p:cNvSpPr txBox="1">
             <a:spLocks noGrp="1"/>
           </p:cNvSpPr>
@@ -1534,6 +1519,11 @@
         </p:txBody>
       </p:sp>
     </p:spTree>
+    <p:extLst>
+      <p:ext uri="{BB962C8B-B14F-4D97-AF65-F5344CB8AC3E}">
+        <p14:creationId xmlns:p14="http://schemas.microsoft.com/office/powerpoint/2010/main" val="933350164"/>
+      </p:ext>
+    </p:extLst>
   </p:cSld>
   <p:clrMapOvr>
     <a:masterClrMapping/>
@@ -1546,7 +1536,7 @@
   <p:cSld>
     <p:spTree>
       <p:nvGrpSpPr>
-        <p:cNvPr id="1" name="Shape 162"/>
+        <p:cNvPr id="1" name="Shape 179"/>
         <p:cNvGrpSpPr/>
         <p:nvPr/>
       </p:nvGrpSpPr>
@@ -1560,7 +1550,7 @@
       </p:grpSpPr>
       <p:sp>
         <p:nvSpPr>
-          <p:cNvPr id="163" name="Google Shape;163;p13:notes"/>
+          <p:cNvPr id="180" name="Google Shape;180;p13:notes"/>
           <p:cNvSpPr>
             <a:spLocks noGrp="1" noRot="1" noChangeAspect="1"/>
           </p:cNvSpPr>
@@ -1611,7 +1601,7 @@
       </p:sp>
       <p:sp>
         <p:nvSpPr>
-          <p:cNvPr id="164" name="Google Shape;164;p13:notes"/>
+          <p:cNvPr id="181" name="Google Shape;181;p13:notes"/>
           <p:cNvSpPr txBox="1">
             <a:spLocks noGrp="1"/>
           </p:cNvSpPr>
@@ -1658,7 +1648,134 @@
     </p:spTree>
     <p:extLst>
       <p:ext uri="{BB962C8B-B14F-4D97-AF65-F5344CB8AC3E}">
-        <p14:creationId xmlns:p14="http://schemas.microsoft.com/office/powerpoint/2010/main" val="1158151317"/>
+        <p14:creationId xmlns:p14="http://schemas.microsoft.com/office/powerpoint/2010/main" val="1365461944"/>
+      </p:ext>
+    </p:extLst>
+  </p:cSld>
+  <p:clrMapOvr>
+    <a:masterClrMapping/>
+  </p:clrMapOvr>
+</p:notes>
+</file>
+
+<file path=ppt/notesSlides/notesSlide15.xml><?xml version="1.0" encoding="utf-8"?>
+<p:notes xmlns:a="http://schemas.openxmlformats.org/drawingml/2006/main" xmlns:r="http://schemas.openxmlformats.org/officeDocument/2006/relationships" xmlns:p="http://schemas.openxmlformats.org/presentationml/2006/main" showMasterSp="0" showMasterPhAnim="0">
+  <p:cSld>
+    <p:spTree>
+      <p:nvGrpSpPr>
+        <p:cNvPr id="1" name="Shape 187"/>
+        <p:cNvGrpSpPr/>
+        <p:nvPr/>
+      </p:nvGrpSpPr>
+      <p:grpSpPr>
+        <a:xfrm>
+          <a:off x="0" y="0"/>
+          <a:ext cx="0" cy="0"/>
+          <a:chOff x="0" y="0"/>
+          <a:chExt cx="0" cy="0"/>
+        </a:xfrm>
+      </p:grpSpPr>
+      <p:sp>
+        <p:nvSpPr>
+          <p:cNvPr id="188" name="Google Shape;188;p10:notes"/>
+          <p:cNvSpPr>
+            <a:spLocks noGrp="1" noRot="1" noChangeAspect="1"/>
+          </p:cNvSpPr>
+          <p:nvPr>
+            <p:ph type="sldImg" idx="2"/>
+          </p:nvPr>
+        </p:nvSpPr>
+        <p:spPr>
+          <a:xfrm>
+            <a:off x="381000" y="685800"/>
+            <a:ext cx="6096000" cy="3429000"/>
+          </a:xfrm>
+          <a:custGeom>
+            <a:avLst/>
+            <a:gdLst/>
+            <a:ahLst/>
+            <a:cxnLst/>
+            <a:rect l="l" t="t" r="r" b="b"/>
+            <a:pathLst>
+              <a:path w="120000" h="120000" extrusionOk="0">
+                <a:moveTo>
+                  <a:pt x="0" y="0"/>
+                </a:moveTo>
+                <a:lnTo>
+                  <a:pt x="120000" y="0"/>
+                </a:lnTo>
+                <a:lnTo>
+                  <a:pt x="120000" y="120000"/>
+                </a:lnTo>
+                <a:lnTo>
+                  <a:pt x="0" y="120000"/>
+                </a:lnTo>
+                <a:close/>
+              </a:path>
+            </a:pathLst>
+          </a:custGeom>
+          <a:noFill/>
+          <a:ln w="9525" cap="flat" cmpd="sng">
+            <a:solidFill>
+              <a:srgbClr val="000000"/>
+            </a:solidFill>
+            <a:prstDash val="solid"/>
+            <a:round/>
+            <a:headEnd type="none" w="sm" len="sm"/>
+            <a:tailEnd type="none" w="sm" len="sm"/>
+          </a:ln>
+        </p:spPr>
+      </p:sp>
+      <p:sp>
+        <p:nvSpPr>
+          <p:cNvPr id="189" name="Google Shape;189;p10:notes"/>
+          <p:cNvSpPr txBox="1">
+            <a:spLocks noGrp="1"/>
+          </p:cNvSpPr>
+          <p:nvPr>
+            <p:ph type="body" idx="1"/>
+          </p:nvPr>
+        </p:nvSpPr>
+        <p:spPr>
+          <a:xfrm>
+            <a:off x="685800" y="4343400"/>
+            <a:ext cx="5486400" cy="4114800"/>
+          </a:xfrm>
+          <a:prstGeom prst="rect">
+            <a:avLst/>
+          </a:prstGeom>
+          <a:noFill/>
+          <a:ln>
+            <a:noFill/>
+          </a:ln>
+        </p:spPr>
+        <p:txBody>
+          <a:bodyPr spcFirstLastPara="1" wrap="square" lIns="91425" tIns="91425" rIns="91425" bIns="91425" anchor="t" anchorCtr="0">
+            <a:noAutofit/>
+          </a:bodyPr>
+          <a:lstStyle/>
+          <a:p>
+            <a:pPr marL="0" lvl="0" indent="0" algn="l" rtl="0">
+              <a:lnSpc>
+                <a:spcPct val="100000"/>
+              </a:lnSpc>
+              <a:spcBef>
+                <a:spcPts val="0"/>
+              </a:spcBef>
+              <a:spcAft>
+                <a:spcPts val="0"/>
+              </a:spcAft>
+              <a:buSzPts val="1100"/>
+              <a:buNone/>
+            </a:pPr>
+            <a:endParaRPr/>
+          </a:p>
+        </p:txBody>
+      </p:sp>
+    </p:spTree>
+    <p:extLst>
+      <p:ext uri="{BB962C8B-B14F-4D97-AF65-F5344CB8AC3E}">
+        <p14:creationId xmlns:p14="http://schemas.microsoft.com/office/powerpoint/2010/main" val="2441552178"/>
       </p:ext>
     </p:extLst>
   </p:cSld>
@@ -1783,6 +1900,11 @@
         </p:txBody>
       </p:sp>
     </p:spTree>
+    <p:extLst>
+      <p:ext uri="{BB962C8B-B14F-4D97-AF65-F5344CB8AC3E}">
+        <p14:creationId xmlns:p14="http://schemas.microsoft.com/office/powerpoint/2010/main" val="1650232848"/>
+      </p:ext>
+    </p:extLst>
   </p:cSld>
   <p:clrMapOvr>
     <a:masterClrMapping/>
@@ -1905,6 +2027,11 @@
         </p:txBody>
       </p:sp>
     </p:spTree>
+    <p:extLst>
+      <p:ext uri="{BB962C8B-B14F-4D97-AF65-F5344CB8AC3E}">
+        <p14:creationId xmlns:p14="http://schemas.microsoft.com/office/powerpoint/2010/main" val="3230599567"/>
+      </p:ext>
+    </p:extLst>
   </p:cSld>
   <p:clrMapOvr>
     <a:masterClrMapping/>
@@ -2027,6 +2154,11 @@
         </p:txBody>
       </p:sp>
     </p:spTree>
+    <p:extLst>
+      <p:ext uri="{BB962C8B-B14F-4D97-AF65-F5344CB8AC3E}">
+        <p14:creationId xmlns:p14="http://schemas.microsoft.com/office/powerpoint/2010/main" val="2984815005"/>
+      </p:ext>
+    </p:extLst>
   </p:cSld>
   <p:clrMapOvr>
     <a:masterClrMapping/>
@@ -2039,7 +2171,7 @@
   <p:cSld>
     <p:spTree>
       <p:nvGrpSpPr>
-        <p:cNvPr id="1" name="Shape 94"/>
+        <p:cNvPr id="1" name="Shape 96"/>
         <p:cNvGrpSpPr/>
         <p:nvPr/>
       </p:nvGrpSpPr>
@@ -2053,7 +2185,7 @@
       </p:grpSpPr>
       <p:sp>
         <p:nvSpPr>
-          <p:cNvPr id="95" name="Google Shape;95;p5:notes"/>
+          <p:cNvPr id="97" name="Google Shape;97;p5:notes"/>
           <p:cNvSpPr>
             <a:spLocks noGrp="1" noRot="1" noChangeAspect="1"/>
           </p:cNvSpPr>
@@ -2104,7 +2236,7 @@
       </p:sp>
       <p:sp>
         <p:nvSpPr>
-          <p:cNvPr id="96" name="Google Shape;96;p5:notes"/>
+          <p:cNvPr id="98" name="Google Shape;98;p5:notes"/>
           <p:cNvSpPr txBox="1">
             <a:spLocks noGrp="1"/>
           </p:cNvSpPr>
@@ -2149,6 +2281,11 @@
         </p:txBody>
       </p:sp>
     </p:spTree>
+    <p:extLst>
+      <p:ext uri="{BB962C8B-B14F-4D97-AF65-F5344CB8AC3E}">
+        <p14:creationId xmlns:p14="http://schemas.microsoft.com/office/powerpoint/2010/main" val="1035499746"/>
+      </p:ext>
+    </p:extLst>
   </p:cSld>
   <p:clrMapOvr>
     <a:masterClrMapping/>
@@ -2161,7 +2298,7 @@
   <p:cSld>
     <p:spTree>
       <p:nvGrpSpPr>
-        <p:cNvPr id="1" name="Shape 107"/>
+        <p:cNvPr id="1" name="Shape 109"/>
         <p:cNvGrpSpPr/>
         <p:nvPr/>
       </p:nvGrpSpPr>
@@ -2175,7 +2312,7 @@
       </p:grpSpPr>
       <p:sp>
         <p:nvSpPr>
-          <p:cNvPr id="108" name="Google Shape;108;p6:notes"/>
+          <p:cNvPr id="110" name="Google Shape;110;p6:notes"/>
           <p:cNvSpPr>
             <a:spLocks noGrp="1" noRot="1" noChangeAspect="1"/>
           </p:cNvSpPr>
@@ -2226,7 +2363,7 @@
       </p:sp>
       <p:sp>
         <p:nvSpPr>
-          <p:cNvPr id="109" name="Google Shape;109;p6:notes"/>
+          <p:cNvPr id="111" name="Google Shape;111;p6:notes"/>
           <p:cNvSpPr txBox="1">
             <a:spLocks noGrp="1"/>
           </p:cNvSpPr>
@@ -2271,6 +2408,11 @@
         </p:txBody>
       </p:sp>
     </p:spTree>
+    <p:extLst>
+      <p:ext uri="{BB962C8B-B14F-4D97-AF65-F5344CB8AC3E}">
+        <p14:creationId xmlns:p14="http://schemas.microsoft.com/office/powerpoint/2010/main" val="3721686273"/>
+      </p:ext>
+    </p:extLst>
   </p:cSld>
   <p:clrMapOvr>
     <a:masterClrMapping/>
@@ -2283,7 +2425,7 @@
   <p:cSld>
     <p:spTree>
       <p:nvGrpSpPr>
-        <p:cNvPr id="1" name="Shape 115"/>
+        <p:cNvPr id="1" name="Shape 109"/>
         <p:cNvGrpSpPr/>
         <p:nvPr/>
       </p:nvGrpSpPr>
@@ -2297,7 +2439,7 @@
       </p:grpSpPr>
       <p:sp>
         <p:nvSpPr>
-          <p:cNvPr id="116" name="Google Shape;116;p8:notes"/>
+          <p:cNvPr id="110" name="Google Shape;110;p6:notes"/>
           <p:cNvSpPr>
             <a:spLocks noGrp="1" noRot="1" noChangeAspect="1"/>
           </p:cNvSpPr>
@@ -2348,7 +2490,7 @@
       </p:sp>
       <p:sp>
         <p:nvSpPr>
-          <p:cNvPr id="117" name="Google Shape;117;p8:notes"/>
+          <p:cNvPr id="111" name="Google Shape;111;p6:notes"/>
           <p:cNvSpPr txBox="1">
             <a:spLocks noGrp="1"/>
           </p:cNvSpPr>
@@ -2393,6 +2535,11 @@
         </p:txBody>
       </p:sp>
     </p:spTree>
+    <p:extLst>
+      <p:ext uri="{BB962C8B-B14F-4D97-AF65-F5344CB8AC3E}">
+        <p14:creationId xmlns:p14="http://schemas.microsoft.com/office/powerpoint/2010/main" val="3923492029"/>
+      </p:ext>
+    </p:extLst>
   </p:cSld>
   <p:clrMapOvr>
     <a:masterClrMapping/>
@@ -2405,7 +2552,7 @@
   <p:cSld>
     <p:spTree>
       <p:nvGrpSpPr>
-        <p:cNvPr id="1" name="Shape 127"/>
+        <p:cNvPr id="1" name="Shape 117"/>
         <p:cNvGrpSpPr/>
         <p:nvPr/>
       </p:nvGrpSpPr>
@@ -2419,7 +2566,7 @@
       </p:grpSpPr>
       <p:sp>
         <p:nvSpPr>
-          <p:cNvPr id="128" name="Google Shape;128;p9:notes"/>
+          <p:cNvPr id="118" name="Google Shape;118;p8:notes"/>
           <p:cNvSpPr>
             <a:spLocks noGrp="1" noRot="1" noChangeAspect="1"/>
           </p:cNvSpPr>
@@ -2470,7 +2617,7 @@
       </p:sp>
       <p:sp>
         <p:nvSpPr>
-          <p:cNvPr id="129" name="Google Shape;129;p9:notes"/>
+          <p:cNvPr id="119" name="Google Shape;119;p8:notes"/>
           <p:cNvSpPr txBox="1">
             <a:spLocks noGrp="1"/>
           </p:cNvSpPr>
@@ -2515,6 +2662,11 @@
         </p:txBody>
       </p:sp>
     </p:spTree>
+    <p:extLst>
+      <p:ext uri="{BB962C8B-B14F-4D97-AF65-F5344CB8AC3E}">
+        <p14:creationId xmlns:p14="http://schemas.microsoft.com/office/powerpoint/2010/main" val="2774472705"/>
+      </p:ext>
+    </p:extLst>
   </p:cSld>
   <p:clrMapOvr>
     <a:masterClrMapping/>
@@ -2527,7 +2679,7 @@
   <p:cSld>
     <p:spTree>
       <p:nvGrpSpPr>
-        <p:cNvPr id="1" name="Shape 137"/>
+        <p:cNvPr id="1" name="Shape 129"/>
         <p:cNvGrpSpPr/>
         <p:nvPr/>
       </p:nvGrpSpPr>
@@ -2541,7 +2693,7 @@
       </p:grpSpPr>
       <p:sp>
         <p:nvSpPr>
-          <p:cNvPr id="138" name="Google Shape;138;g757575d8c2_0_5:notes"/>
+          <p:cNvPr id="130" name="Google Shape;130;p9:notes"/>
           <p:cNvSpPr>
             <a:spLocks noGrp="1" noRot="1" noChangeAspect="1"/>
           </p:cNvSpPr>
@@ -2592,7 +2744,7 @@
       </p:sp>
       <p:sp>
         <p:nvSpPr>
-          <p:cNvPr id="139" name="Google Shape;139;g757575d8c2_0_5:notes"/>
+          <p:cNvPr id="131" name="Google Shape;131;p9:notes"/>
           <p:cNvSpPr txBox="1">
             <a:spLocks noGrp="1"/>
           </p:cNvSpPr>
@@ -2637,6 +2789,11 @@
         </p:txBody>
       </p:sp>
     </p:spTree>
+    <p:extLst>
+      <p:ext uri="{BB962C8B-B14F-4D97-AF65-F5344CB8AC3E}">
+        <p14:creationId xmlns:p14="http://schemas.microsoft.com/office/powerpoint/2010/main" val="2904236164"/>
+      </p:ext>
+    </p:extLst>
   </p:cSld>
   <p:clrMapOvr>
     <a:masterClrMapping/>
@@ -11012,8 +11169,8 @@
         </p:nvSpPr>
         <p:spPr>
           <a:xfrm>
-            <a:off x="1165500" y="1890050"/>
-            <a:ext cx="7075500" cy="845400"/>
+            <a:off x="783771" y="1890050"/>
+            <a:ext cx="7457229" cy="845400"/>
           </a:xfrm>
           <a:prstGeom prst="rect">
             <a:avLst/>
@@ -11047,7 +11204,7 @@
               <a:buNone/>
             </a:pPr>
             <a:r>
-              <a:rPr lang="en-US" sz="3600" b="0" i="0" u="none" strike="noStrike" cap="none">
+              <a:rPr lang="en-US" sz="3600" b="0" i="0" u="none" strike="noStrike" cap="none" dirty="0">
                 <a:solidFill>
                   <a:srgbClr val="222222"/>
                 </a:solidFill>
@@ -11056,9 +11213,33 @@
                 <a:cs typeface="Lato Black"/>
                 <a:sym typeface="Lato Black"/>
               </a:rPr>
-              <a:t>Classifying Severity of Colorectal Cancer</a:t>
+              <a:t>Classifying </a:t>
             </a:r>
-            <a:endParaRPr sz="3600" b="0" i="0" u="none" strike="noStrike" cap="none">
+            <a:r>
+              <a:rPr lang="en-US" sz="3600" b="0" i="0" u="none" strike="noStrike" cap="none" dirty="0" smtClean="0">
+                <a:solidFill>
+                  <a:srgbClr val="222222"/>
+                </a:solidFill>
+                <a:latin typeface="Lato Black"/>
+                <a:ea typeface="Lato Black"/>
+                <a:cs typeface="Lato Black"/>
+                <a:sym typeface="Lato Black"/>
+              </a:rPr>
+              <a:t>Aggressiveness of </a:t>
+            </a:r>
+            <a:r>
+              <a:rPr lang="en-US" sz="3600" b="0" i="0" u="none" strike="noStrike" cap="none" dirty="0">
+                <a:solidFill>
+                  <a:srgbClr val="222222"/>
+                </a:solidFill>
+                <a:latin typeface="Lato Black"/>
+                <a:ea typeface="Lato Black"/>
+                <a:cs typeface="Lato Black"/>
+                <a:sym typeface="Lato Black"/>
+              </a:rPr>
+              <a:t>Colorectal Cancer</a:t>
+            </a:r>
+            <a:endParaRPr sz="3600" b="0" i="0" u="none" strike="noStrike" cap="none" dirty="0">
               <a:solidFill>
                 <a:srgbClr val="222222"/>
               </a:solidFill>
@@ -11086,7 +11267,7 @@
               <a:buFont typeface="Arial"/>
               <a:buNone/>
             </a:pPr>
-            <a:endParaRPr sz="1800" b="0" i="0" u="none" strike="noStrike" cap="none">
+            <a:endParaRPr sz="1800" b="0" i="0" u="none" strike="noStrike" cap="none" dirty="0">
               <a:solidFill>
                 <a:srgbClr val="222222"/>
               </a:solidFill>
@@ -11212,7 +11393,7 @@
         </p:nvSpPr>
         <p:spPr>
           <a:xfrm>
-            <a:off x="903000" y="2853800"/>
+            <a:off x="903000" y="2973546"/>
             <a:ext cx="7338000" cy="745200"/>
           </a:xfrm>
           <a:prstGeom prst="rect">
@@ -11247,7 +11428,7 @@
               <a:buNone/>
             </a:pPr>
             <a:r>
-              <a:rPr lang="en-US" sz="1800" b="0" i="0" u="none" strike="noStrike" cap="none">
+              <a:rPr lang="en-US" sz="1800" b="0" i="0" u="none" strike="noStrike" cap="none" dirty="0">
                 <a:solidFill>
                   <a:srgbClr val="222222"/>
                 </a:solidFill>
@@ -11258,7 +11439,7 @@
               </a:rPr>
               <a:t>MIS 536 - Business Analytics</a:t>
             </a:r>
-            <a:endParaRPr sz="1800" b="0" i="0" u="none" strike="noStrike" cap="none">
+            <a:endParaRPr sz="1800" b="0" i="0" u="none" strike="noStrike" cap="none" dirty="0">
               <a:solidFill>
                 <a:srgbClr val="222222"/>
               </a:solidFill>
@@ -11287,7 +11468,7 @@
               <a:buNone/>
             </a:pPr>
             <a:r>
-              <a:rPr lang="en-US" sz="1800" b="0" i="0" u="none" strike="noStrike" cap="none">
+              <a:rPr lang="en-US" sz="1800" b="0" i="0" u="none" strike="noStrike" cap="none" dirty="0">
                 <a:solidFill>
                   <a:srgbClr val="222222"/>
                 </a:solidFill>
@@ -11296,9 +11477,21 @@
                 <a:cs typeface="Lato"/>
                 <a:sym typeface="Lato"/>
               </a:rPr>
-              <a:t>Professor : Dr. Moqri</a:t>
+              <a:t>Professor : Dr. </a:t>
             </a:r>
-            <a:endParaRPr sz="1400" b="0" i="0" u="none" strike="noStrike" cap="none">
+            <a:r>
+              <a:rPr lang="en-US" sz="1800" b="0" i="0" u="none" strike="noStrike" cap="none" dirty="0" err="1">
+                <a:solidFill>
+                  <a:srgbClr val="222222"/>
+                </a:solidFill>
+                <a:latin typeface="Lato"/>
+                <a:ea typeface="Lato"/>
+                <a:cs typeface="Lato"/>
+                <a:sym typeface="Lato"/>
+              </a:rPr>
+              <a:t>Moqri</a:t>
+            </a:r>
+            <a:endParaRPr sz="1400" b="0" i="0" u="none" strike="noStrike" cap="none" dirty="0">
               <a:solidFill>
                 <a:srgbClr val="000000"/>
               </a:solidFill>
@@ -11342,6 +11535,13 @@
   <p:clrMapOvr>
     <a:masterClrMapping/>
   </p:clrMapOvr>
+  <p:timing>
+    <p:tnLst>
+      <p:par>
+        <p:cTn id="1" dur="indefinite" restart="never" nodeType="tmRoot"/>
+      </p:par>
+    </p:tnLst>
+  </p:timing>
 </p:sld>
 </file>
 
@@ -11358,7 +11558,7 @@
     </p:bg>
     <p:spTree>
       <p:nvGrpSpPr>
-        <p:cNvPr id="1" name="Shape 148"/>
+        <p:cNvPr id="1" name="Shape 142"/>
         <p:cNvGrpSpPr/>
         <p:nvPr/>
       </p:nvGrpSpPr>
@@ -11372,7 +11572,7 @@
       </p:grpSpPr>
       <p:sp>
         <p:nvSpPr>
-          <p:cNvPr id="149" name="Google Shape;149;g757575d8c2_0_21"/>
+          <p:cNvPr id="143" name="Google Shape;143;g757575d8c2_0_5"/>
           <p:cNvSpPr txBox="1">
             <a:spLocks noGrp="1"/>
           </p:cNvSpPr>
@@ -11413,16 +11613,26 @@
               <a:buNone/>
             </a:pPr>
             <a:r>
-              <a:rPr lang="en-US"/>
-              <a:t>Light Gradient Boosting Machine</a:t>
+              <a:rPr lang="en-US" dirty="0">
+                <a:latin typeface="Lato"/>
+                <a:ea typeface="Lato"/>
+                <a:cs typeface="Lato"/>
+                <a:sym typeface="Lato"/>
+              </a:rPr>
+              <a:t>Bias-variance tradeoff</a:t>
             </a:r>
-            <a:endParaRPr/>
+            <a:endParaRPr dirty="0">
+              <a:latin typeface="Lato"/>
+              <a:ea typeface="Lato"/>
+              <a:cs typeface="Lato"/>
+              <a:sym typeface="Lato"/>
+            </a:endParaRPr>
           </a:p>
         </p:txBody>
       </p:sp>
       <p:sp>
         <p:nvSpPr>
-          <p:cNvPr id="150" name="Google Shape;150;g757575d8c2_0_21"/>
+          <p:cNvPr id="144" name="Google Shape;144;g757575d8c2_0_5"/>
           <p:cNvSpPr txBox="1">
             <a:spLocks noGrp="1"/>
           </p:cNvSpPr>
@@ -11449,187 +11659,189 @@
           </a:bodyPr>
           <a:lstStyle/>
           <a:p>
-            <a:pPr marL="457200" lvl="0" indent="-342900" algn="l" rtl="0">
-              <a:lnSpc>
-                <a:spcPct val="115000"/>
-              </a:lnSpc>
-              <a:spcBef>
-                <a:spcPts val="0"/>
-              </a:spcBef>
-              <a:spcAft>
-                <a:spcPts val="0"/>
-              </a:spcAft>
-              <a:buSzPts val="1800"/>
-              <a:buChar char="●"/>
+            <a:pPr algn="just"/>
+            <a:r>
+              <a:rPr lang="en-US" dirty="0">
+                <a:latin typeface="Lato"/>
+                <a:ea typeface="Lato"/>
+                <a:cs typeface="Lato"/>
+                <a:sym typeface="Lato"/>
+              </a:rPr>
+              <a:t>Overall accuracy can be misleading</a:t>
+            </a:r>
+            <a:endParaRPr dirty="0">
+              <a:latin typeface="Lato"/>
+              <a:ea typeface="Lato"/>
+              <a:cs typeface="Lato"/>
+              <a:sym typeface="Lato"/>
+            </a:endParaRPr>
+          </a:p>
+          <a:p>
+            <a:pPr lvl="1" algn="just">
+              <a:spcBef>
+                <a:spcPts val="0"/>
+              </a:spcBef>
             </a:pPr>
             <a:r>
-              <a:rPr lang="en-US" dirty="0"/>
-              <a:t>Light GBM is a gradient boosting framework that uses tree-based learning algorithm</a:t>
-            </a:r>
-            <a:endParaRPr dirty="0"/>
-          </a:p>
-          <a:p>
-            <a:pPr marL="457200" lvl="0" indent="-342900" algn="l" rtl="0">
-              <a:lnSpc>
-                <a:spcPct val="115000"/>
-              </a:lnSpc>
-              <a:spcBef>
-                <a:spcPts val="0"/>
-              </a:spcBef>
-              <a:spcAft>
-                <a:spcPts val="0"/>
-              </a:spcAft>
-              <a:buSzPts val="1800"/>
-              <a:buChar char="●"/>
-            </a:pPr>
-            <a:r>
-              <a:rPr lang="en-US" sz="1600" b="1" dirty="0">
+              <a:rPr lang="en-US" sz="1600" dirty="0">
                 <a:highlight>
                   <a:srgbClr val="FFFFFF"/>
                 </a:highlight>
+                <a:latin typeface="Lato"/>
+                <a:ea typeface="Lato"/>
+                <a:cs typeface="Lato"/>
+                <a:sym typeface="Lato"/>
               </a:rPr>
-              <a:t>Light GBM grows tree vertically </a:t>
+              <a:t>e.g. we can get </a:t>
+            </a:r>
+            <a:r>
+              <a:rPr lang="en-US" sz="1600" dirty="0" smtClean="0">
+                <a:highlight>
+                  <a:srgbClr val="FFFFFF"/>
+                </a:highlight>
+                <a:latin typeface="Lato"/>
+                <a:ea typeface="Lato"/>
+                <a:cs typeface="Lato"/>
+                <a:sym typeface="Lato"/>
+              </a:rPr>
+              <a:t>81</a:t>
+            </a:r>
+            <a:r>
+              <a:rPr lang="en-US" sz="1600" dirty="0" smtClean="0">
+                <a:highlight>
+                  <a:srgbClr val="FFFFFF"/>
+                </a:highlight>
+                <a:latin typeface="Lato"/>
+                <a:ea typeface="Lato"/>
+                <a:cs typeface="Lato"/>
+                <a:sym typeface="Lato"/>
+              </a:rPr>
+              <a:t>% </a:t>
             </a:r>
             <a:r>
               <a:rPr lang="en-US" sz="1600" dirty="0">
                 <a:highlight>
                   <a:srgbClr val="FFFFFF"/>
                 </a:highlight>
+                <a:latin typeface="Lato"/>
+                <a:ea typeface="Lato"/>
+                <a:cs typeface="Lato"/>
+                <a:sym typeface="Lato"/>
               </a:rPr>
-              <a:t>while other algorithm grows trees horizontally</a:t>
+              <a:t>accuracy, but it ignores a class value that is represented by </a:t>
             </a:r>
-            <a:endParaRPr sz="1600" dirty="0">
-              <a:highlight>
-                <a:srgbClr val="FFFFFF"/>
-              </a:highlight>
-            </a:endParaRPr>
-          </a:p>
-          <a:p>
-            <a:pPr marL="457200" lvl="0" indent="-330200" algn="l" rtl="0">
-              <a:lnSpc>
-                <a:spcPct val="115000"/>
-              </a:lnSpc>
-              <a:spcBef>
-                <a:spcPts val="0"/>
-              </a:spcBef>
-              <a:spcAft>
-                <a:spcPts val="0"/>
-              </a:spcAft>
-              <a:buSzPts val="1600"/>
-              <a:buChar char="●"/>
-            </a:pPr>
+            <a:r>
+              <a:rPr lang="en-US" sz="1600" dirty="0" smtClean="0">
+                <a:highlight>
+                  <a:srgbClr val="FFFFFF"/>
+                </a:highlight>
+                <a:latin typeface="Lato"/>
+                <a:ea typeface="Lato"/>
+                <a:cs typeface="Lato"/>
+                <a:sym typeface="Lato"/>
+              </a:rPr>
+              <a:t>20</a:t>
+            </a:r>
             <a:r>
               <a:rPr lang="en-US" sz="1600" dirty="0">
                 <a:highlight>
                   <a:srgbClr val="FFFFFF"/>
                 </a:highlight>
+                <a:latin typeface="Lato"/>
+                <a:ea typeface="Lato"/>
+                <a:cs typeface="Lato"/>
+                <a:sym typeface="Lato"/>
               </a:rPr>
-              <a:t>With 5 folds, we get an unbiased AUC (0.702) and accuracy (81.5%) </a:t>
+              <a:t>% of the data.</a:t>
             </a:r>
-            <a:endParaRPr sz="1600" dirty="0">
-              <a:highlight>
-                <a:srgbClr val="FFFFFF"/>
-              </a:highlight>
+            <a:endParaRPr dirty="0">
+              <a:latin typeface="Lato"/>
+              <a:ea typeface="Lato"/>
+              <a:cs typeface="Lato"/>
+              <a:sym typeface="Lato"/>
             </a:endParaRPr>
           </a:p>
           <a:p>
-            <a:pPr marL="457200" lvl="0" indent="0" algn="l" rtl="0">
-              <a:lnSpc>
-                <a:spcPct val="115000"/>
-              </a:lnSpc>
-              <a:spcBef>
-                <a:spcPts val="1600"/>
-              </a:spcBef>
-              <a:spcAft>
-                <a:spcPts val="0"/>
-              </a:spcAft>
-              <a:buNone/>
-            </a:pPr>
-            <a:endParaRPr sz="1600" dirty="0">
-              <a:highlight>
-                <a:srgbClr val="FFFFFF"/>
-              </a:highlight>
+            <a:pPr algn="just"/>
+            <a:r>
+              <a:rPr lang="en-US" dirty="0">
+                <a:latin typeface="Lato"/>
+                <a:ea typeface="Lato"/>
+                <a:cs typeface="Lato"/>
+                <a:sym typeface="Lato"/>
+              </a:rPr>
+              <a:t>Tree-based ensemble models tend to reduce the variance</a:t>
+            </a:r>
+            <a:endParaRPr dirty="0">
+              <a:latin typeface="Lato"/>
+              <a:ea typeface="Lato"/>
+              <a:cs typeface="Lato"/>
+              <a:sym typeface="Lato"/>
             </a:endParaRPr>
           </a:p>
           <a:p>
-            <a:pPr marL="457200" lvl="0" indent="0" algn="l" rtl="0">
-              <a:lnSpc>
-                <a:spcPct val="115000"/>
-              </a:lnSpc>
-              <a:spcBef>
-                <a:spcPts val="1600"/>
-              </a:spcBef>
-              <a:spcAft>
-                <a:spcPts val="0"/>
-              </a:spcAft>
-              <a:buNone/>
+            <a:pPr lvl="1" algn="just">
+              <a:spcBef>
+                <a:spcPts val="0"/>
+              </a:spcBef>
             </a:pPr>
-            <a:endParaRPr sz="1600" dirty="0">
-              <a:highlight>
-                <a:srgbClr val="FFFFFF"/>
-              </a:highlight>
+            <a:r>
+              <a:rPr lang="en-US" dirty="0">
+                <a:latin typeface="Lato"/>
+                <a:ea typeface="Lato"/>
+                <a:cs typeface="Lato"/>
+                <a:sym typeface="Lato"/>
+              </a:rPr>
+              <a:t>Overfitting issues</a:t>
+            </a:r>
+            <a:endParaRPr dirty="0">
+              <a:latin typeface="Lato"/>
+              <a:ea typeface="Lato"/>
+              <a:cs typeface="Lato"/>
+              <a:sym typeface="Lato"/>
             </a:endParaRPr>
           </a:p>
           <a:p>
-            <a:pPr marL="457200" lvl="0" indent="-330200" algn="l" rtl="0">
-              <a:lnSpc>
-                <a:spcPct val="115000"/>
-              </a:lnSpc>
-              <a:spcBef>
-                <a:spcPts val="1600"/>
-              </a:spcBef>
-              <a:spcAft>
-                <a:spcPts val="0"/>
-              </a:spcAft>
-              <a:buSzPts val="1600"/>
-              <a:buChar char="●"/>
-            </a:pPr>
+            <a:pPr algn="just"/>
             <a:r>
-              <a:rPr lang="en-US" sz="1600" dirty="0">
-                <a:highlight>
-                  <a:srgbClr val="FFFFFF"/>
-                </a:highlight>
+              <a:rPr lang="en-US" dirty="0">
+                <a:latin typeface="Lato"/>
+                <a:ea typeface="Lato"/>
+                <a:cs typeface="Lato"/>
+                <a:sym typeface="Lato"/>
               </a:rPr>
-              <a:t>Decently close to the state-of-the-art AUC (0.79) of average survivability prediction  </a:t>
+              <a:t>The cross-validation estimator is nearly unbiased</a:t>
             </a:r>
-            <a:r>
-              <a:rPr lang="en-US" sz="1200" dirty="0">
-                <a:highlight>
-                  <a:srgbClr val="FFFFFF"/>
-                </a:highlight>
-              </a:rPr>
-              <a:t>(source: https://www.researchgate.net/publication/318661649)</a:t>
-            </a:r>
-            <a:endParaRPr sz="1200" dirty="0">
-              <a:highlight>
-                <a:srgbClr val="FFFFFF"/>
-              </a:highlight>
+            <a:endParaRPr dirty="0">
+              <a:latin typeface="Lato"/>
+              <a:ea typeface="Lato"/>
+              <a:cs typeface="Lato"/>
+              <a:sym typeface="Lato"/>
             </a:endParaRPr>
           </a:p>
           <a:p>
-            <a:pPr marL="914400" lvl="0" indent="0" algn="l" rtl="0">
-              <a:lnSpc>
-                <a:spcPct val="115000"/>
-              </a:lnSpc>
-              <a:spcBef>
-                <a:spcPts val="1600"/>
-              </a:spcBef>
-              <a:spcAft>
-                <a:spcPts val="1600"/>
-              </a:spcAft>
-              <a:buNone/>
-            </a:pPr>
-            <a:endParaRPr sz="1600" dirty="0">
-              <a:highlight>
-                <a:srgbClr val="FFFFFF"/>
-              </a:highlight>
+            <a:pPr algn="just"/>
+            <a:r>
+              <a:rPr lang="en-US" dirty="0">
+                <a:latin typeface="Lato"/>
+                <a:ea typeface="Lato"/>
+                <a:cs typeface="Lato"/>
+                <a:sym typeface="Lato"/>
+              </a:rPr>
+              <a:t>The bias will tend to be pessimistic (that is, overestimate the error), which is good</a:t>
+            </a:r>
+            <a:endParaRPr dirty="0">
+              <a:latin typeface="Lato"/>
+              <a:ea typeface="Lato"/>
+              <a:cs typeface="Lato"/>
+              <a:sym typeface="Lato"/>
             </a:endParaRPr>
           </a:p>
         </p:txBody>
       </p:sp>
       <p:pic>
         <p:nvPicPr>
-          <p:cNvPr id="151" name="Google Shape;151;g757575d8c2_0_21"/>
+          <p:cNvPr id="145" name="Google Shape;145;g757575d8c2_0_5"/>
           <p:cNvPicPr preferRelativeResize="0"/>
           <p:nvPr/>
         </p:nvPicPr>
@@ -11656,7 +11868,7 @@
       </p:pic>
       <p:cxnSp>
         <p:nvCxnSpPr>
-          <p:cNvPr id="152" name="Google Shape;152;g757575d8c2_0_21"/>
+          <p:cNvPr id="146" name="Google Shape;146;g757575d8c2_0_5"/>
           <p:cNvCxnSpPr/>
           <p:nvPr/>
         </p:nvCxnSpPr>
@@ -11680,39 +11892,18 @@
           </a:ln>
         </p:spPr>
       </p:cxnSp>
-      <p:pic>
-        <p:nvPicPr>
-          <p:cNvPr id="153" name="Google Shape;153;g757575d8c2_0_21"/>
-          <p:cNvPicPr preferRelativeResize="0"/>
-          <p:nvPr/>
-        </p:nvPicPr>
-        <p:blipFill>
-          <a:blip r:embed="rId4">
-            <a:alphaModFix/>
-          </a:blip>
-          <a:stretch>
-            <a:fillRect/>
-          </a:stretch>
-        </p:blipFill>
-        <p:spPr>
-          <a:xfrm>
-            <a:off x="750500" y="2571750"/>
-            <a:ext cx="7735275" cy="970650"/>
-          </a:xfrm>
-          <a:prstGeom prst="rect">
-            <a:avLst/>
-          </a:prstGeom>
-          <a:noFill/>
-          <a:ln>
-            <a:noFill/>
-          </a:ln>
-        </p:spPr>
-      </p:pic>
     </p:spTree>
   </p:cSld>
   <p:clrMapOvr>
     <a:masterClrMapping/>
   </p:clrMapOvr>
+  <p:timing>
+    <p:tnLst>
+      <p:par>
+        <p:cTn id="1" dur="indefinite" restart="never" nodeType="tmRoot"/>
+      </p:par>
+    </p:tnLst>
+  </p:timing>
 </p:sld>
 </file>
 
@@ -11729,7 +11920,7 @@
     </p:bg>
     <p:spTree>
       <p:nvGrpSpPr>
-        <p:cNvPr id="1" name="Shape 157"/>
+        <p:cNvPr id="1" name="Shape 150"/>
         <p:cNvGrpSpPr/>
         <p:nvPr/>
       </p:nvGrpSpPr>
@@ -11743,7 +11934,7 @@
       </p:grpSpPr>
       <p:sp>
         <p:nvSpPr>
-          <p:cNvPr id="158" name="Google Shape;158;p12"/>
+          <p:cNvPr id="151" name="Google Shape;151;g757575d8c2_0_21"/>
           <p:cNvSpPr txBox="1">
             <a:spLocks noGrp="1"/>
           </p:cNvSpPr>
@@ -11784,16 +11975,475 @@
               <a:buNone/>
             </a:pPr>
             <a:r>
-              <a:rPr lang="en-US" dirty="0"/>
-              <a:t>Interesting Insights</a:t>
+              <a:rPr lang="en-US">
+                <a:latin typeface="Lato"/>
+                <a:ea typeface="Lato"/>
+                <a:cs typeface="Lato"/>
+                <a:sym typeface="Lato"/>
+              </a:rPr>
+              <a:t>Light Gradient Boosting Machine</a:t>
             </a:r>
-            <a:endParaRPr dirty="0"/>
+            <a:endParaRPr>
+              <a:latin typeface="Lato"/>
+              <a:ea typeface="Lato"/>
+              <a:cs typeface="Lato"/>
+              <a:sym typeface="Lato"/>
+            </a:endParaRPr>
           </a:p>
         </p:txBody>
       </p:sp>
       <p:sp>
         <p:nvSpPr>
-          <p:cNvPr id="159" name="Google Shape;159;p12"/>
+          <p:cNvPr id="152" name="Google Shape;152;g757575d8c2_0_21"/>
+          <p:cNvSpPr txBox="1">
+            <a:spLocks noGrp="1"/>
+          </p:cNvSpPr>
+          <p:nvPr>
+            <p:ph type="body" idx="1"/>
+          </p:nvPr>
+        </p:nvSpPr>
+        <p:spPr>
+          <a:xfrm>
+            <a:off x="257270" y="1171600"/>
+            <a:ext cx="8174075" cy="3397200"/>
+          </a:xfrm>
+          <a:prstGeom prst="rect">
+            <a:avLst/>
+          </a:prstGeom>
+          <a:noFill/>
+          <a:ln>
+            <a:noFill/>
+          </a:ln>
+        </p:spPr>
+        <p:txBody>
+          <a:bodyPr spcFirstLastPara="1" wrap="square" lIns="91425" tIns="91425" rIns="91425" bIns="91425" anchor="t" anchorCtr="0">
+            <a:noAutofit/>
+          </a:bodyPr>
+          <a:lstStyle/>
+          <a:p>
+            <a:pPr marL="457200" lvl="0" indent="-342900" algn="just" rtl="0">
+              <a:lnSpc>
+                <a:spcPct val="115000"/>
+              </a:lnSpc>
+              <a:spcBef>
+                <a:spcPts val="0"/>
+              </a:spcBef>
+              <a:spcAft>
+                <a:spcPts val="0"/>
+              </a:spcAft>
+              <a:buSzPts val="1800"/>
+              <a:buFont typeface="Lato"/>
+              <a:buChar char="●"/>
+            </a:pPr>
+            <a:r>
+              <a:rPr lang="en-US" dirty="0">
+                <a:latin typeface="Lato"/>
+                <a:ea typeface="Lato"/>
+                <a:cs typeface="Lato"/>
+                <a:sym typeface="Lato"/>
+              </a:rPr>
+              <a:t>Light GBM is a gradient boosting framework that uses tree-based learning algorithm</a:t>
+            </a:r>
+            <a:endParaRPr dirty="0">
+              <a:latin typeface="Lato"/>
+              <a:ea typeface="Lato"/>
+              <a:cs typeface="Lato"/>
+              <a:sym typeface="Lato"/>
+            </a:endParaRPr>
+          </a:p>
+          <a:p>
+            <a:pPr marL="457200" lvl="0" indent="-342900" algn="just" rtl="0">
+              <a:lnSpc>
+                <a:spcPct val="115000"/>
+              </a:lnSpc>
+              <a:spcBef>
+                <a:spcPts val="0"/>
+              </a:spcBef>
+              <a:spcAft>
+                <a:spcPts val="0"/>
+              </a:spcAft>
+              <a:buSzPts val="1800"/>
+              <a:buChar char="●"/>
+            </a:pPr>
+            <a:r>
+              <a:rPr lang="en-US" b="1" dirty="0">
+                <a:highlight>
+                  <a:srgbClr val="FFFFFF"/>
+                </a:highlight>
+                <a:latin typeface="Lato"/>
+                <a:ea typeface="Lato"/>
+                <a:cs typeface="Lato"/>
+                <a:sym typeface="Lato"/>
+              </a:rPr>
+              <a:t>Light GBM grows tree vertically </a:t>
+            </a:r>
+            <a:r>
+              <a:rPr lang="en-US" dirty="0">
+                <a:highlight>
+                  <a:srgbClr val="FFFFFF"/>
+                </a:highlight>
+                <a:latin typeface="Lato"/>
+                <a:ea typeface="Lato"/>
+                <a:cs typeface="Lato"/>
+                <a:sym typeface="Lato"/>
+              </a:rPr>
+              <a:t>while other </a:t>
+            </a:r>
+            <a:r>
+              <a:rPr lang="en-US" dirty="0" smtClean="0">
+                <a:highlight>
+                  <a:srgbClr val="FFFFFF"/>
+                </a:highlight>
+                <a:latin typeface="Lato"/>
+                <a:ea typeface="Lato"/>
+                <a:cs typeface="Lato"/>
+                <a:sym typeface="Lato"/>
+              </a:rPr>
+              <a:t>algorithms grow </a:t>
+            </a:r>
+            <a:r>
+              <a:rPr lang="en-US" dirty="0">
+                <a:highlight>
+                  <a:srgbClr val="FFFFFF"/>
+                </a:highlight>
+                <a:latin typeface="Lato"/>
+                <a:ea typeface="Lato"/>
+                <a:cs typeface="Lato"/>
+                <a:sym typeface="Lato"/>
+              </a:rPr>
+              <a:t>trees horizontally</a:t>
+            </a:r>
+            <a:endParaRPr dirty="0">
+              <a:highlight>
+                <a:srgbClr val="FFFFFF"/>
+              </a:highlight>
+              <a:latin typeface="Lato"/>
+              <a:ea typeface="Lato"/>
+              <a:cs typeface="Lato"/>
+              <a:sym typeface="Lato"/>
+            </a:endParaRPr>
+          </a:p>
+          <a:p>
+            <a:pPr marL="457200" lvl="0" indent="-342900" algn="just" rtl="0">
+              <a:lnSpc>
+                <a:spcPct val="115000"/>
+              </a:lnSpc>
+              <a:spcBef>
+                <a:spcPts val="0"/>
+              </a:spcBef>
+              <a:spcAft>
+                <a:spcPts val="0"/>
+              </a:spcAft>
+              <a:buSzPts val="1800"/>
+              <a:buFont typeface="Lato"/>
+              <a:buChar char="●"/>
+            </a:pPr>
+            <a:r>
+              <a:rPr lang="en-US" dirty="0">
+                <a:highlight>
+                  <a:srgbClr val="FFFFFF"/>
+                </a:highlight>
+                <a:latin typeface="Lato"/>
+                <a:ea typeface="Lato"/>
+                <a:cs typeface="Lato"/>
+                <a:sym typeface="Lato"/>
+              </a:rPr>
+              <a:t>With 5 folds, we get an unbiased AUC (0.702) and accuracy (81.5%) </a:t>
+            </a:r>
+            <a:endParaRPr dirty="0">
+              <a:highlight>
+                <a:srgbClr val="FFFFFF"/>
+              </a:highlight>
+              <a:latin typeface="Lato"/>
+              <a:ea typeface="Lato"/>
+              <a:cs typeface="Lato"/>
+              <a:sym typeface="Lato"/>
+            </a:endParaRPr>
+          </a:p>
+          <a:p>
+            <a:pPr marL="457200" lvl="0" indent="0" algn="just" rtl="0">
+              <a:lnSpc>
+                <a:spcPct val="115000"/>
+              </a:lnSpc>
+              <a:spcBef>
+                <a:spcPts val="1600"/>
+              </a:spcBef>
+              <a:spcAft>
+                <a:spcPts val="0"/>
+              </a:spcAft>
+              <a:buSzPts val="1800"/>
+              <a:buNone/>
+            </a:pPr>
+            <a:endParaRPr dirty="0">
+              <a:highlight>
+                <a:srgbClr val="FFFFFF"/>
+              </a:highlight>
+              <a:latin typeface="Lato"/>
+              <a:ea typeface="Lato"/>
+              <a:cs typeface="Lato"/>
+              <a:sym typeface="Lato"/>
+            </a:endParaRPr>
+          </a:p>
+          <a:p>
+            <a:pPr marL="457200" lvl="0" indent="-342900" algn="just" rtl="0">
+              <a:lnSpc>
+                <a:spcPct val="115000"/>
+              </a:lnSpc>
+              <a:spcBef>
+                <a:spcPts val="1600"/>
+              </a:spcBef>
+              <a:spcAft>
+                <a:spcPts val="0"/>
+              </a:spcAft>
+              <a:buSzPts val="1800"/>
+              <a:buFont typeface="Lato"/>
+              <a:buChar char="●"/>
+            </a:pPr>
+            <a:r>
+              <a:rPr lang="en-US" dirty="0">
+                <a:highlight>
+                  <a:srgbClr val="FFFFFF"/>
+                </a:highlight>
+                <a:latin typeface="Lato"/>
+                <a:ea typeface="Lato"/>
+                <a:cs typeface="Lato"/>
+                <a:sym typeface="Lato"/>
+              </a:rPr>
+              <a:t>Decently close to the state-of-the-art AUC (0.79) of average survivability prediction </a:t>
+            </a:r>
+            <a:r>
+              <a:rPr lang="en-US" dirty="0" smtClean="0">
+                <a:highlight>
+                  <a:srgbClr val="FFFFFF"/>
+                </a:highlight>
+                <a:latin typeface="Lato"/>
+                <a:ea typeface="Lato"/>
+                <a:cs typeface="Lato"/>
+                <a:sym typeface="Lato"/>
+              </a:rPr>
+              <a:t> </a:t>
+            </a:r>
+            <a:r>
+              <a:rPr lang="en-US" sz="1200" dirty="0">
+                <a:highlight>
+                  <a:srgbClr val="FFFFFF"/>
+                </a:highlight>
+                <a:latin typeface="Lato"/>
+                <a:ea typeface="Lato"/>
+                <a:cs typeface="Lato"/>
+                <a:sym typeface="Lato"/>
+              </a:rPr>
+              <a:t>(source: https://www.researchgate.net/publication/318661649)</a:t>
+            </a:r>
+            <a:endParaRPr sz="1200" dirty="0">
+              <a:highlight>
+                <a:srgbClr val="FFFFFF"/>
+              </a:highlight>
+              <a:latin typeface="Lato"/>
+              <a:ea typeface="Lato"/>
+              <a:cs typeface="Lato"/>
+              <a:sym typeface="Lato"/>
+            </a:endParaRPr>
+          </a:p>
+          <a:p>
+            <a:pPr marL="914400" lvl="0" indent="0" algn="l" rtl="0">
+              <a:lnSpc>
+                <a:spcPct val="115000"/>
+              </a:lnSpc>
+              <a:spcBef>
+                <a:spcPts val="1600"/>
+              </a:spcBef>
+              <a:spcAft>
+                <a:spcPts val="1600"/>
+              </a:spcAft>
+              <a:buSzPts val="1800"/>
+              <a:buNone/>
+            </a:pPr>
+            <a:endParaRPr sz="1600" dirty="0">
+              <a:highlight>
+                <a:srgbClr val="FFFFFF"/>
+              </a:highlight>
+            </a:endParaRPr>
+          </a:p>
+        </p:txBody>
+      </p:sp>
+      <p:pic>
+        <p:nvPicPr>
+          <p:cNvPr id="153" name="Google Shape;153;g757575d8c2_0_21"/>
+          <p:cNvPicPr preferRelativeResize="0"/>
+          <p:nvPr/>
+        </p:nvPicPr>
+        <p:blipFill rotWithShape="1">
+          <a:blip r:embed="rId3">
+            <a:alphaModFix/>
+          </a:blip>
+          <a:srcRect/>
+          <a:stretch/>
+        </p:blipFill>
+        <p:spPr>
+          <a:xfrm>
+            <a:off x="5598975" y="76199"/>
+            <a:ext cx="3437901" cy="523743"/>
+          </a:xfrm>
+          <a:prstGeom prst="rect">
+            <a:avLst/>
+          </a:prstGeom>
+          <a:noFill/>
+          <a:ln>
+            <a:noFill/>
+          </a:ln>
+        </p:spPr>
+      </p:pic>
+      <p:cxnSp>
+        <p:nvCxnSpPr>
+          <p:cNvPr id="154" name="Google Shape;154;g757575d8c2_0_21"/>
+          <p:cNvCxnSpPr/>
+          <p:nvPr/>
+        </p:nvCxnSpPr>
+        <p:spPr>
+          <a:xfrm>
+            <a:off x="386050" y="1081775"/>
+            <a:ext cx="6914700" cy="16200"/>
+          </a:xfrm>
+          <a:prstGeom prst="straightConnector1">
+            <a:avLst/>
+          </a:prstGeom>
+          <a:noFill/>
+          <a:ln w="19050" cap="flat" cmpd="sng">
+            <a:solidFill>
+              <a:srgbClr val="CC0000"/>
+            </a:solidFill>
+            <a:prstDash val="solid"/>
+            <a:round/>
+            <a:headEnd type="none" w="sm" len="sm"/>
+            <a:tailEnd type="none" w="sm" len="sm"/>
+          </a:ln>
+        </p:spPr>
+      </p:cxnSp>
+      <p:pic>
+        <p:nvPicPr>
+          <p:cNvPr id="155" name="Google Shape;155;g757575d8c2_0_21"/>
+          <p:cNvPicPr preferRelativeResize="0"/>
+          <p:nvPr/>
+        </p:nvPicPr>
+        <p:blipFill rotWithShape="1">
+          <a:blip r:embed="rId4">
+            <a:alphaModFix/>
+          </a:blip>
+          <a:srcRect/>
+          <a:stretch/>
+        </p:blipFill>
+        <p:spPr>
+          <a:xfrm>
+            <a:off x="750500" y="2571750"/>
+            <a:ext cx="7735275" cy="970650"/>
+          </a:xfrm>
+          <a:prstGeom prst="rect">
+            <a:avLst/>
+          </a:prstGeom>
+          <a:noFill/>
+          <a:ln>
+            <a:noFill/>
+          </a:ln>
+        </p:spPr>
+      </p:pic>
+    </p:spTree>
+  </p:cSld>
+  <p:clrMapOvr>
+    <a:masterClrMapping/>
+  </p:clrMapOvr>
+  <p:timing>
+    <p:tnLst>
+      <p:par>
+        <p:cTn id="1" dur="indefinite" restart="never" nodeType="tmRoot"/>
+      </p:par>
+    </p:tnLst>
+  </p:timing>
+</p:sld>
+</file>
+
+<file path=ppt/slides/slide12.xml><?xml version="1.0" encoding="utf-8"?>
+<p:sld xmlns:a="http://schemas.openxmlformats.org/drawingml/2006/main" xmlns:r="http://schemas.openxmlformats.org/officeDocument/2006/relationships" xmlns:p="http://schemas.openxmlformats.org/presentationml/2006/main">
+  <p:cSld>
+    <p:bg>
+      <p:bgPr>
+        <a:solidFill>
+          <a:srgbClr val="FFFFFF"/>
+        </a:solidFill>
+        <a:effectLst/>
+      </p:bgPr>
+    </p:bg>
+    <p:spTree>
+      <p:nvGrpSpPr>
+        <p:cNvPr id="1" name="Shape 159"/>
+        <p:cNvGrpSpPr/>
+        <p:nvPr/>
+      </p:nvGrpSpPr>
+      <p:grpSpPr>
+        <a:xfrm>
+          <a:off x="0" y="0"/>
+          <a:ext cx="0" cy="0"/>
+          <a:chOff x="0" y="0"/>
+          <a:chExt cx="0" cy="0"/>
+        </a:xfrm>
+      </p:grpSpPr>
+      <p:sp>
+        <p:nvSpPr>
+          <p:cNvPr id="160" name="Google Shape;160;p12"/>
+          <p:cNvSpPr txBox="1">
+            <a:spLocks noGrp="1"/>
+          </p:cNvSpPr>
+          <p:nvPr>
+            <p:ph type="title"/>
+          </p:nvPr>
+        </p:nvSpPr>
+        <p:spPr>
+          <a:xfrm>
+            <a:off x="311700" y="445025"/>
+            <a:ext cx="8520600" cy="613200"/>
+          </a:xfrm>
+          <a:prstGeom prst="rect">
+            <a:avLst/>
+          </a:prstGeom>
+          <a:noFill/>
+          <a:ln>
+            <a:noFill/>
+          </a:ln>
+        </p:spPr>
+        <p:txBody>
+          <a:bodyPr spcFirstLastPara="1" wrap="square" lIns="91425" tIns="91425" rIns="91425" bIns="91425" anchor="t" anchorCtr="0">
+            <a:noAutofit/>
+          </a:bodyPr>
+          <a:lstStyle/>
+          <a:p>
+            <a:pPr marL="0" lvl="0" indent="0" algn="l" rtl="0">
+              <a:lnSpc>
+                <a:spcPct val="100000"/>
+              </a:lnSpc>
+              <a:spcBef>
+                <a:spcPts val="0"/>
+              </a:spcBef>
+              <a:spcAft>
+                <a:spcPts val="0"/>
+              </a:spcAft>
+              <a:buSzPts val="3000"/>
+              <a:buNone/>
+            </a:pPr>
+            <a:r>
+              <a:rPr lang="en-US" dirty="0">
+                <a:latin typeface="Lato" panose="020F0502020204030203" pitchFamily="34" charset="0"/>
+              </a:rPr>
+              <a:t>Interesting Insights</a:t>
+            </a:r>
+            <a:endParaRPr dirty="0">
+              <a:latin typeface="Lato" panose="020F0502020204030203" pitchFamily="34" charset="0"/>
+            </a:endParaRPr>
+          </a:p>
+        </p:txBody>
+      </p:sp>
+      <p:sp>
+        <p:nvSpPr>
+          <p:cNvPr id="161" name="Google Shape;161;p12"/>
           <p:cNvSpPr txBox="1">
             <a:spLocks noGrp="1"/>
           </p:cNvSpPr>
@@ -11820,135 +12470,207 @@
           </a:bodyPr>
           <a:lstStyle/>
           <a:p>
-            <a:pPr marL="285750" indent="-285750">
-              <a:spcAft>
-                <a:spcPts val="1600"/>
-              </a:spcAft>
+            <a:pPr marL="285750" lvl="0" indent="-285750" algn="just" rtl="0">
+              <a:lnSpc>
+                <a:spcPct val="115000"/>
+              </a:lnSpc>
+              <a:spcBef>
+                <a:spcPts val="0"/>
+              </a:spcBef>
+              <a:spcAft>
+                <a:spcPts val="0"/>
+              </a:spcAft>
+              <a:buSzPts val="1800"/>
+              <a:buChar char="●"/>
             </a:pPr>
             <a:r>
-              <a:rPr lang="en-US" dirty="0"/>
+              <a:rPr lang="en-US" dirty="0">
+                <a:latin typeface="Lato" panose="020F0502020204030203" pitchFamily="34" charset="0"/>
+              </a:rPr>
               <a:t>Females are slightly more likely to have aggressive cancer (</a:t>
             </a:r>
             <a:r>
-              <a:rPr lang="el-GR" dirty="0">
-                <a:latin typeface="Times New Roman" panose="02020603050405020304" pitchFamily="18" charset="0"/>
-                <a:cs typeface="Times New Roman" panose="02020603050405020304" pitchFamily="18" charset="0"/>
+              <a:rPr lang="en-US" dirty="0">
+                <a:latin typeface="Lato" panose="020F0502020204030203" pitchFamily="34" charset="0"/>
+                <a:ea typeface="Times New Roman"/>
+                <a:cs typeface="Times New Roman"/>
+                <a:sym typeface="Times New Roman"/>
               </a:rPr>
-              <a:t>β</a:t>
+              <a:t>β_males = -.17)</a:t>
             </a:r>
-            <a:r>
-              <a:rPr lang="en-US" dirty="0">
-                <a:latin typeface="Times New Roman" panose="02020603050405020304" pitchFamily="18" charset="0"/>
-                <a:cs typeface="Times New Roman" panose="02020603050405020304" pitchFamily="18" charset="0"/>
-              </a:rPr>
-              <a:t>_males = -.17)</a:t>
-            </a:r>
+            <a:endParaRPr dirty="0">
+              <a:latin typeface="Lato" panose="020F0502020204030203" pitchFamily="34" charset="0"/>
+            </a:endParaRPr>
           </a:p>
           <a:p>
-            <a:pPr marL="285750" indent="-285750">
-              <a:spcAft>
+            <a:pPr marL="285750" lvl="0" indent="-285750" algn="just" rtl="0">
+              <a:lnSpc>
+                <a:spcPct val="115000"/>
+              </a:lnSpc>
+              <a:spcBef>
                 <a:spcPts val="1600"/>
-              </a:spcAft>
+              </a:spcBef>
+              <a:spcAft>
+                <a:spcPts val="0"/>
+              </a:spcAft>
+              <a:buSzPts val="1800"/>
+              <a:buChar char="●"/>
             </a:pPr>
             <a:r>
               <a:rPr lang="en-US" dirty="0">
-                <a:latin typeface="Times New Roman" panose="02020603050405020304" pitchFamily="18" charset="0"/>
-                <a:cs typeface="Times New Roman" panose="02020603050405020304" pitchFamily="18" charset="0"/>
+                <a:latin typeface="Lato" panose="020F0502020204030203" pitchFamily="34" charset="0"/>
+                <a:ea typeface="Times New Roman"/>
+                <a:cs typeface="Times New Roman"/>
+                <a:sym typeface="Times New Roman"/>
               </a:rPr>
               <a:t>Iowa, Kentucky, Utah </a:t>
             </a:r>
             <a:r>
               <a:rPr lang="en-US" b="1" dirty="0">
-                <a:latin typeface="Times New Roman" panose="02020603050405020304" pitchFamily="18" charset="0"/>
-                <a:cs typeface="Times New Roman" panose="02020603050405020304" pitchFamily="18" charset="0"/>
+                <a:latin typeface="Lato" panose="020F0502020204030203" pitchFamily="34" charset="0"/>
+                <a:ea typeface="Times New Roman"/>
+                <a:cs typeface="Times New Roman"/>
+                <a:sym typeface="Times New Roman"/>
               </a:rPr>
               <a:t>higher </a:t>
             </a:r>
             <a:r>
               <a:rPr lang="en-US" dirty="0">
-                <a:latin typeface="Times New Roman" panose="02020603050405020304" pitchFamily="18" charset="0"/>
-                <a:cs typeface="Times New Roman" panose="02020603050405020304" pitchFamily="18" charset="0"/>
+                <a:latin typeface="Lato" panose="020F0502020204030203" pitchFamily="34" charset="0"/>
+                <a:ea typeface="Times New Roman"/>
+                <a:cs typeface="Times New Roman"/>
+                <a:sym typeface="Times New Roman"/>
               </a:rPr>
               <a:t>odds of aggressive cancer</a:t>
             </a:r>
+            <a:endParaRPr dirty="0">
+              <a:latin typeface="Lato" panose="020F0502020204030203" pitchFamily="34" charset="0"/>
+            </a:endParaRPr>
           </a:p>
           <a:p>
-            <a:pPr marL="285750" indent="-285750">
-              <a:spcAft>
+            <a:pPr marL="285750" lvl="0" indent="-285750" algn="just" rtl="0">
+              <a:lnSpc>
+                <a:spcPct val="115000"/>
+              </a:lnSpc>
+              <a:spcBef>
                 <a:spcPts val="1600"/>
-              </a:spcAft>
+              </a:spcBef>
+              <a:spcAft>
+                <a:spcPts val="0"/>
+              </a:spcAft>
+              <a:buSzPts val="1800"/>
+              <a:buChar char="●"/>
             </a:pPr>
             <a:r>
               <a:rPr lang="en-US" dirty="0">
-                <a:latin typeface="Times New Roman" panose="02020603050405020304" pitchFamily="18" charset="0"/>
-                <a:cs typeface="Times New Roman" panose="02020603050405020304" pitchFamily="18" charset="0"/>
+                <a:latin typeface="Lato" panose="020F0502020204030203" pitchFamily="34" charset="0"/>
+                <a:ea typeface="Times New Roman"/>
+                <a:cs typeface="Times New Roman"/>
+                <a:sym typeface="Times New Roman"/>
               </a:rPr>
               <a:t>New Mexico, Hawaii, Massachusetts </a:t>
             </a:r>
             <a:r>
               <a:rPr lang="en-US" b="1" dirty="0">
-                <a:latin typeface="Times New Roman" panose="02020603050405020304" pitchFamily="18" charset="0"/>
-                <a:cs typeface="Times New Roman" panose="02020603050405020304" pitchFamily="18" charset="0"/>
+                <a:latin typeface="Lato" panose="020F0502020204030203" pitchFamily="34" charset="0"/>
+                <a:ea typeface="Times New Roman"/>
+                <a:cs typeface="Times New Roman"/>
+                <a:sym typeface="Times New Roman"/>
               </a:rPr>
               <a:t>lower</a:t>
             </a:r>
             <a:r>
               <a:rPr lang="en-US" dirty="0">
-                <a:latin typeface="Times New Roman" panose="02020603050405020304" pitchFamily="18" charset="0"/>
-                <a:cs typeface="Times New Roman" panose="02020603050405020304" pitchFamily="18" charset="0"/>
+                <a:latin typeface="Lato" panose="020F0502020204030203" pitchFamily="34" charset="0"/>
+                <a:ea typeface="Times New Roman"/>
+                <a:cs typeface="Times New Roman"/>
+                <a:sym typeface="Times New Roman"/>
               </a:rPr>
               <a:t> odds </a:t>
             </a:r>
+            <a:endParaRPr dirty="0">
+              <a:latin typeface="Lato" panose="020F0502020204030203" pitchFamily="34" charset="0"/>
+            </a:endParaRPr>
           </a:p>
           <a:p>
-            <a:pPr marL="285750" indent="-285750">
-              <a:spcAft>
+            <a:pPr marL="285750" lvl="0" indent="-285750" algn="just" rtl="0">
+              <a:lnSpc>
+                <a:spcPct val="115000"/>
+              </a:lnSpc>
+              <a:spcBef>
                 <a:spcPts val="1600"/>
-              </a:spcAft>
+              </a:spcBef>
+              <a:spcAft>
+                <a:spcPts val="0"/>
+              </a:spcAft>
+              <a:buSzPts val="1800"/>
+              <a:buChar char="●"/>
             </a:pPr>
             <a:r>
               <a:rPr lang="en-US" dirty="0">
-                <a:latin typeface="Times New Roman" panose="02020603050405020304" pitchFamily="18" charset="0"/>
-                <a:cs typeface="Times New Roman" panose="02020603050405020304" pitchFamily="18" charset="0"/>
+                <a:latin typeface="Lato" panose="020F0502020204030203" pitchFamily="34" charset="0"/>
+                <a:ea typeface="Times New Roman"/>
+                <a:cs typeface="Times New Roman"/>
+                <a:sym typeface="Times New Roman"/>
               </a:rPr>
               <a:t>Originating sites of primary tumor were significant and contributed heavily to odds</a:t>
             </a:r>
-            <a:endParaRPr lang="en-US" dirty="0"/>
+            <a:endParaRPr dirty="0">
+              <a:latin typeface="Lato" panose="020F0502020204030203" pitchFamily="34" charset="0"/>
+            </a:endParaRPr>
           </a:p>
           <a:p>
-            <a:pPr marL="285750" indent="-285750">
-              <a:spcAft>
+            <a:pPr marL="285750" lvl="0" indent="-285750" algn="just" rtl="0">
+              <a:lnSpc>
+                <a:spcPct val="115000"/>
+              </a:lnSpc>
+              <a:spcBef>
                 <a:spcPts val="1600"/>
-              </a:spcAft>
+              </a:spcBef>
+              <a:spcAft>
+                <a:spcPts val="0"/>
+              </a:spcAft>
+              <a:buSzPts val="1800"/>
+              <a:buChar char="●"/>
             </a:pPr>
             <a:r>
-              <a:rPr lang="en-US" dirty="0"/>
+              <a:rPr lang="en-US" dirty="0">
+                <a:latin typeface="Lato" panose="020F0502020204030203" pitchFamily="34" charset="0"/>
+              </a:rPr>
               <a:t>Age has little effect at </a:t>
             </a:r>
             <a:r>
-              <a:rPr lang="el-GR" dirty="0">
-                <a:latin typeface="Times New Roman" panose="02020603050405020304" pitchFamily="18" charset="0"/>
-                <a:cs typeface="Times New Roman" panose="02020603050405020304" pitchFamily="18" charset="0"/>
+              <a:rPr lang="en-US" dirty="0">
+                <a:latin typeface="Lato" panose="020F0502020204030203" pitchFamily="34" charset="0"/>
+                <a:ea typeface="Times New Roman"/>
+                <a:cs typeface="Times New Roman"/>
+                <a:sym typeface="Times New Roman"/>
               </a:rPr>
-              <a:t>β</a:t>
+              <a:t>β=.0007, and is considered insignificant by the model</a:t>
             </a:r>
             <a:r>
               <a:rPr lang="en-US" dirty="0">
-                <a:latin typeface="Times New Roman" panose="02020603050405020304" pitchFamily="18" charset="0"/>
-                <a:cs typeface="Times New Roman" panose="02020603050405020304" pitchFamily="18" charset="0"/>
+                <a:latin typeface="Lato" panose="020F0502020204030203" pitchFamily="34" charset="0"/>
               </a:rPr>
-              <a:t>=.0007, and is considered insignificant by the model</a:t>
-            </a:r>
-            <a:r>
-              <a:rPr lang="en-US" dirty="0"/>
               <a:t> </a:t>
             </a:r>
+            <a:endParaRPr dirty="0">
+              <a:latin typeface="Lato" panose="020F0502020204030203" pitchFamily="34" charset="0"/>
+            </a:endParaRPr>
           </a:p>
           <a:p>
-            <a:pPr marL="285750" indent="-285750">
-              <a:spcAft>
+            <a:pPr marL="285750" lvl="0" indent="-171450" algn="l" rtl="0">
+              <a:lnSpc>
+                <a:spcPct val="115000"/>
+              </a:lnSpc>
+              <a:spcBef>
                 <a:spcPts val="1600"/>
-              </a:spcAft>
+              </a:spcBef>
+              <a:spcAft>
+                <a:spcPts val="1600"/>
+              </a:spcAft>
+              <a:buSzPts val="1800"/>
+              <a:buNone/>
             </a:pPr>
             <a:endParaRPr dirty="0"/>
           </a:p>
@@ -11956,7 +12678,7 @@
       </p:sp>
       <p:pic>
         <p:nvPicPr>
-          <p:cNvPr id="160" name="Google Shape;160;p12"/>
+          <p:cNvPr id="162" name="Google Shape;162;p12"/>
           <p:cNvPicPr preferRelativeResize="0"/>
           <p:nvPr/>
         </p:nvPicPr>
@@ -11983,7 +12705,7 @@
       </p:pic>
       <p:cxnSp>
         <p:nvCxnSpPr>
-          <p:cNvPr id="161" name="Google Shape;161;p12"/>
+          <p:cNvPr id="163" name="Google Shape;163;p12"/>
           <p:cNvCxnSpPr/>
           <p:nvPr/>
         </p:nvCxnSpPr>
@@ -12033,7 +12755,7 @@
                             </p:stCondLst>
                             <p:childTnLst>
                               <p:par>
-                                <p:cTn id="5" presetID="10" presetClass="entr" presetSubtype="0" fill="hold" grpId="0" nodeType="clickEffect">
+                                <p:cTn id="5" presetID="10" presetClass="entr" presetSubtype="0" fill="hold" nodeType="clickEffect">
                                   <p:stCondLst>
                                     <p:cond delay="0"/>
                                   </p:stCondLst>
@@ -12046,7 +12768,7 @@
                                           </p:stCondLst>
                                         </p:cTn>
                                         <p:tgtEl>
-                                          <p:spTgt spid="159">
+                                          <p:spTgt spid="161">
                                             <p:txEl>
                                               <p:pRg st="0" end="0"/>
                                             </p:txEl>
@@ -12064,7 +12786,7 @@
                                       <p:cBhvr>
                                         <p:cTn id="7" dur="500"/>
                                         <p:tgtEl>
-                                          <p:spTgt spid="159">
+                                          <p:spTgt spid="161">
                                             <p:txEl>
                                               <p:pRg st="0" end="0"/>
                                             </p:txEl>
@@ -12094,7 +12816,7 @@
                             </p:stCondLst>
                             <p:childTnLst>
                               <p:par>
-                                <p:cTn id="10" presetID="10" presetClass="entr" presetSubtype="0" fill="hold" grpId="0" nodeType="clickEffect">
+                                <p:cTn id="10" presetID="10" presetClass="entr" presetSubtype="0" fill="hold" nodeType="clickEffect">
                                   <p:stCondLst>
                                     <p:cond delay="0"/>
                                   </p:stCondLst>
@@ -12107,7 +12829,7 @@
                                           </p:stCondLst>
                                         </p:cTn>
                                         <p:tgtEl>
-                                          <p:spTgt spid="159">
+                                          <p:spTgt spid="161">
                                             <p:txEl>
                                               <p:pRg st="1" end="1"/>
                                             </p:txEl>
@@ -12125,7 +12847,7 @@
                                       <p:cBhvr>
                                         <p:cTn id="12" dur="500"/>
                                         <p:tgtEl>
-                                          <p:spTgt spid="159">
+                                          <p:spTgt spid="161">
                                             <p:txEl>
                                               <p:pRg st="1" end="1"/>
                                             </p:txEl>
@@ -12155,7 +12877,7 @@
                             </p:stCondLst>
                             <p:childTnLst>
                               <p:par>
-                                <p:cTn id="15" presetID="10" presetClass="entr" presetSubtype="0" fill="hold" grpId="0" nodeType="clickEffect">
+                                <p:cTn id="15" presetID="10" presetClass="entr" presetSubtype="0" fill="hold" nodeType="clickEffect">
                                   <p:stCondLst>
                                     <p:cond delay="0"/>
                                   </p:stCondLst>
@@ -12168,7 +12890,7 @@
                                           </p:stCondLst>
                                         </p:cTn>
                                         <p:tgtEl>
-                                          <p:spTgt spid="159">
+                                          <p:spTgt spid="161">
                                             <p:txEl>
                                               <p:pRg st="2" end="2"/>
                                             </p:txEl>
@@ -12186,7 +12908,7 @@
                                       <p:cBhvr>
                                         <p:cTn id="17" dur="500"/>
                                         <p:tgtEl>
-                                          <p:spTgt spid="159">
+                                          <p:spTgt spid="161">
                                             <p:txEl>
                                               <p:pRg st="2" end="2"/>
                                             </p:txEl>
@@ -12216,7 +12938,7 @@
                             </p:stCondLst>
                             <p:childTnLst>
                               <p:par>
-                                <p:cTn id="20" presetID="10" presetClass="entr" presetSubtype="0" fill="hold" grpId="0" nodeType="clickEffect">
+                                <p:cTn id="20" presetID="10" presetClass="entr" presetSubtype="0" fill="hold" nodeType="clickEffect">
                                   <p:stCondLst>
                                     <p:cond delay="0"/>
                                   </p:stCondLst>
@@ -12229,7 +12951,7 @@
                                           </p:stCondLst>
                                         </p:cTn>
                                         <p:tgtEl>
-                                          <p:spTgt spid="159">
+                                          <p:spTgt spid="161">
                                             <p:txEl>
                                               <p:pRg st="3" end="3"/>
                                             </p:txEl>
@@ -12247,7 +12969,7 @@
                                       <p:cBhvr>
                                         <p:cTn id="22" dur="500"/>
                                         <p:tgtEl>
-                                          <p:spTgt spid="159">
+                                          <p:spTgt spid="161">
                                             <p:txEl>
                                               <p:pRg st="3" end="3"/>
                                             </p:txEl>
@@ -12277,7 +12999,7 @@
                             </p:stCondLst>
                             <p:childTnLst>
                               <p:par>
-                                <p:cTn id="25" presetID="10" presetClass="entr" presetSubtype="0" fill="hold" grpId="0" nodeType="clickEffect">
+                                <p:cTn id="25" presetID="10" presetClass="entr" presetSubtype="0" fill="hold" nodeType="clickEffect">
                                   <p:stCondLst>
                                     <p:cond delay="0"/>
                                   </p:stCondLst>
@@ -12290,7 +13012,7 @@
                                           </p:stCondLst>
                                         </p:cTn>
                                         <p:tgtEl>
-                                          <p:spTgt spid="159">
+                                          <p:spTgt spid="161">
                                             <p:txEl>
                                               <p:pRg st="4" end="4"/>
                                             </p:txEl>
@@ -12308,7 +13030,1042 @@
                                       <p:cBhvr>
                                         <p:cTn id="27" dur="500"/>
                                         <p:tgtEl>
-                                          <p:spTgt spid="159">
+                                          <p:spTgt spid="161">
+                                            <p:txEl>
+                                              <p:pRg st="4" end="4"/>
+                                            </p:txEl>
+                                          </p:spTgt>
+                                        </p:tgtEl>
+                                      </p:cBhvr>
+                                    </p:animEffect>
+                                  </p:childTnLst>
+                                </p:cTn>
+                              </p:par>
+                            </p:childTnLst>
+                          </p:cTn>
+                        </p:par>
+                      </p:childTnLst>
+                    </p:cTn>
+                  </p:par>
+                  <p:par>
+                    <p:cTn id="28" fill="hold">
+                      <p:stCondLst>
+                        <p:cond delay="indefinite"/>
+                      </p:stCondLst>
+                      <p:childTnLst>
+                        <p:par>
+                          <p:cTn id="29" fill="hold">
+                            <p:stCondLst>
+                              <p:cond delay="0"/>
+                            </p:stCondLst>
+                            <p:childTnLst>
+                              <p:par>
+                                <p:cTn id="30" presetID="10" presetClass="entr" presetSubtype="0" fill="hold" nodeType="clickEffect">
+                                  <p:stCondLst>
+                                    <p:cond delay="0"/>
+                                  </p:stCondLst>
+                                  <p:childTnLst>
+                                    <p:set>
+                                      <p:cBhvr>
+                                        <p:cTn id="31" dur="1" fill="hold">
+                                          <p:stCondLst>
+                                            <p:cond delay="0"/>
+                                          </p:stCondLst>
+                                        </p:cTn>
+                                        <p:tgtEl>
+                                          <p:spTgt spid="161">
+                                            <p:txEl>
+                                              <p:pRg st="5" end="5"/>
+                                            </p:txEl>
+                                          </p:spTgt>
+                                        </p:tgtEl>
+                                        <p:attrNameLst>
+                                          <p:attrName>style.visibility</p:attrName>
+                                        </p:attrNameLst>
+                                      </p:cBhvr>
+                                      <p:to>
+                                        <p:strVal val="visible"/>
+                                      </p:to>
+                                    </p:set>
+                                    <p:animEffect transition="in" filter="fade">
+                                      <p:cBhvr>
+                                        <p:cTn id="32" dur="500"/>
+                                        <p:tgtEl>
+                                          <p:spTgt spid="161">
+                                            <p:txEl>
+                                              <p:pRg st="5" end="5"/>
+                                            </p:txEl>
+                                          </p:spTgt>
+                                        </p:tgtEl>
+                                      </p:cBhvr>
+                                    </p:animEffect>
+                                  </p:childTnLst>
+                                </p:cTn>
+                              </p:par>
+                            </p:childTnLst>
+                          </p:cTn>
+                        </p:par>
+                      </p:childTnLst>
+                    </p:cTn>
+                  </p:par>
+                </p:childTnLst>
+              </p:cTn>
+              <p:prevCondLst>
+                <p:cond evt="onPrev" delay="0">
+                  <p:tgtEl>
+                    <p:sldTgt/>
+                  </p:tgtEl>
+                </p:cond>
+              </p:prevCondLst>
+              <p:nextCondLst>
+                <p:cond evt="onNext" delay="0">
+                  <p:tgtEl>
+                    <p:sldTgt/>
+                  </p:tgtEl>
+                </p:cond>
+              </p:nextCondLst>
+            </p:seq>
+          </p:childTnLst>
+        </p:cTn>
+      </p:par>
+    </p:tnLst>
+  </p:timing>
+</p:sld>
+</file>
+
+<file path=ppt/slides/slide13.xml><?xml version="1.0" encoding="utf-8"?>
+<p:sld xmlns:a="http://schemas.openxmlformats.org/drawingml/2006/main" xmlns:r="http://schemas.openxmlformats.org/officeDocument/2006/relationships" xmlns:p="http://schemas.openxmlformats.org/presentationml/2006/main">
+  <p:cSld>
+    <p:bg>
+      <p:bgPr>
+        <a:solidFill>
+          <a:srgbClr val="FFFFFF"/>
+        </a:solidFill>
+        <a:effectLst/>
+      </p:bgPr>
+    </p:bg>
+    <p:spTree>
+      <p:nvGrpSpPr>
+        <p:cNvPr id="1" name="Shape 167"/>
+        <p:cNvGrpSpPr/>
+        <p:nvPr/>
+      </p:nvGrpSpPr>
+      <p:grpSpPr>
+        <a:xfrm>
+          <a:off x="0" y="0"/>
+          <a:ext cx="0" cy="0"/>
+          <a:chOff x="0" y="0"/>
+          <a:chExt cx="0" cy="0"/>
+        </a:xfrm>
+      </p:grpSpPr>
+      <p:sp>
+        <p:nvSpPr>
+          <p:cNvPr id="168" name="Google Shape;168;p7"/>
+          <p:cNvSpPr txBox="1">
+            <a:spLocks noGrp="1"/>
+          </p:cNvSpPr>
+          <p:nvPr>
+            <p:ph type="title"/>
+          </p:nvPr>
+        </p:nvSpPr>
+        <p:spPr>
+          <a:xfrm>
+            <a:off x="311700" y="445025"/>
+            <a:ext cx="8520600" cy="613200"/>
+          </a:xfrm>
+          <a:prstGeom prst="rect">
+            <a:avLst/>
+          </a:prstGeom>
+          <a:noFill/>
+          <a:ln>
+            <a:noFill/>
+          </a:ln>
+        </p:spPr>
+        <p:txBody>
+          <a:bodyPr spcFirstLastPara="1" wrap="square" lIns="91425" tIns="91425" rIns="91425" bIns="91425" anchor="t" anchorCtr="0">
+            <a:noAutofit/>
+          </a:bodyPr>
+          <a:lstStyle/>
+          <a:p>
+            <a:r>
+              <a:rPr lang="en-US" dirty="0">
+                <a:latin typeface="Lato" panose="020F0502020204030203" pitchFamily="34" charset="0"/>
+              </a:rPr>
+              <a:t>Insights: Histological Type</a:t>
+            </a:r>
+            <a:endParaRPr dirty="0">
+              <a:latin typeface="Lato" panose="020F0502020204030203" pitchFamily="34" charset="0"/>
+            </a:endParaRPr>
+          </a:p>
+        </p:txBody>
+      </p:sp>
+      <p:sp>
+        <p:nvSpPr>
+          <p:cNvPr id="169" name="Google Shape;169;p7"/>
+          <p:cNvSpPr txBox="1">
+            <a:spLocks noGrp="1"/>
+          </p:cNvSpPr>
+          <p:nvPr>
+            <p:ph type="body" idx="1"/>
+          </p:nvPr>
+        </p:nvSpPr>
+        <p:spPr>
+          <a:xfrm>
+            <a:off x="311700" y="1171600"/>
+            <a:ext cx="4659804" cy="3397200"/>
+          </a:xfrm>
+          <a:prstGeom prst="rect">
+            <a:avLst/>
+          </a:prstGeom>
+          <a:noFill/>
+          <a:ln>
+            <a:noFill/>
+          </a:ln>
+        </p:spPr>
+        <p:txBody>
+          <a:bodyPr spcFirstLastPara="1" wrap="square" lIns="91425" tIns="91425" rIns="91425" bIns="91425" anchor="t" anchorCtr="0">
+            <a:noAutofit/>
+          </a:bodyPr>
+          <a:lstStyle/>
+          <a:p>
+            <a:pPr marL="285750" lvl="0" indent="-285750" algn="l" rtl="0">
+              <a:lnSpc>
+                <a:spcPct val="115000"/>
+              </a:lnSpc>
+              <a:spcBef>
+                <a:spcPts val="0"/>
+              </a:spcBef>
+              <a:spcAft>
+                <a:spcPts val="0"/>
+              </a:spcAft>
+              <a:buSzPts val="1800"/>
+              <a:buChar char="●"/>
+            </a:pPr>
+            <a:r>
+              <a:rPr lang="en-US" dirty="0">
+                <a:latin typeface="Lato" panose="020F0502020204030203" pitchFamily="34" charset="0"/>
+              </a:rPr>
+              <a:t>As suspected, histological type 8480 more likely to be grade 3 or 4 (</a:t>
+            </a:r>
+            <a:r>
+              <a:rPr lang="en-US" dirty="0">
+                <a:latin typeface="Lato" panose="020F0502020204030203" pitchFamily="34" charset="0"/>
+                <a:ea typeface="Times New Roman"/>
+                <a:cs typeface="Times New Roman"/>
+                <a:sym typeface="Times New Roman"/>
+              </a:rPr>
+              <a:t>β = .094)</a:t>
+            </a:r>
+            <a:endParaRPr dirty="0">
+              <a:latin typeface="Lato" panose="020F0502020204030203" pitchFamily="34" charset="0"/>
+            </a:endParaRPr>
+          </a:p>
+          <a:p>
+            <a:pPr marL="285750" lvl="0" indent="-285750" algn="l" rtl="0">
+              <a:lnSpc>
+                <a:spcPct val="115000"/>
+              </a:lnSpc>
+              <a:spcBef>
+                <a:spcPts val="1600"/>
+              </a:spcBef>
+              <a:spcAft>
+                <a:spcPts val="0"/>
+              </a:spcAft>
+              <a:buSzPts val="1800"/>
+              <a:buChar char="●"/>
+            </a:pPr>
+            <a:r>
+              <a:rPr lang="en-US" dirty="0">
+                <a:latin typeface="Lato" panose="020F0502020204030203" pitchFamily="34" charset="0"/>
+              </a:rPr>
+              <a:t>8480 grouped in </a:t>
+            </a:r>
+            <a:r>
+              <a:rPr lang="en-US" dirty="0" err="1">
+                <a:latin typeface="Lato" panose="020F0502020204030203" pitchFamily="34" charset="0"/>
+              </a:rPr>
+              <a:t>mucoepidermoid</a:t>
+            </a:r>
+            <a:r>
+              <a:rPr lang="en-US" dirty="0">
+                <a:latin typeface="Lato" panose="020F0502020204030203" pitchFamily="34" charset="0"/>
+              </a:rPr>
+              <a:t> and neoplasms vs. adenomas and adenocarcinomas</a:t>
+            </a:r>
+            <a:endParaRPr dirty="0">
+              <a:latin typeface="Lato" panose="020F0502020204030203" pitchFamily="34" charset="0"/>
+            </a:endParaRPr>
+          </a:p>
+          <a:p>
+            <a:pPr marL="285750" lvl="0" indent="-285750" algn="l" rtl="0">
+              <a:lnSpc>
+                <a:spcPct val="115000"/>
+              </a:lnSpc>
+              <a:spcBef>
+                <a:spcPts val="1600"/>
+              </a:spcBef>
+              <a:spcAft>
+                <a:spcPts val="0"/>
+              </a:spcAft>
+              <a:buSzPts val="1800"/>
+              <a:buChar char="●"/>
+            </a:pPr>
+            <a:r>
+              <a:rPr lang="en-US" dirty="0">
+                <a:latin typeface="Lato" panose="020F0502020204030203" pitchFamily="34" charset="0"/>
+              </a:rPr>
+              <a:t>Problems in this tissue have higher odds of being aggressive</a:t>
+            </a:r>
+            <a:endParaRPr dirty="0">
+              <a:latin typeface="Lato" panose="020F0502020204030203" pitchFamily="34" charset="0"/>
+            </a:endParaRPr>
+          </a:p>
+          <a:p>
+            <a:pPr marL="285750" lvl="0" indent="-171450" algn="l" rtl="0">
+              <a:lnSpc>
+                <a:spcPct val="115000"/>
+              </a:lnSpc>
+              <a:spcBef>
+                <a:spcPts val="1600"/>
+              </a:spcBef>
+              <a:spcAft>
+                <a:spcPts val="0"/>
+              </a:spcAft>
+              <a:buSzPts val="1800"/>
+              <a:buNone/>
+            </a:pPr>
+            <a:endParaRPr dirty="0">
+              <a:latin typeface="Lato" panose="020F0502020204030203" pitchFamily="34" charset="0"/>
+            </a:endParaRPr>
+          </a:p>
+          <a:p>
+            <a:pPr marL="285750" lvl="0" indent="-171450" algn="l" rtl="0">
+              <a:lnSpc>
+                <a:spcPct val="115000"/>
+              </a:lnSpc>
+              <a:spcBef>
+                <a:spcPts val="1600"/>
+              </a:spcBef>
+              <a:spcAft>
+                <a:spcPts val="1600"/>
+              </a:spcAft>
+              <a:buSzPts val="1800"/>
+              <a:buNone/>
+            </a:pPr>
+            <a:endParaRPr dirty="0"/>
+          </a:p>
+        </p:txBody>
+      </p:sp>
+      <p:pic>
+        <p:nvPicPr>
+          <p:cNvPr id="170" name="Google Shape;170;p7"/>
+          <p:cNvPicPr preferRelativeResize="0"/>
+          <p:nvPr/>
+        </p:nvPicPr>
+        <p:blipFill rotWithShape="1">
+          <a:blip r:embed="rId3">
+            <a:alphaModFix/>
+          </a:blip>
+          <a:srcRect/>
+          <a:stretch/>
+        </p:blipFill>
+        <p:spPr>
+          <a:xfrm>
+            <a:off x="5598975" y="76199"/>
+            <a:ext cx="3437901" cy="523743"/>
+          </a:xfrm>
+          <a:prstGeom prst="rect">
+            <a:avLst/>
+          </a:prstGeom>
+          <a:noFill/>
+          <a:ln>
+            <a:noFill/>
+          </a:ln>
+        </p:spPr>
+      </p:pic>
+      <p:cxnSp>
+        <p:nvCxnSpPr>
+          <p:cNvPr id="171" name="Google Shape;171;p7"/>
+          <p:cNvCxnSpPr/>
+          <p:nvPr/>
+        </p:nvCxnSpPr>
+        <p:spPr>
+          <a:xfrm>
+            <a:off x="386050" y="1081775"/>
+            <a:ext cx="6914700" cy="16200"/>
+          </a:xfrm>
+          <a:prstGeom prst="straightConnector1">
+            <a:avLst/>
+          </a:prstGeom>
+          <a:noFill/>
+          <a:ln w="19050" cap="flat" cmpd="sng">
+            <a:solidFill>
+              <a:srgbClr val="CC0000"/>
+            </a:solidFill>
+            <a:prstDash val="solid"/>
+            <a:round/>
+            <a:headEnd type="none" w="sm" len="sm"/>
+            <a:tailEnd type="none" w="sm" len="sm"/>
+          </a:ln>
+        </p:spPr>
+      </p:cxnSp>
+      <p:pic>
+        <p:nvPicPr>
+          <p:cNvPr id="172" name="Google Shape;172;p7"/>
+          <p:cNvPicPr preferRelativeResize="0"/>
+          <p:nvPr/>
+        </p:nvPicPr>
+        <p:blipFill rotWithShape="1">
+          <a:blip r:embed="rId4">
+            <a:alphaModFix/>
+          </a:blip>
+          <a:srcRect r="35132"/>
+          <a:stretch/>
+        </p:blipFill>
+        <p:spPr>
+          <a:xfrm>
+            <a:off x="4971504" y="751625"/>
+            <a:ext cx="3963084" cy="3809680"/>
+          </a:xfrm>
+          <a:prstGeom prst="rect">
+            <a:avLst/>
+          </a:prstGeom>
+          <a:noFill/>
+          <a:ln>
+            <a:noFill/>
+          </a:ln>
+        </p:spPr>
+      </p:pic>
+      <p:pic>
+        <p:nvPicPr>
+          <p:cNvPr id="173" name="Google Shape;173;p7"/>
+          <p:cNvPicPr preferRelativeResize="0"/>
+          <p:nvPr/>
+        </p:nvPicPr>
+        <p:blipFill rotWithShape="1">
+          <a:blip r:embed="rId5">
+            <a:alphaModFix/>
+          </a:blip>
+          <a:srcRect/>
+          <a:stretch/>
+        </p:blipFill>
+        <p:spPr>
+          <a:xfrm>
+            <a:off x="7385104" y="1578560"/>
+            <a:ext cx="1162050" cy="1457325"/>
+          </a:xfrm>
+          <a:prstGeom prst="rect">
+            <a:avLst/>
+          </a:prstGeom>
+          <a:noFill/>
+          <a:ln>
+            <a:noFill/>
+          </a:ln>
+        </p:spPr>
+      </p:pic>
+      <p:sp>
+        <p:nvSpPr>
+          <p:cNvPr id="174" name="Google Shape;174;p7"/>
+          <p:cNvSpPr txBox="1"/>
+          <p:nvPr/>
+        </p:nvSpPr>
+        <p:spPr>
+          <a:xfrm>
+            <a:off x="5140611" y="4584855"/>
+            <a:ext cx="3624869" cy="307777"/>
+          </a:xfrm>
+          <a:prstGeom prst="rect">
+            <a:avLst/>
+          </a:prstGeom>
+          <a:noFill/>
+          <a:ln>
+            <a:noFill/>
+          </a:ln>
+        </p:spPr>
+        <p:txBody>
+          <a:bodyPr spcFirstLastPara="1" wrap="square" lIns="91425" tIns="45700" rIns="91425" bIns="45700" anchor="t" anchorCtr="0">
+            <a:spAutoFit/>
+          </a:bodyPr>
+          <a:lstStyle/>
+          <a:p>
+            <a:pPr marL="0" marR="0" lvl="0" indent="0" algn="l" rtl="0">
+              <a:lnSpc>
+                <a:spcPct val="100000"/>
+              </a:lnSpc>
+              <a:spcBef>
+                <a:spcPts val="0"/>
+              </a:spcBef>
+              <a:spcAft>
+                <a:spcPts val="0"/>
+              </a:spcAft>
+              <a:buNone/>
+            </a:pPr>
+            <a:r>
+              <a:rPr lang="en-US" sz="1400" b="1" i="0" u="none" strike="noStrike" cap="none">
+                <a:solidFill>
+                  <a:srgbClr val="000000"/>
+                </a:solidFill>
+                <a:latin typeface="Times New Roman"/>
+                <a:ea typeface="Times New Roman"/>
+                <a:cs typeface="Times New Roman"/>
+                <a:sym typeface="Times New Roman"/>
+              </a:rPr>
+              <a:t>β = Base | -1 | -.8 | .094</a:t>
+            </a:r>
+            <a:endParaRPr sz="1400" b="1" i="0" u="none" strike="noStrike" cap="none">
+              <a:solidFill>
+                <a:srgbClr val="000000"/>
+              </a:solidFill>
+              <a:latin typeface="Arial"/>
+              <a:ea typeface="Arial"/>
+              <a:cs typeface="Arial"/>
+              <a:sym typeface="Arial"/>
+            </a:endParaRPr>
+          </a:p>
+        </p:txBody>
+      </p:sp>
+      <p:sp>
+        <p:nvSpPr>
+          <p:cNvPr id="175" name="Google Shape;175;p7"/>
+          <p:cNvSpPr/>
+          <p:nvPr/>
+        </p:nvSpPr>
+        <p:spPr>
+          <a:xfrm>
+            <a:off x="5718874" y="4467779"/>
+            <a:ext cx="45719" cy="140626"/>
+          </a:xfrm>
+          <a:prstGeom prst="downArrow">
+            <a:avLst>
+              <a:gd name="adj1" fmla="val 50000"/>
+              <a:gd name="adj2" fmla="val 50000"/>
+            </a:avLst>
+          </a:prstGeom>
+          <a:solidFill>
+            <a:srgbClr val="FF0000"/>
+          </a:solidFill>
+          <a:ln w="25400" cap="flat" cmpd="sng">
+            <a:solidFill>
+              <a:srgbClr val="FF0000"/>
+            </a:solidFill>
+            <a:prstDash val="solid"/>
+            <a:round/>
+            <a:headEnd type="none" w="sm" len="sm"/>
+            <a:tailEnd type="none" w="sm" len="sm"/>
+          </a:ln>
+        </p:spPr>
+        <p:txBody>
+          <a:bodyPr spcFirstLastPara="1" wrap="square" lIns="91425" tIns="45700" rIns="91425" bIns="45700" anchor="ctr" anchorCtr="0">
+            <a:noAutofit/>
+          </a:bodyPr>
+          <a:lstStyle/>
+          <a:p>
+            <a:pPr marL="0" marR="0" lvl="0" indent="0" algn="ctr" rtl="0">
+              <a:lnSpc>
+                <a:spcPct val="100000"/>
+              </a:lnSpc>
+              <a:spcBef>
+                <a:spcPts val="0"/>
+              </a:spcBef>
+              <a:spcAft>
+                <a:spcPts val="0"/>
+              </a:spcAft>
+              <a:buNone/>
+            </a:pPr>
+            <a:endParaRPr sz="1400" b="0" i="0" u="none" strike="noStrike" cap="none">
+              <a:solidFill>
+                <a:schemeClr val="lt1"/>
+              </a:solidFill>
+              <a:latin typeface="Arial"/>
+              <a:ea typeface="Arial"/>
+              <a:cs typeface="Arial"/>
+              <a:sym typeface="Arial"/>
+            </a:endParaRPr>
+          </a:p>
+        </p:txBody>
+      </p:sp>
+      <p:sp>
+        <p:nvSpPr>
+          <p:cNvPr id="176" name="Google Shape;176;p7"/>
+          <p:cNvSpPr/>
+          <p:nvPr/>
+        </p:nvSpPr>
+        <p:spPr>
+          <a:xfrm>
+            <a:off x="6036716" y="4467779"/>
+            <a:ext cx="45719" cy="140626"/>
+          </a:xfrm>
+          <a:prstGeom prst="downArrow">
+            <a:avLst>
+              <a:gd name="adj1" fmla="val 50000"/>
+              <a:gd name="adj2" fmla="val 50000"/>
+            </a:avLst>
+          </a:prstGeom>
+          <a:solidFill>
+            <a:srgbClr val="FF0000"/>
+          </a:solidFill>
+          <a:ln w="25400" cap="flat" cmpd="sng">
+            <a:solidFill>
+              <a:srgbClr val="FF0000"/>
+            </a:solidFill>
+            <a:prstDash val="solid"/>
+            <a:round/>
+            <a:headEnd type="none" w="sm" len="sm"/>
+            <a:tailEnd type="none" w="sm" len="sm"/>
+          </a:ln>
+        </p:spPr>
+        <p:txBody>
+          <a:bodyPr spcFirstLastPara="1" wrap="square" lIns="91425" tIns="45700" rIns="91425" bIns="45700" anchor="ctr" anchorCtr="0">
+            <a:noAutofit/>
+          </a:bodyPr>
+          <a:lstStyle/>
+          <a:p>
+            <a:pPr marL="0" marR="0" lvl="0" indent="0" algn="ctr" rtl="0">
+              <a:lnSpc>
+                <a:spcPct val="100000"/>
+              </a:lnSpc>
+              <a:spcBef>
+                <a:spcPts val="0"/>
+              </a:spcBef>
+              <a:spcAft>
+                <a:spcPts val="0"/>
+              </a:spcAft>
+              <a:buNone/>
+            </a:pPr>
+            <a:endParaRPr sz="1400" b="0" i="0" u="none" strike="noStrike" cap="none">
+              <a:solidFill>
+                <a:schemeClr val="lt1"/>
+              </a:solidFill>
+              <a:latin typeface="Arial"/>
+              <a:ea typeface="Arial"/>
+              <a:cs typeface="Arial"/>
+              <a:sym typeface="Arial"/>
+            </a:endParaRPr>
+          </a:p>
+        </p:txBody>
+      </p:sp>
+      <p:sp>
+        <p:nvSpPr>
+          <p:cNvPr id="177" name="Google Shape;177;p7"/>
+          <p:cNvSpPr/>
+          <p:nvPr/>
+        </p:nvSpPr>
+        <p:spPr>
+          <a:xfrm>
+            <a:off x="6339156" y="4457492"/>
+            <a:ext cx="45719" cy="140626"/>
+          </a:xfrm>
+          <a:prstGeom prst="downArrow">
+            <a:avLst>
+              <a:gd name="adj1" fmla="val 50000"/>
+              <a:gd name="adj2" fmla="val 50000"/>
+            </a:avLst>
+          </a:prstGeom>
+          <a:solidFill>
+            <a:srgbClr val="FF0000"/>
+          </a:solidFill>
+          <a:ln w="25400" cap="flat" cmpd="sng">
+            <a:solidFill>
+              <a:srgbClr val="FF0000"/>
+            </a:solidFill>
+            <a:prstDash val="solid"/>
+            <a:round/>
+            <a:headEnd type="none" w="sm" len="sm"/>
+            <a:tailEnd type="none" w="sm" len="sm"/>
+          </a:ln>
+        </p:spPr>
+        <p:txBody>
+          <a:bodyPr spcFirstLastPara="1" wrap="square" lIns="91425" tIns="45700" rIns="91425" bIns="45700" anchor="ctr" anchorCtr="0">
+            <a:noAutofit/>
+          </a:bodyPr>
+          <a:lstStyle/>
+          <a:p>
+            <a:pPr marL="0" marR="0" lvl="0" indent="0" algn="ctr" rtl="0">
+              <a:lnSpc>
+                <a:spcPct val="100000"/>
+              </a:lnSpc>
+              <a:spcBef>
+                <a:spcPts val="0"/>
+              </a:spcBef>
+              <a:spcAft>
+                <a:spcPts val="0"/>
+              </a:spcAft>
+              <a:buNone/>
+            </a:pPr>
+            <a:endParaRPr sz="1400" b="0" i="0" u="none" strike="noStrike" cap="none">
+              <a:solidFill>
+                <a:schemeClr val="lt1"/>
+              </a:solidFill>
+              <a:latin typeface="Arial"/>
+              <a:ea typeface="Arial"/>
+              <a:cs typeface="Arial"/>
+              <a:sym typeface="Arial"/>
+            </a:endParaRPr>
+          </a:p>
+        </p:txBody>
+      </p:sp>
+      <p:sp>
+        <p:nvSpPr>
+          <p:cNvPr id="178" name="Google Shape;178;p7"/>
+          <p:cNvSpPr/>
+          <p:nvPr/>
+        </p:nvSpPr>
+        <p:spPr>
+          <a:xfrm>
+            <a:off x="6664747" y="4456548"/>
+            <a:ext cx="45719" cy="140626"/>
+          </a:xfrm>
+          <a:prstGeom prst="downArrow">
+            <a:avLst>
+              <a:gd name="adj1" fmla="val 50000"/>
+              <a:gd name="adj2" fmla="val 50000"/>
+            </a:avLst>
+          </a:prstGeom>
+          <a:solidFill>
+            <a:srgbClr val="FF0000"/>
+          </a:solidFill>
+          <a:ln w="25400" cap="flat" cmpd="sng">
+            <a:solidFill>
+              <a:srgbClr val="FF0000"/>
+            </a:solidFill>
+            <a:prstDash val="solid"/>
+            <a:round/>
+            <a:headEnd type="none" w="sm" len="sm"/>
+            <a:tailEnd type="none" w="sm" len="sm"/>
+          </a:ln>
+        </p:spPr>
+        <p:txBody>
+          <a:bodyPr spcFirstLastPara="1" wrap="square" lIns="91425" tIns="45700" rIns="91425" bIns="45700" anchor="ctr" anchorCtr="0">
+            <a:noAutofit/>
+          </a:bodyPr>
+          <a:lstStyle/>
+          <a:p>
+            <a:pPr marL="0" marR="0" lvl="0" indent="0" algn="ctr" rtl="0">
+              <a:lnSpc>
+                <a:spcPct val="100000"/>
+              </a:lnSpc>
+              <a:spcBef>
+                <a:spcPts val="0"/>
+              </a:spcBef>
+              <a:spcAft>
+                <a:spcPts val="0"/>
+              </a:spcAft>
+              <a:buNone/>
+            </a:pPr>
+            <a:endParaRPr sz="1400" b="0" i="0" u="none" strike="noStrike" cap="none">
+              <a:solidFill>
+                <a:schemeClr val="lt1"/>
+              </a:solidFill>
+              <a:latin typeface="Arial"/>
+              <a:ea typeface="Arial"/>
+              <a:cs typeface="Arial"/>
+              <a:sym typeface="Arial"/>
+            </a:endParaRPr>
+          </a:p>
+        </p:txBody>
+      </p:sp>
+    </p:spTree>
+  </p:cSld>
+  <p:clrMapOvr>
+    <a:masterClrMapping/>
+  </p:clrMapOvr>
+  <p:timing>
+    <p:tnLst>
+      <p:par>
+        <p:cTn id="1" dur="indefinite" restart="never" nodeType="tmRoot">
+          <p:childTnLst>
+            <p:seq concurrent="1" nextAc="seek">
+              <p:cTn id="2" dur="indefinite" nodeType="mainSeq">
+                <p:childTnLst>
+                  <p:par>
+                    <p:cTn id="3" fill="hold">
+                      <p:stCondLst>
+                        <p:cond delay="indefinite"/>
+                      </p:stCondLst>
+                      <p:childTnLst>
+                        <p:par>
+                          <p:cTn id="4" fill="hold">
+                            <p:stCondLst>
+                              <p:cond delay="0"/>
+                            </p:stCondLst>
+                            <p:childTnLst>
+                              <p:par>
+                                <p:cTn id="5" presetID="10" presetClass="entr" presetSubtype="0" fill="hold" nodeType="clickEffect">
+                                  <p:stCondLst>
+                                    <p:cond delay="0"/>
+                                  </p:stCondLst>
+                                  <p:childTnLst>
+                                    <p:set>
+                                      <p:cBhvr>
+                                        <p:cTn id="6" dur="1" fill="hold">
+                                          <p:stCondLst>
+                                            <p:cond delay="0"/>
+                                          </p:stCondLst>
+                                        </p:cTn>
+                                        <p:tgtEl>
+                                          <p:spTgt spid="169">
+                                            <p:txEl>
+                                              <p:pRg st="0" end="0"/>
+                                            </p:txEl>
+                                          </p:spTgt>
+                                        </p:tgtEl>
+                                        <p:attrNameLst>
+                                          <p:attrName>style.visibility</p:attrName>
+                                        </p:attrNameLst>
+                                      </p:cBhvr>
+                                      <p:to>
+                                        <p:strVal val="visible"/>
+                                      </p:to>
+                                    </p:set>
+                                    <p:animEffect transition="in" filter="fade">
+                                      <p:cBhvr>
+                                        <p:cTn id="7" dur="500"/>
+                                        <p:tgtEl>
+                                          <p:spTgt spid="169">
+                                            <p:txEl>
+                                              <p:pRg st="0" end="0"/>
+                                            </p:txEl>
+                                          </p:spTgt>
+                                        </p:tgtEl>
+                                      </p:cBhvr>
+                                    </p:animEffect>
+                                  </p:childTnLst>
+                                </p:cTn>
+                              </p:par>
+                            </p:childTnLst>
+                          </p:cTn>
+                        </p:par>
+                      </p:childTnLst>
+                    </p:cTn>
+                  </p:par>
+                  <p:par>
+                    <p:cTn id="8" fill="hold">
+                      <p:stCondLst>
+                        <p:cond delay="indefinite"/>
+                      </p:stCondLst>
+                      <p:childTnLst>
+                        <p:par>
+                          <p:cTn id="9" fill="hold">
+                            <p:stCondLst>
+                              <p:cond delay="0"/>
+                            </p:stCondLst>
+                            <p:childTnLst>
+                              <p:par>
+                                <p:cTn id="10" presetID="10" presetClass="entr" presetSubtype="0" fill="hold" nodeType="clickEffect">
+                                  <p:stCondLst>
+                                    <p:cond delay="0"/>
+                                  </p:stCondLst>
+                                  <p:childTnLst>
+                                    <p:set>
+                                      <p:cBhvr>
+                                        <p:cTn id="11" dur="1" fill="hold">
+                                          <p:stCondLst>
+                                            <p:cond delay="0"/>
+                                          </p:stCondLst>
+                                        </p:cTn>
+                                        <p:tgtEl>
+                                          <p:spTgt spid="169">
+                                            <p:txEl>
+                                              <p:pRg st="1" end="1"/>
+                                            </p:txEl>
+                                          </p:spTgt>
+                                        </p:tgtEl>
+                                        <p:attrNameLst>
+                                          <p:attrName>style.visibility</p:attrName>
+                                        </p:attrNameLst>
+                                      </p:cBhvr>
+                                      <p:to>
+                                        <p:strVal val="visible"/>
+                                      </p:to>
+                                    </p:set>
+                                    <p:animEffect transition="in" filter="fade">
+                                      <p:cBhvr>
+                                        <p:cTn id="12" dur="500"/>
+                                        <p:tgtEl>
+                                          <p:spTgt spid="169">
+                                            <p:txEl>
+                                              <p:pRg st="1" end="1"/>
+                                            </p:txEl>
+                                          </p:spTgt>
+                                        </p:tgtEl>
+                                      </p:cBhvr>
+                                    </p:animEffect>
+                                  </p:childTnLst>
+                                </p:cTn>
+                              </p:par>
+                            </p:childTnLst>
+                          </p:cTn>
+                        </p:par>
+                      </p:childTnLst>
+                    </p:cTn>
+                  </p:par>
+                  <p:par>
+                    <p:cTn id="13" fill="hold">
+                      <p:stCondLst>
+                        <p:cond delay="indefinite"/>
+                      </p:stCondLst>
+                      <p:childTnLst>
+                        <p:par>
+                          <p:cTn id="14" fill="hold">
+                            <p:stCondLst>
+                              <p:cond delay="0"/>
+                            </p:stCondLst>
+                            <p:childTnLst>
+                              <p:par>
+                                <p:cTn id="15" presetID="10" presetClass="entr" presetSubtype="0" fill="hold" nodeType="clickEffect">
+                                  <p:stCondLst>
+                                    <p:cond delay="0"/>
+                                  </p:stCondLst>
+                                  <p:childTnLst>
+                                    <p:set>
+                                      <p:cBhvr>
+                                        <p:cTn id="16" dur="1" fill="hold">
+                                          <p:stCondLst>
+                                            <p:cond delay="0"/>
+                                          </p:stCondLst>
+                                        </p:cTn>
+                                        <p:tgtEl>
+                                          <p:spTgt spid="169">
+                                            <p:txEl>
+                                              <p:pRg st="2" end="2"/>
+                                            </p:txEl>
+                                          </p:spTgt>
+                                        </p:tgtEl>
+                                        <p:attrNameLst>
+                                          <p:attrName>style.visibility</p:attrName>
+                                        </p:attrNameLst>
+                                      </p:cBhvr>
+                                      <p:to>
+                                        <p:strVal val="visible"/>
+                                      </p:to>
+                                    </p:set>
+                                    <p:animEffect transition="in" filter="fade">
+                                      <p:cBhvr>
+                                        <p:cTn id="17" dur="500"/>
+                                        <p:tgtEl>
+                                          <p:spTgt spid="169">
+                                            <p:txEl>
+                                              <p:pRg st="2" end="2"/>
+                                            </p:txEl>
+                                          </p:spTgt>
+                                        </p:tgtEl>
+                                      </p:cBhvr>
+                                    </p:animEffect>
+                                  </p:childTnLst>
+                                </p:cTn>
+                              </p:par>
+                            </p:childTnLst>
+                          </p:cTn>
+                        </p:par>
+                      </p:childTnLst>
+                    </p:cTn>
+                  </p:par>
+                  <p:par>
+                    <p:cTn id="18" fill="hold">
+                      <p:stCondLst>
+                        <p:cond delay="indefinite"/>
+                      </p:stCondLst>
+                      <p:childTnLst>
+                        <p:par>
+                          <p:cTn id="19" fill="hold">
+                            <p:stCondLst>
+                              <p:cond delay="0"/>
+                            </p:stCondLst>
+                            <p:childTnLst>
+                              <p:par>
+                                <p:cTn id="20" presetID="10" presetClass="entr" presetSubtype="0" fill="hold" nodeType="clickEffect">
+                                  <p:stCondLst>
+                                    <p:cond delay="0"/>
+                                  </p:stCondLst>
+                                  <p:childTnLst>
+                                    <p:set>
+                                      <p:cBhvr>
+                                        <p:cTn id="21" dur="1" fill="hold">
+                                          <p:stCondLst>
+                                            <p:cond delay="0"/>
+                                          </p:stCondLst>
+                                        </p:cTn>
+                                        <p:tgtEl>
+                                          <p:spTgt spid="169">
+                                            <p:txEl>
+                                              <p:pRg st="3" end="3"/>
+                                            </p:txEl>
+                                          </p:spTgt>
+                                        </p:tgtEl>
+                                        <p:attrNameLst>
+                                          <p:attrName>style.visibility</p:attrName>
+                                        </p:attrNameLst>
+                                      </p:cBhvr>
+                                      <p:to>
+                                        <p:strVal val="visible"/>
+                                      </p:to>
+                                    </p:set>
+                                    <p:animEffect transition="in" filter="fade">
+                                      <p:cBhvr>
+                                        <p:cTn id="22" dur="500"/>
+                                        <p:tgtEl>
+                                          <p:spTgt spid="169">
+                                            <p:txEl>
+                                              <p:pRg st="3" end="3"/>
+                                            </p:txEl>
+                                          </p:spTgt>
+                                        </p:tgtEl>
+                                      </p:cBhvr>
+                                    </p:animEffect>
+                                  </p:childTnLst>
+                                </p:cTn>
+                              </p:par>
+                            </p:childTnLst>
+                          </p:cTn>
+                        </p:par>
+                      </p:childTnLst>
+                    </p:cTn>
+                  </p:par>
+                  <p:par>
+                    <p:cTn id="23" fill="hold">
+                      <p:stCondLst>
+                        <p:cond delay="indefinite"/>
+                      </p:stCondLst>
+                      <p:childTnLst>
+                        <p:par>
+                          <p:cTn id="24" fill="hold">
+                            <p:stCondLst>
+                              <p:cond delay="0"/>
+                            </p:stCondLst>
+                            <p:childTnLst>
+                              <p:par>
+                                <p:cTn id="25" presetID="10" presetClass="entr" presetSubtype="0" fill="hold" nodeType="clickEffect">
+                                  <p:stCondLst>
+                                    <p:cond delay="0"/>
+                                  </p:stCondLst>
+                                  <p:childTnLst>
+                                    <p:set>
+                                      <p:cBhvr>
+                                        <p:cTn id="26" dur="1" fill="hold">
+                                          <p:stCondLst>
+                                            <p:cond delay="0"/>
+                                          </p:stCondLst>
+                                        </p:cTn>
+                                        <p:tgtEl>
+                                          <p:spTgt spid="169">
+                                            <p:txEl>
+                                              <p:pRg st="4" end="4"/>
+                                            </p:txEl>
+                                          </p:spTgt>
+                                        </p:tgtEl>
+                                        <p:attrNameLst>
+                                          <p:attrName>style.visibility</p:attrName>
+                                        </p:attrNameLst>
+                                      </p:cBhvr>
+                                      <p:to>
+                                        <p:strVal val="visible"/>
+                                      </p:to>
+                                    </p:set>
+                                    <p:animEffect transition="in" filter="fade">
+                                      <p:cBhvr>
+                                        <p:cTn id="27" dur="500"/>
+                                        <p:tgtEl>
+                                          <p:spTgt spid="169">
                                             <p:txEl>
                                               <p:pRg st="4" end="4"/>
                                             </p:txEl>
@@ -12346,14 +14103,11 @@
         </p:cTn>
       </p:par>
     </p:tnLst>
-    <p:bldLst>
-      <p:bldP spid="159" grpId="0" build="p"/>
-    </p:bldLst>
   </p:timing>
 </p:sld>
 </file>
 
-<file path=ppt/slides/slide12.xml><?xml version="1.0" encoding="utf-8"?>
+<file path=ppt/slides/slide14.xml><?xml version="1.0" encoding="utf-8"?>
 <p:sld xmlns:a="http://schemas.openxmlformats.org/drawingml/2006/main" xmlns:r="http://schemas.openxmlformats.org/officeDocument/2006/relationships" xmlns:p="http://schemas.openxmlformats.org/presentationml/2006/main">
   <p:cSld>
     <p:bg>
@@ -12366,7 +14120,7 @@
     </p:bg>
     <p:spTree>
       <p:nvGrpSpPr>
-        <p:cNvPr id="1" name="Shape 157"/>
+        <p:cNvPr id="1" name="Shape 182"/>
         <p:cNvGrpSpPr/>
         <p:nvPr/>
       </p:nvGrpSpPr>
@@ -12380,7 +14134,7 @@
       </p:grpSpPr>
       <p:sp>
         <p:nvSpPr>
-          <p:cNvPr id="158" name="Google Shape;158;p12"/>
+          <p:cNvPr id="183" name="Google Shape;183;p13"/>
           <p:cNvSpPr txBox="1">
             <a:spLocks noGrp="1"/>
           </p:cNvSpPr>
@@ -12421,804 +14175,20 @@
               <a:buNone/>
             </a:pPr>
             <a:r>
-              <a:rPr lang="en-US" dirty="0"/>
-              <a:t>Insights: Histological Type</a:t>
+              <a:rPr lang="en-US" dirty="0">
+                <a:latin typeface="Lato" panose="020F0502020204030203" pitchFamily="34" charset="0"/>
+              </a:rPr>
+              <a:t>Reference</a:t>
             </a:r>
-            <a:endParaRPr dirty="0"/>
+            <a:endParaRPr dirty="0">
+              <a:latin typeface="Lato" panose="020F0502020204030203" pitchFamily="34" charset="0"/>
+            </a:endParaRPr>
           </a:p>
         </p:txBody>
       </p:sp>
       <p:sp>
         <p:nvSpPr>
-          <p:cNvPr id="159" name="Google Shape;159;p12"/>
-          <p:cNvSpPr txBox="1">
-            <a:spLocks noGrp="1"/>
-          </p:cNvSpPr>
-          <p:nvPr>
-            <p:ph type="body" idx="1"/>
-          </p:nvPr>
-        </p:nvSpPr>
-        <p:spPr>
-          <a:xfrm>
-            <a:off x="311700" y="1171600"/>
-            <a:ext cx="4659804" cy="3397200"/>
-          </a:xfrm>
-          <a:prstGeom prst="rect">
-            <a:avLst/>
-          </a:prstGeom>
-          <a:noFill/>
-          <a:ln>
-            <a:noFill/>
-          </a:ln>
-        </p:spPr>
-        <p:txBody>
-          <a:bodyPr spcFirstLastPara="1" wrap="square" lIns="91425" tIns="91425" rIns="91425" bIns="91425" anchor="t" anchorCtr="0">
-            <a:noAutofit/>
-          </a:bodyPr>
-          <a:lstStyle/>
-          <a:p>
-            <a:pPr marL="285750" indent="-285750">
-              <a:spcAft>
-                <a:spcPts val="1600"/>
-              </a:spcAft>
-            </a:pPr>
-            <a:r>
-              <a:rPr lang="en-US" dirty="0"/>
-              <a:t>As suspected, histological type 8480 more likely to be grade 3 or 4 (</a:t>
-            </a:r>
-            <a:r>
-              <a:rPr lang="el-GR" dirty="0">
-                <a:latin typeface="Times New Roman" panose="02020603050405020304" pitchFamily="18" charset="0"/>
-                <a:cs typeface="Times New Roman" panose="02020603050405020304" pitchFamily="18" charset="0"/>
-              </a:rPr>
-              <a:t>β</a:t>
-            </a:r>
-            <a:r>
-              <a:rPr lang="en-US" dirty="0">
-                <a:latin typeface="Times New Roman" panose="02020603050405020304" pitchFamily="18" charset="0"/>
-                <a:cs typeface="Times New Roman" panose="02020603050405020304" pitchFamily="18" charset="0"/>
-              </a:rPr>
-              <a:t> = .094)</a:t>
-            </a:r>
-            <a:endParaRPr lang="en-US" dirty="0"/>
-          </a:p>
-          <a:p>
-            <a:pPr marL="285750" indent="-285750">
-              <a:spcAft>
-                <a:spcPts val="1600"/>
-              </a:spcAft>
-            </a:pPr>
-            <a:r>
-              <a:rPr lang="en-US" dirty="0"/>
-              <a:t>8480 grouped in mucoepidermoid and neoplasms vs. adenomas and adenocarcinomas</a:t>
-            </a:r>
-          </a:p>
-          <a:p>
-            <a:pPr marL="285750" indent="-285750">
-              <a:spcAft>
-                <a:spcPts val="1600"/>
-              </a:spcAft>
-            </a:pPr>
-            <a:r>
-              <a:rPr lang="en-US" dirty="0"/>
-              <a:t>Problems in this tissue have higher odds of being aggressive</a:t>
-            </a:r>
-          </a:p>
-          <a:p>
-            <a:pPr marL="285750" indent="-285750">
-              <a:spcAft>
-                <a:spcPts val="1600"/>
-              </a:spcAft>
-            </a:pPr>
-            <a:endParaRPr lang="en-US" dirty="0"/>
-          </a:p>
-          <a:p>
-            <a:pPr marL="285750" indent="-285750">
-              <a:spcAft>
-                <a:spcPts val="1600"/>
-              </a:spcAft>
-            </a:pPr>
-            <a:endParaRPr dirty="0"/>
-          </a:p>
-        </p:txBody>
-      </p:sp>
-      <p:pic>
-        <p:nvPicPr>
-          <p:cNvPr id="160" name="Google Shape;160;p12"/>
-          <p:cNvPicPr preferRelativeResize="0"/>
-          <p:nvPr/>
-        </p:nvPicPr>
-        <p:blipFill rotWithShape="1">
-          <a:blip r:embed="rId3">
-            <a:alphaModFix/>
-          </a:blip>
-          <a:srcRect/>
-          <a:stretch/>
-        </p:blipFill>
-        <p:spPr>
-          <a:xfrm>
-            <a:off x="5598975" y="76199"/>
-            <a:ext cx="3437901" cy="523743"/>
-          </a:xfrm>
-          <a:prstGeom prst="rect">
-            <a:avLst/>
-          </a:prstGeom>
-          <a:noFill/>
-          <a:ln>
-            <a:noFill/>
-          </a:ln>
-        </p:spPr>
-      </p:pic>
-      <p:cxnSp>
-        <p:nvCxnSpPr>
-          <p:cNvPr id="161" name="Google Shape;161;p12"/>
-          <p:cNvCxnSpPr/>
-          <p:nvPr/>
-        </p:nvCxnSpPr>
-        <p:spPr>
-          <a:xfrm>
-            <a:off x="386050" y="1081775"/>
-            <a:ext cx="6914700" cy="16200"/>
-          </a:xfrm>
-          <a:prstGeom prst="straightConnector1">
-            <a:avLst/>
-          </a:prstGeom>
-          <a:noFill/>
-          <a:ln w="19050" cap="flat" cmpd="sng">
-            <a:solidFill>
-              <a:srgbClr val="CC0000"/>
-            </a:solidFill>
-            <a:prstDash val="solid"/>
-            <a:round/>
-            <a:headEnd type="none" w="sm" len="sm"/>
-            <a:tailEnd type="none" w="sm" len="sm"/>
-          </a:ln>
-        </p:spPr>
-      </p:cxnSp>
-      <p:pic>
-        <p:nvPicPr>
-          <p:cNvPr id="1026" name="Picture 2">
-            <a:extLst>
-              <a:ext uri="{FF2B5EF4-FFF2-40B4-BE49-F238E27FC236}">
-                <a16:creationId xmlns:a16="http://schemas.microsoft.com/office/drawing/2014/main" id="{104E75CE-ADEE-474A-A643-5E6CACE21D01}"/>
-              </a:ext>
-            </a:extLst>
-          </p:cNvPr>
-          <p:cNvPicPr>
-            <a:picLocks noChangeAspect="1" noChangeArrowheads="1"/>
-          </p:cNvPicPr>
-          <p:nvPr/>
-        </p:nvPicPr>
-        <p:blipFill rotWithShape="1">
-          <a:blip r:embed="rId4">
-            <a:extLst>
-              <a:ext uri="{28A0092B-C50C-407E-A947-70E740481C1C}">
-                <a14:useLocalDpi xmlns:a14="http://schemas.microsoft.com/office/drawing/2010/main" val="0"/>
-              </a:ext>
-            </a:extLst>
-          </a:blip>
-          <a:srcRect r="35133"/>
-          <a:stretch/>
-        </p:blipFill>
-        <p:spPr bwMode="auto">
-          <a:xfrm>
-            <a:off x="4971504" y="751625"/>
-            <a:ext cx="3963084" cy="3809680"/>
-          </a:xfrm>
-          <a:prstGeom prst="rect">
-            <a:avLst/>
-          </a:prstGeom>
-          <a:noFill/>
-          <a:extLst>
-            <a:ext uri="{909E8E84-426E-40DD-AFC4-6F175D3DCCD1}">
-              <a14:hiddenFill xmlns:a14="http://schemas.microsoft.com/office/drawing/2010/main">
-                <a:solidFill>
-                  <a:srgbClr val="FFFFFF"/>
-                </a:solidFill>
-              </a14:hiddenFill>
-            </a:ext>
-          </a:extLst>
-        </p:spPr>
-      </p:pic>
-      <p:pic>
-        <p:nvPicPr>
-          <p:cNvPr id="2" name="Picture 1">
-            <a:extLst>
-              <a:ext uri="{FF2B5EF4-FFF2-40B4-BE49-F238E27FC236}">
-                <a16:creationId xmlns:a16="http://schemas.microsoft.com/office/drawing/2014/main" id="{2C25916A-94BF-40A5-B46F-F5ED26C674F4}"/>
-              </a:ext>
-            </a:extLst>
-          </p:cNvPr>
-          <p:cNvPicPr>
-            <a:picLocks noChangeAspect="1"/>
-          </p:cNvPicPr>
-          <p:nvPr/>
-        </p:nvPicPr>
-        <p:blipFill>
-          <a:blip r:embed="rId5"/>
-          <a:stretch>
-            <a:fillRect/>
-          </a:stretch>
-        </p:blipFill>
-        <p:spPr>
-          <a:xfrm>
-            <a:off x="7385104" y="1578560"/>
-            <a:ext cx="1162050" cy="1457325"/>
-          </a:xfrm>
-          <a:prstGeom prst="rect">
-            <a:avLst/>
-          </a:prstGeom>
-        </p:spPr>
-      </p:pic>
-      <p:sp>
-        <p:nvSpPr>
-          <p:cNvPr id="3" name="TextBox 2">
-            <a:extLst>
-              <a:ext uri="{FF2B5EF4-FFF2-40B4-BE49-F238E27FC236}">
-                <a16:creationId xmlns:a16="http://schemas.microsoft.com/office/drawing/2014/main" id="{95D3975A-506A-4D0D-A676-940C819FE241}"/>
-              </a:ext>
-            </a:extLst>
-          </p:cNvPr>
-          <p:cNvSpPr txBox="1"/>
-          <p:nvPr/>
-        </p:nvSpPr>
-        <p:spPr>
-          <a:xfrm>
-            <a:off x="5140611" y="4584855"/>
-            <a:ext cx="3624869" cy="307777"/>
-          </a:xfrm>
-          <a:prstGeom prst="rect">
-            <a:avLst/>
-          </a:prstGeom>
-          <a:noFill/>
-        </p:spPr>
-        <p:txBody>
-          <a:bodyPr wrap="square" rtlCol="0">
-            <a:spAutoFit/>
-          </a:bodyPr>
-          <a:lstStyle/>
-          <a:p>
-            <a:r>
-              <a:rPr lang="el-GR" b="1" dirty="0">
-                <a:latin typeface="Times New Roman" panose="02020603050405020304" pitchFamily="18" charset="0"/>
-                <a:cs typeface="Times New Roman" panose="02020603050405020304" pitchFamily="18" charset="0"/>
-              </a:rPr>
-              <a:t>β</a:t>
-            </a:r>
-            <a:r>
-              <a:rPr lang="en-US" b="1" dirty="0">
-                <a:latin typeface="Times New Roman" panose="02020603050405020304" pitchFamily="18" charset="0"/>
-                <a:cs typeface="Times New Roman" panose="02020603050405020304" pitchFamily="18" charset="0"/>
-              </a:rPr>
-              <a:t> = Base | -1 | -.8 | .094</a:t>
-            </a:r>
-            <a:endParaRPr lang="en-US" b="1" dirty="0"/>
-          </a:p>
-        </p:txBody>
-      </p:sp>
-      <p:sp>
-        <p:nvSpPr>
-          <p:cNvPr id="4" name="Arrow: Down 3">
-            <a:extLst>
-              <a:ext uri="{FF2B5EF4-FFF2-40B4-BE49-F238E27FC236}">
-                <a16:creationId xmlns:a16="http://schemas.microsoft.com/office/drawing/2014/main" id="{FDBCC2EB-B796-4772-9784-5125F6B889CA}"/>
-              </a:ext>
-            </a:extLst>
-          </p:cNvPr>
-          <p:cNvSpPr/>
-          <p:nvPr/>
-        </p:nvSpPr>
-        <p:spPr>
-          <a:xfrm>
-            <a:off x="5718874" y="4467779"/>
-            <a:ext cx="45719" cy="140626"/>
-          </a:xfrm>
-          <a:prstGeom prst="downArrow">
-            <a:avLst/>
-          </a:prstGeom>
-          <a:solidFill>
-            <a:srgbClr val="FF0000"/>
-          </a:solidFill>
-          <a:ln>
-            <a:solidFill>
-              <a:srgbClr val="FF0000"/>
-            </a:solidFill>
-          </a:ln>
-        </p:spPr>
-        <p:style>
-          <a:lnRef idx="2">
-            <a:schemeClr val="accent1">
-              <a:shade val="50000"/>
-            </a:schemeClr>
-          </a:lnRef>
-          <a:fillRef idx="1">
-            <a:schemeClr val="accent1"/>
-          </a:fillRef>
-          <a:effectRef idx="0">
-            <a:schemeClr val="accent1"/>
-          </a:effectRef>
-          <a:fontRef idx="minor">
-            <a:schemeClr val="lt1"/>
-          </a:fontRef>
-        </p:style>
-        <p:txBody>
-          <a:bodyPr rtlCol="0" anchor="ctr"/>
-          <a:lstStyle/>
-          <a:p>
-            <a:pPr algn="ctr"/>
-            <a:endParaRPr lang="en-US"/>
-          </a:p>
-        </p:txBody>
-      </p:sp>
-      <p:sp>
-        <p:nvSpPr>
-          <p:cNvPr id="10" name="Arrow: Down 9">
-            <a:extLst>
-              <a:ext uri="{FF2B5EF4-FFF2-40B4-BE49-F238E27FC236}">
-                <a16:creationId xmlns:a16="http://schemas.microsoft.com/office/drawing/2014/main" id="{92A1324B-7046-42FE-8F44-E7C38F865AD0}"/>
-              </a:ext>
-            </a:extLst>
-          </p:cNvPr>
-          <p:cNvSpPr/>
-          <p:nvPr/>
-        </p:nvSpPr>
-        <p:spPr>
-          <a:xfrm>
-            <a:off x="6036716" y="4467779"/>
-            <a:ext cx="45719" cy="140626"/>
-          </a:xfrm>
-          <a:prstGeom prst="downArrow">
-            <a:avLst/>
-          </a:prstGeom>
-          <a:solidFill>
-            <a:srgbClr val="FF0000"/>
-          </a:solidFill>
-          <a:ln>
-            <a:solidFill>
-              <a:srgbClr val="FF0000"/>
-            </a:solidFill>
-          </a:ln>
-        </p:spPr>
-        <p:style>
-          <a:lnRef idx="2">
-            <a:schemeClr val="accent1">
-              <a:shade val="50000"/>
-            </a:schemeClr>
-          </a:lnRef>
-          <a:fillRef idx="1">
-            <a:schemeClr val="accent1"/>
-          </a:fillRef>
-          <a:effectRef idx="0">
-            <a:schemeClr val="accent1"/>
-          </a:effectRef>
-          <a:fontRef idx="minor">
-            <a:schemeClr val="lt1"/>
-          </a:fontRef>
-        </p:style>
-        <p:txBody>
-          <a:bodyPr rtlCol="0" anchor="ctr"/>
-          <a:lstStyle/>
-          <a:p>
-            <a:pPr algn="ctr"/>
-            <a:endParaRPr lang="en-US"/>
-          </a:p>
-        </p:txBody>
-      </p:sp>
-      <p:sp>
-        <p:nvSpPr>
-          <p:cNvPr id="11" name="Arrow: Down 10">
-            <a:extLst>
-              <a:ext uri="{FF2B5EF4-FFF2-40B4-BE49-F238E27FC236}">
-                <a16:creationId xmlns:a16="http://schemas.microsoft.com/office/drawing/2014/main" id="{8B3F6814-5A2A-40C6-A468-D1994D33B615}"/>
-              </a:ext>
-            </a:extLst>
-          </p:cNvPr>
-          <p:cNvSpPr/>
-          <p:nvPr/>
-        </p:nvSpPr>
-        <p:spPr>
-          <a:xfrm>
-            <a:off x="6339156" y="4457492"/>
-            <a:ext cx="45719" cy="140626"/>
-          </a:xfrm>
-          <a:prstGeom prst="downArrow">
-            <a:avLst/>
-          </a:prstGeom>
-          <a:solidFill>
-            <a:srgbClr val="FF0000"/>
-          </a:solidFill>
-          <a:ln>
-            <a:solidFill>
-              <a:srgbClr val="FF0000"/>
-            </a:solidFill>
-          </a:ln>
-        </p:spPr>
-        <p:style>
-          <a:lnRef idx="2">
-            <a:schemeClr val="accent1">
-              <a:shade val="50000"/>
-            </a:schemeClr>
-          </a:lnRef>
-          <a:fillRef idx="1">
-            <a:schemeClr val="accent1"/>
-          </a:fillRef>
-          <a:effectRef idx="0">
-            <a:schemeClr val="accent1"/>
-          </a:effectRef>
-          <a:fontRef idx="minor">
-            <a:schemeClr val="lt1"/>
-          </a:fontRef>
-        </p:style>
-        <p:txBody>
-          <a:bodyPr rtlCol="0" anchor="ctr"/>
-          <a:lstStyle/>
-          <a:p>
-            <a:pPr algn="ctr"/>
-            <a:endParaRPr lang="en-US"/>
-          </a:p>
-        </p:txBody>
-      </p:sp>
-      <p:sp>
-        <p:nvSpPr>
-          <p:cNvPr id="12" name="Arrow: Down 11">
-            <a:extLst>
-              <a:ext uri="{FF2B5EF4-FFF2-40B4-BE49-F238E27FC236}">
-                <a16:creationId xmlns:a16="http://schemas.microsoft.com/office/drawing/2014/main" id="{0C7DF893-309B-4452-8925-D25D3703DC33}"/>
-              </a:ext>
-            </a:extLst>
-          </p:cNvPr>
-          <p:cNvSpPr/>
-          <p:nvPr/>
-        </p:nvSpPr>
-        <p:spPr>
-          <a:xfrm>
-            <a:off x="6664747" y="4456548"/>
-            <a:ext cx="45719" cy="140626"/>
-          </a:xfrm>
-          <a:prstGeom prst="downArrow">
-            <a:avLst/>
-          </a:prstGeom>
-          <a:solidFill>
-            <a:srgbClr val="FF0000"/>
-          </a:solidFill>
-          <a:ln>
-            <a:solidFill>
-              <a:srgbClr val="FF0000"/>
-            </a:solidFill>
-          </a:ln>
-        </p:spPr>
-        <p:style>
-          <a:lnRef idx="2">
-            <a:schemeClr val="accent1">
-              <a:shade val="50000"/>
-            </a:schemeClr>
-          </a:lnRef>
-          <a:fillRef idx="1">
-            <a:schemeClr val="accent1"/>
-          </a:fillRef>
-          <a:effectRef idx="0">
-            <a:schemeClr val="accent1"/>
-          </a:effectRef>
-          <a:fontRef idx="minor">
-            <a:schemeClr val="lt1"/>
-          </a:fontRef>
-        </p:style>
-        <p:txBody>
-          <a:bodyPr rtlCol="0" anchor="ctr"/>
-          <a:lstStyle/>
-          <a:p>
-            <a:pPr algn="ctr"/>
-            <a:endParaRPr lang="en-US"/>
-          </a:p>
-        </p:txBody>
-      </p:sp>
-    </p:spTree>
-    <p:extLst>
-      <p:ext uri="{BB962C8B-B14F-4D97-AF65-F5344CB8AC3E}">
-        <p14:creationId xmlns:p14="http://schemas.microsoft.com/office/powerpoint/2010/main" val="2570704469"/>
-      </p:ext>
-    </p:extLst>
-  </p:cSld>
-  <p:clrMapOvr>
-    <a:masterClrMapping/>
-  </p:clrMapOvr>
-  <p:timing>
-    <p:tnLst>
-      <p:par>
-        <p:cTn id="1" dur="indefinite" restart="never" nodeType="tmRoot">
-          <p:childTnLst>
-            <p:seq concurrent="1" nextAc="seek">
-              <p:cTn id="2" dur="indefinite" nodeType="mainSeq">
-                <p:childTnLst>
-                  <p:par>
-                    <p:cTn id="3" fill="hold">
-                      <p:stCondLst>
-                        <p:cond delay="indefinite"/>
-                      </p:stCondLst>
-                      <p:childTnLst>
-                        <p:par>
-                          <p:cTn id="4" fill="hold">
-                            <p:stCondLst>
-                              <p:cond delay="0"/>
-                            </p:stCondLst>
-                            <p:childTnLst>
-                              <p:par>
-                                <p:cTn id="5" presetID="10" presetClass="entr" presetSubtype="0" fill="hold" grpId="0" nodeType="clickEffect">
-                                  <p:stCondLst>
-                                    <p:cond delay="0"/>
-                                  </p:stCondLst>
-                                  <p:childTnLst>
-                                    <p:set>
-                                      <p:cBhvr>
-                                        <p:cTn id="6" dur="1" fill="hold">
-                                          <p:stCondLst>
-                                            <p:cond delay="0"/>
-                                          </p:stCondLst>
-                                        </p:cTn>
-                                        <p:tgtEl>
-                                          <p:spTgt spid="159">
-                                            <p:txEl>
-                                              <p:pRg st="0" end="0"/>
-                                            </p:txEl>
-                                          </p:spTgt>
-                                        </p:tgtEl>
-                                        <p:attrNameLst>
-                                          <p:attrName>style.visibility</p:attrName>
-                                        </p:attrNameLst>
-                                      </p:cBhvr>
-                                      <p:to>
-                                        <p:strVal val="visible"/>
-                                      </p:to>
-                                    </p:set>
-                                    <p:animEffect transition="in" filter="fade">
-                                      <p:cBhvr>
-                                        <p:cTn id="7" dur="500"/>
-                                        <p:tgtEl>
-                                          <p:spTgt spid="159">
-                                            <p:txEl>
-                                              <p:pRg st="0" end="0"/>
-                                            </p:txEl>
-                                          </p:spTgt>
-                                        </p:tgtEl>
-                                      </p:cBhvr>
-                                    </p:animEffect>
-                                  </p:childTnLst>
-                                </p:cTn>
-                              </p:par>
-                            </p:childTnLst>
-                          </p:cTn>
-                        </p:par>
-                      </p:childTnLst>
-                    </p:cTn>
-                  </p:par>
-                  <p:par>
-                    <p:cTn id="8" fill="hold">
-                      <p:stCondLst>
-                        <p:cond delay="indefinite"/>
-                      </p:stCondLst>
-                      <p:childTnLst>
-                        <p:par>
-                          <p:cTn id="9" fill="hold">
-                            <p:stCondLst>
-                              <p:cond delay="0"/>
-                            </p:stCondLst>
-                            <p:childTnLst>
-                              <p:par>
-                                <p:cTn id="10" presetID="10" presetClass="entr" presetSubtype="0" fill="hold" grpId="0" nodeType="clickEffect">
-                                  <p:stCondLst>
-                                    <p:cond delay="0"/>
-                                  </p:stCondLst>
-                                  <p:childTnLst>
-                                    <p:set>
-                                      <p:cBhvr>
-                                        <p:cTn id="11" dur="1" fill="hold">
-                                          <p:stCondLst>
-                                            <p:cond delay="0"/>
-                                          </p:stCondLst>
-                                        </p:cTn>
-                                        <p:tgtEl>
-                                          <p:spTgt spid="159">
-                                            <p:txEl>
-                                              <p:pRg st="1" end="1"/>
-                                            </p:txEl>
-                                          </p:spTgt>
-                                        </p:tgtEl>
-                                        <p:attrNameLst>
-                                          <p:attrName>style.visibility</p:attrName>
-                                        </p:attrNameLst>
-                                      </p:cBhvr>
-                                      <p:to>
-                                        <p:strVal val="visible"/>
-                                      </p:to>
-                                    </p:set>
-                                    <p:animEffect transition="in" filter="fade">
-                                      <p:cBhvr>
-                                        <p:cTn id="12" dur="500"/>
-                                        <p:tgtEl>
-                                          <p:spTgt spid="159">
-                                            <p:txEl>
-                                              <p:pRg st="1" end="1"/>
-                                            </p:txEl>
-                                          </p:spTgt>
-                                        </p:tgtEl>
-                                      </p:cBhvr>
-                                    </p:animEffect>
-                                  </p:childTnLst>
-                                </p:cTn>
-                              </p:par>
-                            </p:childTnLst>
-                          </p:cTn>
-                        </p:par>
-                      </p:childTnLst>
-                    </p:cTn>
-                  </p:par>
-                  <p:par>
-                    <p:cTn id="13" fill="hold">
-                      <p:stCondLst>
-                        <p:cond delay="indefinite"/>
-                      </p:stCondLst>
-                      <p:childTnLst>
-                        <p:par>
-                          <p:cTn id="14" fill="hold">
-                            <p:stCondLst>
-                              <p:cond delay="0"/>
-                            </p:stCondLst>
-                            <p:childTnLst>
-                              <p:par>
-                                <p:cTn id="15" presetID="10" presetClass="entr" presetSubtype="0" fill="hold" grpId="0" nodeType="clickEffect">
-                                  <p:stCondLst>
-                                    <p:cond delay="0"/>
-                                  </p:stCondLst>
-                                  <p:childTnLst>
-                                    <p:set>
-                                      <p:cBhvr>
-                                        <p:cTn id="16" dur="1" fill="hold">
-                                          <p:stCondLst>
-                                            <p:cond delay="0"/>
-                                          </p:stCondLst>
-                                        </p:cTn>
-                                        <p:tgtEl>
-                                          <p:spTgt spid="159">
-                                            <p:txEl>
-                                              <p:pRg st="2" end="2"/>
-                                            </p:txEl>
-                                          </p:spTgt>
-                                        </p:tgtEl>
-                                        <p:attrNameLst>
-                                          <p:attrName>style.visibility</p:attrName>
-                                        </p:attrNameLst>
-                                      </p:cBhvr>
-                                      <p:to>
-                                        <p:strVal val="visible"/>
-                                      </p:to>
-                                    </p:set>
-                                    <p:animEffect transition="in" filter="fade">
-                                      <p:cBhvr>
-                                        <p:cTn id="17" dur="500"/>
-                                        <p:tgtEl>
-                                          <p:spTgt spid="159">
-                                            <p:txEl>
-                                              <p:pRg st="2" end="2"/>
-                                            </p:txEl>
-                                          </p:spTgt>
-                                        </p:tgtEl>
-                                      </p:cBhvr>
-                                    </p:animEffect>
-                                  </p:childTnLst>
-                                </p:cTn>
-                              </p:par>
-                            </p:childTnLst>
-                          </p:cTn>
-                        </p:par>
-                      </p:childTnLst>
-                    </p:cTn>
-                  </p:par>
-                </p:childTnLst>
-              </p:cTn>
-              <p:prevCondLst>
-                <p:cond evt="onPrev" delay="0">
-                  <p:tgtEl>
-                    <p:sldTgt/>
-                  </p:tgtEl>
-                </p:cond>
-              </p:prevCondLst>
-              <p:nextCondLst>
-                <p:cond evt="onNext" delay="0">
-                  <p:tgtEl>
-                    <p:sldTgt/>
-                  </p:tgtEl>
-                </p:cond>
-              </p:nextCondLst>
-            </p:seq>
-          </p:childTnLst>
-        </p:cTn>
-      </p:par>
-    </p:tnLst>
-    <p:bldLst>
-      <p:bldP spid="159" grpId="0" build="p"/>
-    </p:bldLst>
-  </p:timing>
-</p:sld>
-</file>
-
-<file path=ppt/slides/slide13.xml><?xml version="1.0" encoding="utf-8"?>
-<p:sld xmlns:a="http://schemas.openxmlformats.org/drawingml/2006/main" xmlns:r="http://schemas.openxmlformats.org/officeDocument/2006/relationships" xmlns:p="http://schemas.openxmlformats.org/presentationml/2006/main">
-  <p:cSld>
-    <p:bg>
-      <p:bgPr>
-        <a:solidFill>
-          <a:srgbClr val="FFFFFF"/>
-        </a:solidFill>
-        <a:effectLst/>
-      </p:bgPr>
-    </p:bg>
-    <p:spTree>
-      <p:nvGrpSpPr>
-        <p:cNvPr id="1" name="Shape 165"/>
-        <p:cNvGrpSpPr/>
-        <p:nvPr/>
-      </p:nvGrpSpPr>
-      <p:grpSpPr>
-        <a:xfrm>
-          <a:off x="0" y="0"/>
-          <a:ext cx="0" cy="0"/>
-          <a:chOff x="0" y="0"/>
-          <a:chExt cx="0" cy="0"/>
-        </a:xfrm>
-      </p:grpSpPr>
-      <p:sp>
-        <p:nvSpPr>
-          <p:cNvPr id="166" name="Google Shape;166;p13"/>
-          <p:cNvSpPr txBox="1">
-            <a:spLocks noGrp="1"/>
-          </p:cNvSpPr>
-          <p:nvPr>
-            <p:ph type="title"/>
-          </p:nvPr>
-        </p:nvSpPr>
-        <p:spPr>
-          <a:xfrm>
-            <a:off x="311700" y="445025"/>
-            <a:ext cx="8520600" cy="613200"/>
-          </a:xfrm>
-          <a:prstGeom prst="rect">
-            <a:avLst/>
-          </a:prstGeom>
-          <a:noFill/>
-          <a:ln>
-            <a:noFill/>
-          </a:ln>
-        </p:spPr>
-        <p:txBody>
-          <a:bodyPr spcFirstLastPara="1" wrap="square" lIns="91425" tIns="91425" rIns="91425" bIns="91425" anchor="t" anchorCtr="0">
-            <a:noAutofit/>
-          </a:bodyPr>
-          <a:lstStyle/>
-          <a:p>
-            <a:pPr marL="0" lvl="0" indent="0" algn="l" rtl="0">
-              <a:lnSpc>
-                <a:spcPct val="100000"/>
-              </a:lnSpc>
-              <a:spcBef>
-                <a:spcPts val="0"/>
-              </a:spcBef>
-              <a:spcAft>
-                <a:spcPts val="0"/>
-              </a:spcAft>
-              <a:buSzPts val="3000"/>
-              <a:buNone/>
-            </a:pPr>
-            <a:r>
-              <a:rPr lang="en-US"/>
-              <a:t>Reference</a:t>
-            </a:r>
-            <a:endParaRPr/>
-          </a:p>
-        </p:txBody>
-      </p:sp>
-      <p:sp>
-        <p:nvSpPr>
-          <p:cNvPr id="167" name="Google Shape;167;p13"/>
+          <p:cNvPr id="184" name="Google Shape;184;p13"/>
           <p:cNvSpPr txBox="1">
             <a:spLocks noGrp="1"/>
           </p:cNvSpPr>
@@ -13259,10 +14229,26 @@
               <a:buNone/>
             </a:pPr>
             <a:r>
-              <a:rPr lang="en-US"/>
-              <a:t>Stat software citation: Surveillance Research Program, National Cancer Institute SEER*Stat software (seer.cancer.gov/seerstat) version 8.3.4.</a:t>
+              <a:rPr lang="en-US" dirty="0">
+                <a:latin typeface="Lato" panose="020F0502020204030203" pitchFamily="34" charset="0"/>
+              </a:rPr>
+              <a:t>Stat software citation: Surveillance Research Program, National Cancer Institute SEER*Stat software (seer.cancer.gov/</a:t>
             </a:r>
-            <a:endParaRPr/>
+            <a:r>
+              <a:rPr lang="en-US" dirty="0" err="1">
+                <a:latin typeface="Lato" panose="020F0502020204030203" pitchFamily="34" charset="0"/>
+              </a:rPr>
+              <a:t>seerstat</a:t>
+            </a:r>
+            <a:r>
+              <a:rPr lang="en-US" dirty="0">
+                <a:latin typeface="Lato" panose="020F0502020204030203" pitchFamily="34" charset="0"/>
+              </a:rPr>
+              <a:t>) version 8.3.4.</a:t>
+            </a:r>
+            <a:endParaRPr dirty="0">
+              <a:latin typeface="Lato" panose="020F0502020204030203" pitchFamily="34" charset="0"/>
+            </a:endParaRPr>
           </a:p>
           <a:p>
             <a:pPr marL="0" lvl="0" indent="0" algn="l" rtl="0">
@@ -13278,7 +14264,9 @@
               <a:buSzPts val="1800"/>
               <a:buNone/>
             </a:pPr>
-            <a:endParaRPr/>
+            <a:endParaRPr dirty="0">
+              <a:latin typeface="Lato" panose="020F0502020204030203" pitchFamily="34" charset="0"/>
+            </a:endParaRPr>
           </a:p>
           <a:p>
             <a:pPr marL="0" lvl="0" indent="0" algn="l" rtl="0">
@@ -13295,16 +14283,32 @@
               <a:buNone/>
             </a:pPr>
             <a:r>
-              <a:rPr lang="en-US"/>
-              <a:t>SEER data citation: Database name=Incidence - SEER 18 Regs Research Data + Hurricane Katrina Impacted Louisiana Cases, Nov 2016 Sub (1973-2016 varying) - Linked To County Attributes - Total U.S., 1969-2015 Counties.</a:t>
+              <a:rPr lang="en-US" dirty="0">
+                <a:latin typeface="Lato" panose="020F0502020204030203" pitchFamily="34" charset="0"/>
+              </a:rPr>
+              <a:t>SEER data citation: Database name=Incidence - SEER 18 </a:t>
             </a:r>
-            <a:endParaRPr/>
+            <a:r>
+              <a:rPr lang="en-US" dirty="0" err="1">
+                <a:latin typeface="Lato" panose="020F0502020204030203" pitchFamily="34" charset="0"/>
+              </a:rPr>
+              <a:t>Regs</a:t>
+            </a:r>
+            <a:r>
+              <a:rPr lang="en-US" dirty="0">
+                <a:latin typeface="Lato" panose="020F0502020204030203" pitchFamily="34" charset="0"/>
+              </a:rPr>
+              <a:t> Research Data + Hurricane Katrina Impacted Louisiana Cases, Nov 2016 Sub (1973-2016 varying) - Linked To County Attributes - Total U.S., 1969-2015 Counties.</a:t>
+            </a:r>
+            <a:endParaRPr dirty="0">
+              <a:latin typeface="Lato" panose="020F0502020204030203" pitchFamily="34" charset="0"/>
+            </a:endParaRPr>
           </a:p>
         </p:txBody>
       </p:sp>
       <p:pic>
         <p:nvPicPr>
-          <p:cNvPr id="168" name="Google Shape;168;p13"/>
+          <p:cNvPr id="185" name="Google Shape;185;p13"/>
           <p:cNvPicPr preferRelativeResize="0"/>
           <p:nvPr/>
         </p:nvPicPr>
@@ -13331,7 +14335,7 @@
       </p:pic>
       <p:cxnSp>
         <p:nvCxnSpPr>
-          <p:cNvPr id="169" name="Google Shape;169;p13"/>
+          <p:cNvPr id="186" name="Google Shape;186;p13"/>
           <p:cNvCxnSpPr/>
           <p:nvPr/>
         </p:nvCxnSpPr>
@@ -13360,10 +14364,17 @@
   <p:clrMapOvr>
     <a:masterClrMapping/>
   </p:clrMapOvr>
+  <p:timing>
+    <p:tnLst>
+      <p:par>
+        <p:cTn id="1" dur="indefinite" restart="never" nodeType="tmRoot"/>
+      </p:par>
+    </p:tnLst>
+  </p:timing>
 </p:sld>
 </file>
 
-<file path=ppt/slides/slide14.xml><?xml version="1.0" encoding="utf-8"?>
+<file path=ppt/slides/slide15.xml><?xml version="1.0" encoding="utf-8"?>
 <p:sld xmlns:a="http://schemas.openxmlformats.org/drawingml/2006/main" xmlns:r="http://schemas.openxmlformats.org/officeDocument/2006/relationships" xmlns:p="http://schemas.openxmlformats.org/presentationml/2006/main">
   <p:cSld>
     <p:bg>
@@ -13376,7 +14387,7 @@
     </p:bg>
     <p:spTree>
       <p:nvGrpSpPr>
-        <p:cNvPr id="1" name="Shape 165"/>
+        <p:cNvPr id="1" name="Shape 190"/>
         <p:cNvGrpSpPr/>
         <p:nvPr/>
       </p:nvGrpSpPr>
@@ -13390,7 +14401,7 @@
       </p:grpSpPr>
       <p:sp>
         <p:nvSpPr>
-          <p:cNvPr id="166" name="Google Shape;166;p13"/>
+          <p:cNvPr id="191" name="Google Shape;191;p10"/>
           <p:cNvSpPr txBox="1">
             <a:spLocks noGrp="1"/>
           </p:cNvSpPr>
@@ -13431,16 +14442,20 @@
               <a:buNone/>
             </a:pPr>
             <a:r>
-              <a:rPr lang="en-US" dirty="0"/>
+              <a:rPr lang="en-US" dirty="0">
+                <a:latin typeface="Lato" panose="020F0502020204030203" pitchFamily="34" charset="0"/>
+              </a:rPr>
               <a:t>Questions?</a:t>
             </a:r>
-            <a:endParaRPr dirty="0"/>
+            <a:endParaRPr dirty="0">
+              <a:latin typeface="Lato" panose="020F0502020204030203" pitchFamily="34" charset="0"/>
+            </a:endParaRPr>
           </a:p>
         </p:txBody>
       </p:sp>
       <p:pic>
         <p:nvPicPr>
-          <p:cNvPr id="168" name="Google Shape;168;p13"/>
+          <p:cNvPr id="192" name="Google Shape;192;p10"/>
           <p:cNvPicPr preferRelativeResize="0"/>
           <p:nvPr/>
         </p:nvPicPr>
@@ -13466,15 +14481,17 @@
         </p:spPr>
       </p:pic>
     </p:spTree>
-    <p:extLst>
-      <p:ext uri="{BB962C8B-B14F-4D97-AF65-F5344CB8AC3E}">
-        <p14:creationId xmlns:p14="http://schemas.microsoft.com/office/powerpoint/2010/main" val="1956230435"/>
-      </p:ext>
-    </p:extLst>
   </p:cSld>
   <p:clrMapOvr>
     <a:masterClrMapping/>
   </p:clrMapOvr>
+  <p:timing>
+    <p:tnLst>
+      <p:par>
+        <p:cTn id="1" dur="indefinite" restart="never" nodeType="tmRoot"/>
+      </p:par>
+    </p:tnLst>
+  </p:timing>
 </p:sld>
 </file>
 
@@ -13546,7 +14563,7 @@
               <a:buNone/>
             </a:pPr>
             <a:r>
-              <a:rPr lang="en-US">
+              <a:rPr lang="en-US" dirty="0">
                 <a:latin typeface="Lato"/>
                 <a:ea typeface="Lato"/>
                 <a:cs typeface="Lato"/>
@@ -13554,7 +14571,7 @@
               </a:rPr>
               <a:t>RECAP</a:t>
             </a:r>
-            <a:endParaRPr>
+            <a:endParaRPr dirty="0">
               <a:latin typeface="Lato"/>
               <a:ea typeface="Lato"/>
               <a:cs typeface="Lato"/>
@@ -13575,8 +14592,8 @@
         </p:nvSpPr>
         <p:spPr>
           <a:xfrm>
-            <a:off x="311700" y="1171600"/>
-            <a:ext cx="8520600" cy="3397200"/>
+            <a:off x="386050" y="1302228"/>
+            <a:ext cx="8446250" cy="3397200"/>
           </a:xfrm>
           <a:prstGeom prst="rect">
             <a:avLst/>
@@ -13607,7 +14624,7 @@
               <a:buChar char="●"/>
             </a:pPr>
             <a:r>
-              <a:rPr lang="en-US" sz="1200">
+              <a:rPr lang="en-US" dirty="0">
                 <a:latin typeface="Lato"/>
                 <a:ea typeface="Lato"/>
                 <a:cs typeface="Lato"/>
@@ -13615,7 +14632,7 @@
               </a:rPr>
               <a:t>Colorectal cancer is the second leading cause of cancer death in USA</a:t>
             </a:r>
-            <a:endParaRPr sz="1200">
+            <a:endParaRPr dirty="0">
               <a:latin typeface="Lato"/>
               <a:ea typeface="Lato"/>
               <a:cs typeface="Lato"/>
@@ -13628,7 +14645,7 @@
                 <a:spcPct val="100000"/>
               </a:lnSpc>
               <a:spcBef>
-                <a:spcPts val="1600"/>
+                <a:spcPts val="1000"/>
               </a:spcBef>
               <a:spcAft>
                 <a:spcPts val="0"/>
@@ -13638,108 +14655,24 @@
               <a:buChar char="●"/>
             </a:pPr>
             <a:r>
-              <a:rPr lang="en-US" sz="1200">
+              <a:rPr lang="en-US" dirty="0" smtClean="0">
                 <a:latin typeface="Lato"/>
                 <a:ea typeface="Lato"/>
                 <a:cs typeface="Lato"/>
                 <a:sym typeface="Lato"/>
               </a:rPr>
-              <a:t>One in three people are not up-to-date with colorectal cancer screening.</a:t>
+              <a:t>Correctly </a:t>
             </a:r>
-            <a:endParaRPr sz="1200">
-              <a:latin typeface="Lato"/>
-              <a:ea typeface="Lato"/>
-              <a:cs typeface="Lato"/>
-              <a:sym typeface="Lato"/>
-            </a:endParaRPr>
-          </a:p>
-          <a:p>
-            <a:pPr marL="285750" lvl="0" indent="-247650" algn="l" rtl="0">
-              <a:lnSpc>
-                <a:spcPct val="100000"/>
-              </a:lnSpc>
-              <a:spcBef>
-                <a:spcPts val="1600"/>
-              </a:spcBef>
-              <a:spcAft>
-                <a:spcPts val="0"/>
-              </a:spcAft>
-              <a:buSzPts val="1200"/>
-              <a:buFont typeface="Lato"/>
-              <a:buChar char="●"/>
-            </a:pPr>
             <a:r>
-              <a:rPr lang="en-US" sz="1200">
+              <a:rPr lang="en-US" dirty="0">
                 <a:latin typeface="Lato"/>
                 <a:ea typeface="Lato"/>
                 <a:cs typeface="Lato"/>
                 <a:sym typeface="Lato"/>
               </a:rPr>
-              <a:t>60% of colorectal cancer deaths could be prevented with screening</a:t>
+              <a:t>classifying how severe someone’s cancer is important because: </a:t>
             </a:r>
-            <a:endParaRPr sz="1200">
-              <a:latin typeface="Lato"/>
-              <a:ea typeface="Lato"/>
-              <a:cs typeface="Lato"/>
-              <a:sym typeface="Lato"/>
-            </a:endParaRPr>
-          </a:p>
-          <a:p>
-            <a:pPr marL="285750" lvl="0" indent="-247650" algn="l" rtl="0">
-              <a:lnSpc>
-                <a:spcPct val="100000"/>
-              </a:lnSpc>
-              <a:spcBef>
-                <a:spcPts val="1600"/>
-              </a:spcBef>
-              <a:spcAft>
-                <a:spcPts val="0"/>
-              </a:spcAft>
-              <a:buSzPts val="1200"/>
-              <a:buFont typeface="Lato"/>
-              <a:buChar char="●"/>
-            </a:pPr>
-            <a:r>
-              <a:rPr lang="en-US" sz="1200">
-                <a:latin typeface="Lato"/>
-                <a:ea typeface="Lato"/>
-                <a:cs typeface="Lato"/>
-                <a:sym typeface="Lato"/>
-              </a:rPr>
-              <a:t>Colorectal cancer is a public health issue</a:t>
-            </a:r>
-            <a:endParaRPr sz="1200">
-              <a:latin typeface="Lato"/>
-              <a:ea typeface="Lato"/>
-              <a:cs typeface="Lato"/>
-              <a:sym typeface="Lato"/>
-            </a:endParaRPr>
-          </a:p>
-          <a:p>
-            <a:pPr marL="285750" lvl="0" indent="-247650" algn="l" rtl="0">
-              <a:lnSpc>
-                <a:spcPct val="100000"/>
-              </a:lnSpc>
-              <a:spcBef>
-                <a:spcPts val="1000"/>
-              </a:spcBef>
-              <a:spcAft>
-                <a:spcPts val="0"/>
-              </a:spcAft>
-              <a:buSzPts val="1200"/>
-              <a:buFont typeface="Lato"/>
-              <a:buChar char="●"/>
-            </a:pPr>
-            <a:r>
-              <a:rPr lang="en-US" sz="1200">
-                <a:latin typeface="Lato"/>
-                <a:ea typeface="Lato"/>
-                <a:cs typeface="Lato"/>
-                <a:sym typeface="Lato"/>
-              </a:rPr>
-              <a:t>Correctly classifying how severe someone’s cancer is important because: </a:t>
-            </a:r>
-            <a:endParaRPr sz="1200">
+            <a:endParaRPr dirty="0">
               <a:latin typeface="Lato"/>
               <a:ea typeface="Lato"/>
               <a:cs typeface="Lato"/>
@@ -13762,7 +14695,7 @@
               <a:buChar char="○"/>
             </a:pPr>
             <a:r>
-              <a:rPr lang="en-US" sz="1200">
+              <a:rPr lang="en-US" sz="1800" dirty="0">
                 <a:latin typeface="Lato"/>
                 <a:ea typeface="Lato"/>
                 <a:cs typeface="Lato"/>
@@ -13770,7 +14703,7 @@
               </a:rPr>
               <a:t>Determines treatment plan</a:t>
             </a:r>
-            <a:endParaRPr sz="1200">
+            <a:endParaRPr sz="1800" dirty="0">
               <a:latin typeface="Lato"/>
               <a:ea typeface="Lato"/>
               <a:cs typeface="Lato"/>
@@ -13793,7 +14726,7 @@
               <a:buChar char="○"/>
             </a:pPr>
             <a:r>
-              <a:rPr lang="en-US" sz="1200">
+              <a:rPr lang="en-US" sz="1800" dirty="0">
                 <a:latin typeface="Lato"/>
                 <a:ea typeface="Lato"/>
                 <a:cs typeface="Lato"/>
@@ -13801,7 +14734,7 @@
               </a:rPr>
               <a:t>Predicts chance of recovery</a:t>
             </a:r>
-            <a:endParaRPr sz="1200">
+            <a:endParaRPr sz="1800" dirty="0">
               <a:latin typeface="Lato"/>
               <a:ea typeface="Lato"/>
               <a:cs typeface="Lato"/>
@@ -13824,7 +14757,7 @@
               <a:buChar char="○"/>
             </a:pPr>
             <a:r>
-              <a:rPr lang="en-US" sz="1200">
+              <a:rPr lang="en-US" sz="1800" dirty="0">
                 <a:latin typeface="Lato"/>
                 <a:ea typeface="Lato"/>
                 <a:cs typeface="Lato"/>
@@ -13832,7 +14765,7 @@
               </a:rPr>
               <a:t>Help identify clinical trials </a:t>
             </a:r>
-            <a:endParaRPr sz="1200">
+            <a:endParaRPr sz="1800" dirty="0">
               <a:latin typeface="Lato"/>
               <a:ea typeface="Lato"/>
               <a:cs typeface="Lato"/>
@@ -13855,7 +14788,7 @@
               <a:buChar char="○"/>
             </a:pPr>
             <a:r>
-              <a:rPr lang="en-US" sz="1200">
+              <a:rPr lang="en-US" sz="1800" dirty="0">
                 <a:latin typeface="Lato"/>
                 <a:ea typeface="Lato"/>
                 <a:cs typeface="Lato"/>
@@ -13863,7 +14796,7 @@
               </a:rPr>
               <a:t>Sets expectations</a:t>
             </a:r>
-            <a:endParaRPr sz="1200">
+            <a:endParaRPr sz="1800" dirty="0">
               <a:latin typeface="Lato"/>
               <a:ea typeface="Lato"/>
               <a:cs typeface="Lato"/>
@@ -13884,7 +14817,7 @@
               <a:buSzPts val="1800"/>
               <a:buNone/>
             </a:pPr>
-            <a:endParaRPr sz="570"/>
+            <a:endParaRPr sz="570" dirty="0"/>
           </a:p>
         </p:txBody>
       </p:sp>
@@ -13946,6 +14879,13 @@
   <p:clrMapOvr>
     <a:masterClrMapping/>
   </p:clrMapOvr>
+  <p:timing>
+    <p:tnLst>
+      <p:par>
+        <p:cTn id="1" dur="indefinite" restart="never" nodeType="tmRoot"/>
+      </p:par>
+    </p:tnLst>
+  </p:timing>
 </p:sld>
 </file>
 
@@ -14046,7 +14986,7 @@
         </p:nvSpPr>
         <p:spPr>
           <a:xfrm>
-            <a:off x="311700" y="1324000"/>
+            <a:off x="311700" y="1258684"/>
             <a:ext cx="8520600" cy="3397200"/>
           </a:xfrm>
           <a:prstGeom prst="rect">
@@ -14078,7 +15018,7 @@
               <a:buChar char="●"/>
             </a:pPr>
             <a:r>
-              <a:rPr lang="en-US" sz="1200">
+              <a:rPr lang="en-US" dirty="0">
                 <a:latin typeface="Lato"/>
                 <a:ea typeface="Lato"/>
                 <a:cs typeface="Lato"/>
@@ -14086,7 +15026,7 @@
               </a:rPr>
               <a:t>Data Overview</a:t>
             </a:r>
-            <a:endParaRPr sz="1200">
+            <a:endParaRPr dirty="0">
               <a:latin typeface="Lato"/>
               <a:ea typeface="Lato"/>
               <a:cs typeface="Lato"/>
@@ -14109,7 +15049,7 @@
               <a:buChar char="●"/>
             </a:pPr>
             <a:r>
-              <a:rPr lang="en-US" sz="1200">
+              <a:rPr lang="en-US" dirty="0">
                 <a:latin typeface="Lato"/>
                 <a:ea typeface="Lato"/>
                 <a:cs typeface="Lato"/>
@@ -14117,7 +15057,7 @@
               </a:rPr>
               <a:t>Data Prep</a:t>
             </a:r>
-            <a:endParaRPr sz="1200">
+            <a:endParaRPr dirty="0">
               <a:latin typeface="Lato"/>
               <a:ea typeface="Lato"/>
               <a:cs typeface="Lato"/>
@@ -14140,15 +15080,15 @@
               <a:buChar char="●"/>
             </a:pPr>
             <a:r>
-              <a:rPr lang="en-US" sz="1200">
+              <a:rPr lang="en-US" dirty="0" smtClean="0">
                 <a:latin typeface="Lato"/>
                 <a:ea typeface="Lato"/>
                 <a:cs typeface="Lato"/>
                 <a:sym typeface="Lato"/>
               </a:rPr>
-              <a:t>Roadblocks</a:t>
+              <a:t>Challenges</a:t>
             </a:r>
-            <a:endParaRPr sz="1200">
+            <a:endParaRPr dirty="0">
               <a:latin typeface="Lato"/>
               <a:ea typeface="Lato"/>
               <a:cs typeface="Lato"/>
@@ -14171,7 +15111,7 @@
               <a:buChar char="●"/>
             </a:pPr>
             <a:r>
-              <a:rPr lang="en-US" sz="1200">
+              <a:rPr lang="en-US" dirty="0">
                 <a:latin typeface="Lato"/>
                 <a:ea typeface="Lato"/>
                 <a:cs typeface="Lato"/>
@@ -14179,7 +15119,7 @@
               </a:rPr>
               <a:t>Model Selection</a:t>
             </a:r>
-            <a:endParaRPr sz="1200">
+            <a:endParaRPr dirty="0">
               <a:latin typeface="Lato"/>
               <a:ea typeface="Lato"/>
               <a:cs typeface="Lato"/>
@@ -14202,7 +15142,7 @@
               <a:buChar char="●"/>
             </a:pPr>
             <a:r>
-              <a:rPr lang="en-US" sz="1200">
+              <a:rPr lang="en-US" dirty="0">
                 <a:latin typeface="Lato"/>
                 <a:ea typeface="Lato"/>
                 <a:cs typeface="Lato"/>
@@ -14210,7 +15150,7 @@
               </a:rPr>
               <a:t>Prediction</a:t>
             </a:r>
-            <a:endParaRPr sz="1200">
+            <a:endParaRPr dirty="0">
               <a:latin typeface="Lato"/>
               <a:ea typeface="Lato"/>
               <a:cs typeface="Lato"/>
@@ -14233,7 +15173,7 @@
               <a:buChar char="●"/>
             </a:pPr>
             <a:r>
-              <a:rPr lang="en-US" sz="1200">
+              <a:rPr lang="en-US" dirty="0">
                 <a:latin typeface="Lato"/>
                 <a:ea typeface="Lato"/>
                 <a:cs typeface="Lato"/>
@@ -14241,7 +15181,7 @@
               </a:rPr>
               <a:t>Accuracy</a:t>
             </a:r>
-            <a:endParaRPr sz="1200">
+            <a:endParaRPr dirty="0">
               <a:latin typeface="Lato"/>
               <a:ea typeface="Lato"/>
               <a:cs typeface="Lato"/>
@@ -14264,7 +15204,7 @@
               <a:buChar char="●"/>
             </a:pPr>
             <a:r>
-              <a:rPr lang="en-US" sz="1200">
+              <a:rPr lang="en-US" dirty="0">
                 <a:latin typeface="Lato"/>
                 <a:ea typeface="Lato"/>
                 <a:cs typeface="Lato"/>
@@ -14272,7 +15212,7 @@
               </a:rPr>
               <a:t>Insights</a:t>
             </a:r>
-            <a:endParaRPr sz="1200">
+            <a:endParaRPr dirty="0">
               <a:latin typeface="Lato"/>
               <a:ea typeface="Lato"/>
               <a:cs typeface="Lato"/>
@@ -14339,6 +15279,13 @@
   <p:clrMapOvr>
     <a:masterClrMapping/>
   </p:clrMapOvr>
+  <p:timing>
+    <p:tnLst>
+      <p:par>
+        <p:cTn id="1" dur="indefinite" restart="never" nodeType="tmRoot"/>
+      </p:par>
+    </p:tnLst>
+  </p:timing>
 </p:sld>
 </file>
 
@@ -14410,7 +15357,7 @@
               <a:buNone/>
             </a:pPr>
             <a:r>
-              <a:rPr lang="en-US">
+              <a:rPr lang="en-US" dirty="0">
                 <a:latin typeface="Lato"/>
                 <a:ea typeface="Lato"/>
                 <a:cs typeface="Lato"/>
@@ -14418,7 +15365,7 @@
               </a:rPr>
               <a:t>About Data</a:t>
             </a:r>
-            <a:endParaRPr>
+            <a:endParaRPr dirty="0">
               <a:latin typeface="Lato"/>
               <a:ea typeface="Lato"/>
               <a:cs typeface="Lato"/>
@@ -14453,375 +15400,9 @@
           </a:ln>
         </p:spPr>
       </p:cxnSp>
-      <p:sp>
-        <p:nvSpPr>
-          <p:cNvPr id="85" name="Google Shape;85;p4"/>
-          <p:cNvSpPr/>
-          <p:nvPr/>
-        </p:nvSpPr>
-        <p:spPr>
-          <a:xfrm>
-            <a:off x="811925" y="1601663"/>
-            <a:ext cx="2350200" cy="647100"/>
-          </a:xfrm>
-          <a:prstGeom prst="roundRect">
-            <a:avLst>
-              <a:gd name="adj" fmla="val 16667"/>
-            </a:avLst>
-          </a:prstGeom>
-          <a:solidFill>
-            <a:srgbClr val="FFFFFF"/>
-          </a:solidFill>
-          <a:ln w="19050" cap="flat" cmpd="sng">
-            <a:solidFill>
-              <a:srgbClr val="A72A1E"/>
-            </a:solidFill>
-            <a:prstDash val="solid"/>
-            <a:round/>
-            <a:headEnd type="none" w="sm" len="sm"/>
-            <a:tailEnd type="none" w="sm" len="sm"/>
-          </a:ln>
-        </p:spPr>
-        <p:txBody>
-          <a:bodyPr spcFirstLastPara="1" wrap="square" lIns="91425" tIns="91425" rIns="91425" bIns="91425" anchor="ctr" anchorCtr="0">
-            <a:noAutofit/>
-          </a:bodyPr>
-          <a:lstStyle/>
-          <a:p>
-            <a:pPr marL="0" marR="0" lvl="0" indent="0" algn="l" rtl="0">
-              <a:lnSpc>
-                <a:spcPct val="115000"/>
-              </a:lnSpc>
-              <a:spcBef>
-                <a:spcPts val="0"/>
-              </a:spcBef>
-              <a:spcAft>
-                <a:spcPts val="0"/>
-              </a:spcAft>
-              <a:buClr>
-                <a:srgbClr val="000000"/>
-              </a:buClr>
-              <a:buSzPts val="1800"/>
-              <a:buFont typeface="Arial"/>
-              <a:buNone/>
-            </a:pPr>
-            <a:r>
-              <a:rPr lang="en-US" sz="1800" b="0" i="0" u="none" strike="noStrike" cap="none">
-                <a:solidFill>
-                  <a:schemeClr val="dk1"/>
-                </a:solidFill>
-                <a:latin typeface="Lato Light"/>
-                <a:ea typeface="Lato Light"/>
-                <a:cs typeface="Lato Light"/>
-                <a:sym typeface="Lato Light"/>
-              </a:rPr>
-              <a:t>939119 observations</a:t>
-            </a:r>
-            <a:endParaRPr sz="1400" b="0" i="0" u="none" strike="noStrike" cap="none">
-              <a:solidFill>
-                <a:srgbClr val="000000"/>
-              </a:solidFill>
-              <a:latin typeface="Arial"/>
-              <a:ea typeface="Arial"/>
-              <a:cs typeface="Arial"/>
-              <a:sym typeface="Arial"/>
-            </a:endParaRPr>
-          </a:p>
-        </p:txBody>
-      </p:sp>
-      <p:sp>
-        <p:nvSpPr>
-          <p:cNvPr id="86" name="Google Shape;86;p4"/>
-          <p:cNvSpPr/>
-          <p:nvPr/>
-        </p:nvSpPr>
-        <p:spPr>
-          <a:xfrm>
-            <a:off x="1237625" y="2935775"/>
-            <a:ext cx="1498800" cy="647100"/>
-          </a:xfrm>
-          <a:prstGeom prst="roundRect">
-            <a:avLst>
-              <a:gd name="adj" fmla="val 16667"/>
-            </a:avLst>
-          </a:prstGeom>
-          <a:solidFill>
-            <a:srgbClr val="FFFFFF"/>
-          </a:solidFill>
-          <a:ln w="19050" cap="flat" cmpd="sng">
-            <a:solidFill>
-              <a:srgbClr val="A72A1E"/>
-            </a:solidFill>
-            <a:prstDash val="solid"/>
-            <a:round/>
-            <a:headEnd type="none" w="sm" len="sm"/>
-            <a:tailEnd type="none" w="sm" len="sm"/>
-          </a:ln>
-        </p:spPr>
-        <p:txBody>
-          <a:bodyPr spcFirstLastPara="1" wrap="square" lIns="91425" tIns="91425" rIns="91425" bIns="91425" anchor="ctr" anchorCtr="0">
-            <a:noAutofit/>
-          </a:bodyPr>
-          <a:lstStyle/>
-          <a:p>
-            <a:pPr marL="0" marR="0" lvl="0" indent="0" algn="l" rtl="0">
-              <a:lnSpc>
-                <a:spcPct val="115000"/>
-              </a:lnSpc>
-              <a:spcBef>
-                <a:spcPts val="0"/>
-              </a:spcBef>
-              <a:spcAft>
-                <a:spcPts val="0"/>
-              </a:spcAft>
-              <a:buClr>
-                <a:srgbClr val="000000"/>
-              </a:buClr>
-              <a:buSzPts val="1800"/>
-              <a:buFont typeface="Arial"/>
-              <a:buNone/>
-            </a:pPr>
-            <a:r>
-              <a:rPr lang="en-US" sz="1800" b="0" i="0" u="none" strike="noStrike" cap="none">
-                <a:solidFill>
-                  <a:schemeClr val="dk1"/>
-                </a:solidFill>
-                <a:latin typeface="Lato Light"/>
-                <a:ea typeface="Lato Light"/>
-                <a:cs typeface="Lato Light"/>
-                <a:sym typeface="Lato Light"/>
-              </a:rPr>
-              <a:t>35 variables</a:t>
-            </a:r>
-            <a:endParaRPr sz="1400" b="0" i="0" u="none" strike="noStrike" cap="none">
-              <a:solidFill>
-                <a:srgbClr val="000000"/>
-              </a:solidFill>
-              <a:latin typeface="Arial"/>
-              <a:ea typeface="Arial"/>
-              <a:cs typeface="Arial"/>
-              <a:sym typeface="Arial"/>
-            </a:endParaRPr>
-          </a:p>
-        </p:txBody>
-      </p:sp>
-      <p:sp>
-        <p:nvSpPr>
-          <p:cNvPr id="87" name="Google Shape;87;p4"/>
-          <p:cNvSpPr/>
-          <p:nvPr/>
-        </p:nvSpPr>
-        <p:spPr>
-          <a:xfrm>
-            <a:off x="3591000" y="2509100"/>
-            <a:ext cx="2540400" cy="647100"/>
-          </a:xfrm>
-          <a:prstGeom prst="roundRect">
-            <a:avLst>
-              <a:gd name="adj" fmla="val 16667"/>
-            </a:avLst>
-          </a:prstGeom>
-          <a:solidFill>
-            <a:srgbClr val="FFFFFF"/>
-          </a:solidFill>
-          <a:ln w="19050" cap="flat" cmpd="sng">
-            <a:solidFill>
-              <a:srgbClr val="A72A1E"/>
-            </a:solidFill>
-            <a:prstDash val="solid"/>
-            <a:round/>
-            <a:headEnd type="none" w="sm" len="sm"/>
-            <a:tailEnd type="none" w="sm" len="sm"/>
-          </a:ln>
-        </p:spPr>
-        <p:txBody>
-          <a:bodyPr spcFirstLastPara="1" wrap="square" lIns="91425" tIns="91425" rIns="91425" bIns="91425" anchor="ctr" anchorCtr="0">
-            <a:noAutofit/>
-          </a:bodyPr>
-          <a:lstStyle/>
-          <a:p>
-            <a:pPr marL="0" marR="0" lvl="0" indent="0" algn="l" rtl="0">
-              <a:lnSpc>
-                <a:spcPct val="115000"/>
-              </a:lnSpc>
-              <a:spcBef>
-                <a:spcPts val="0"/>
-              </a:spcBef>
-              <a:spcAft>
-                <a:spcPts val="0"/>
-              </a:spcAft>
-              <a:buClr>
-                <a:srgbClr val="000000"/>
-              </a:buClr>
-              <a:buSzPts val="1800"/>
-              <a:buFont typeface="Arial"/>
-              <a:buNone/>
-            </a:pPr>
-            <a:r>
-              <a:rPr lang="en-US" sz="1800" b="0" i="0" u="none" strike="noStrike" cap="none">
-                <a:solidFill>
-                  <a:schemeClr val="dk1"/>
-                </a:solidFill>
-                <a:latin typeface="Lato Light"/>
-                <a:ea typeface="Lato Light"/>
-                <a:cs typeface="Lato Light"/>
-                <a:sym typeface="Lato Light"/>
-              </a:rPr>
-              <a:t>33 categorical variables</a:t>
-            </a:r>
-            <a:endParaRPr sz="1400" b="0" i="0" u="none" strike="noStrike" cap="none">
-              <a:solidFill>
-                <a:srgbClr val="000000"/>
-              </a:solidFill>
-              <a:latin typeface="Arial"/>
-              <a:ea typeface="Arial"/>
-              <a:cs typeface="Arial"/>
-              <a:sym typeface="Arial"/>
-            </a:endParaRPr>
-          </a:p>
-        </p:txBody>
-      </p:sp>
-      <p:sp>
-        <p:nvSpPr>
-          <p:cNvPr id="88" name="Google Shape;88;p4"/>
-          <p:cNvSpPr/>
-          <p:nvPr/>
-        </p:nvSpPr>
-        <p:spPr>
-          <a:xfrm>
-            <a:off x="3591000" y="3388175"/>
-            <a:ext cx="2540400" cy="647100"/>
-          </a:xfrm>
-          <a:prstGeom prst="roundRect">
-            <a:avLst>
-              <a:gd name="adj" fmla="val 16667"/>
-            </a:avLst>
-          </a:prstGeom>
-          <a:solidFill>
-            <a:srgbClr val="FFFFFF"/>
-          </a:solidFill>
-          <a:ln w="19050" cap="flat" cmpd="sng">
-            <a:solidFill>
-              <a:srgbClr val="A72A1E"/>
-            </a:solidFill>
-            <a:prstDash val="solid"/>
-            <a:round/>
-            <a:headEnd type="none" w="sm" len="sm"/>
-            <a:tailEnd type="none" w="sm" len="sm"/>
-          </a:ln>
-        </p:spPr>
-        <p:txBody>
-          <a:bodyPr spcFirstLastPara="1" wrap="square" lIns="91425" tIns="91425" rIns="91425" bIns="91425" anchor="ctr" anchorCtr="0">
-            <a:noAutofit/>
-          </a:bodyPr>
-          <a:lstStyle/>
-          <a:p>
-            <a:pPr marL="0" marR="0" lvl="0" indent="0" algn="l" rtl="0">
-              <a:lnSpc>
-                <a:spcPct val="115000"/>
-              </a:lnSpc>
-              <a:spcBef>
-                <a:spcPts val="0"/>
-              </a:spcBef>
-              <a:spcAft>
-                <a:spcPts val="0"/>
-              </a:spcAft>
-              <a:buClr>
-                <a:srgbClr val="000000"/>
-              </a:buClr>
-              <a:buSzPts val="1800"/>
-              <a:buFont typeface="Arial"/>
-              <a:buNone/>
-            </a:pPr>
-            <a:r>
-              <a:rPr lang="en-US" sz="1800" b="0" i="0" u="none" strike="noStrike" cap="none">
-                <a:solidFill>
-                  <a:schemeClr val="dk1"/>
-                </a:solidFill>
-                <a:latin typeface="Lato Light"/>
-                <a:ea typeface="Lato Light"/>
-                <a:cs typeface="Lato Light"/>
-                <a:sym typeface="Lato Light"/>
-              </a:rPr>
-              <a:t>2 numerical variables</a:t>
-            </a:r>
-            <a:endParaRPr sz="1400" b="0" i="0" u="none" strike="noStrike" cap="none">
-              <a:solidFill>
-                <a:srgbClr val="000000"/>
-              </a:solidFill>
-              <a:latin typeface="Arial"/>
-              <a:ea typeface="Arial"/>
-              <a:cs typeface="Arial"/>
-              <a:sym typeface="Arial"/>
-            </a:endParaRPr>
-          </a:p>
-        </p:txBody>
-      </p:sp>
-      <p:cxnSp>
-        <p:nvCxnSpPr>
-          <p:cNvPr id="89" name="Google Shape;89;p4"/>
-          <p:cNvCxnSpPr>
-            <a:stCxn id="86" idx="3"/>
-            <a:endCxn id="87" idx="1"/>
-          </p:cNvCxnSpPr>
-          <p:nvPr/>
-        </p:nvCxnSpPr>
-        <p:spPr>
-          <a:xfrm rot="10800000" flipH="1">
-            <a:off x="2736425" y="2832725"/>
-            <a:ext cx="854700" cy="426600"/>
-          </a:xfrm>
-          <a:prstGeom prst="bentConnector3">
-            <a:avLst>
-              <a:gd name="adj1" fmla="val 49993"/>
-            </a:avLst>
-          </a:prstGeom>
-          <a:noFill/>
-          <a:ln w="9525" cap="flat" cmpd="sng">
-            <a:solidFill>
-              <a:schemeClr val="dk2"/>
-            </a:solidFill>
-            <a:prstDash val="solid"/>
-            <a:round/>
-            <a:headEnd type="none" w="sm" len="sm"/>
-            <a:tailEnd type="none" w="sm" len="sm"/>
-          </a:ln>
-        </p:spPr>
-      </p:cxnSp>
-      <p:cxnSp>
-        <p:nvCxnSpPr>
-          <p:cNvPr id="90" name="Google Shape;90;p4"/>
-          <p:cNvCxnSpPr>
-            <a:stCxn id="86" idx="3"/>
-            <a:endCxn id="88" idx="1"/>
-          </p:cNvCxnSpPr>
-          <p:nvPr/>
-        </p:nvCxnSpPr>
-        <p:spPr>
-          <a:xfrm>
-            <a:off x="2736425" y="3259325"/>
-            <a:ext cx="854700" cy="452400"/>
-          </a:xfrm>
-          <a:prstGeom prst="bentConnector3">
-            <a:avLst>
-              <a:gd name="adj1" fmla="val 49993"/>
-            </a:avLst>
-          </a:prstGeom>
-          <a:noFill/>
-          <a:ln w="9525" cap="flat" cmpd="sng">
-            <a:solidFill>
-              <a:schemeClr val="dk2"/>
-            </a:solidFill>
-            <a:prstDash val="solid"/>
-            <a:round/>
-            <a:headEnd type="none" w="sm" len="sm"/>
-            <a:tailEnd type="none" w="sm" len="sm"/>
-          </a:ln>
-        </p:spPr>
-      </p:cxnSp>
       <p:pic>
         <p:nvPicPr>
-          <p:cNvPr id="91" name="Google Shape;91;p4"/>
+          <p:cNvPr id="85" name="Google Shape;85;p4"/>
           <p:cNvPicPr preferRelativeResize="0"/>
           <p:nvPr/>
         </p:nvPicPr>
@@ -14848,14 +15429,14 @@
       </p:pic>
       <p:sp>
         <p:nvSpPr>
-          <p:cNvPr id="92" name="Google Shape;92;p4"/>
+          <p:cNvPr id="86" name="Google Shape;86;p4"/>
           <p:cNvSpPr/>
           <p:nvPr/>
         </p:nvSpPr>
         <p:spPr>
           <a:xfrm>
-            <a:off x="2371761" y="658010"/>
-            <a:ext cx="3387466" cy="523220"/>
+            <a:off x="1731850" y="4092638"/>
+            <a:ext cx="5568900" cy="523200"/>
           </a:xfrm>
           <a:prstGeom prst="rect">
             <a:avLst/>
@@ -14881,10 +15462,149 @@
               <a:spcAft>
                 <a:spcPts val="0"/>
               </a:spcAft>
+              <a:buClr>
+                <a:srgbClr val="000000"/>
+              </a:buClr>
+              <a:buSzPts val="1400"/>
+              <a:buFont typeface="Arial"/>
               <a:buNone/>
             </a:pPr>
             <a:r>
-              <a:rPr lang="en-US" sz="1400" b="0" i="0" u="sng" strike="noStrike" cap="none">
+              <a:rPr lang="en-US"/>
+              <a:t>Link to the data : </a:t>
+            </a:r>
+            <a:r>
+              <a:rPr lang="en-US" sz="1400" i="0" u="sng" strike="noStrike" cap="none">
+                <a:solidFill>
+                  <a:srgbClr val="000000"/>
+                </a:solidFill>
+                <a:latin typeface="Lato"/>
+                <a:ea typeface="Lato"/>
+                <a:cs typeface="Lato"/>
+                <a:sym typeface="Lato"/>
+                <a:hlinkClick r:id="rId4"/>
+              </a:rPr>
+              <a:t>https://seer.cancer.gov/data/access.html</a:t>
+            </a:r>
+            <a:endParaRPr sz="1400" i="0" u="none" strike="noStrike" cap="none">
+              <a:solidFill>
+                <a:srgbClr val="000000"/>
+              </a:solidFill>
+              <a:latin typeface="Lato"/>
+              <a:ea typeface="Lato"/>
+              <a:cs typeface="Lato"/>
+              <a:sym typeface="Lato"/>
+            </a:endParaRPr>
+          </a:p>
+          <a:p>
+            <a:pPr marL="0" marR="0" lvl="0" indent="0" algn="l" rtl="0">
+              <a:lnSpc>
+                <a:spcPct val="100000"/>
+              </a:lnSpc>
+              <a:spcBef>
+                <a:spcPts val="0"/>
+              </a:spcBef>
+              <a:spcAft>
+                <a:spcPts val="0"/>
+              </a:spcAft>
+              <a:buClr>
+                <a:srgbClr val="000000"/>
+              </a:buClr>
+              <a:buSzPts val="1400"/>
+              <a:buFont typeface="Arial"/>
+              <a:buNone/>
+            </a:pPr>
+            <a:endParaRPr sz="1400" i="0" u="none" strike="noStrike" cap="none">
+              <a:solidFill>
+                <a:srgbClr val="000000"/>
+              </a:solidFill>
+              <a:latin typeface="Lato"/>
+              <a:ea typeface="Lato"/>
+              <a:cs typeface="Lato"/>
+              <a:sym typeface="Lato"/>
+            </a:endParaRPr>
+          </a:p>
+        </p:txBody>
+      </p:sp>
+      <p:grpSp>
+        <p:nvGrpSpPr>
+          <p:cNvPr id="88" name="Google Shape;88;p4"/>
+          <p:cNvGrpSpPr/>
+          <p:nvPr/>
+        </p:nvGrpSpPr>
+        <p:grpSpPr>
+          <a:xfrm>
+            <a:off x="1274649" y="1427051"/>
+            <a:ext cx="5319475" cy="2433612"/>
+            <a:chOff x="811925" y="1601663"/>
+            <a:chExt cx="5319475" cy="2433612"/>
+          </a:xfrm>
+        </p:grpSpPr>
+        <p:sp>
+          <p:nvSpPr>
+            <p:cNvPr id="89" name="Google Shape;89;p4"/>
+            <p:cNvSpPr/>
+            <p:nvPr/>
+          </p:nvSpPr>
+          <p:spPr>
+            <a:xfrm>
+              <a:off x="811925" y="1601663"/>
+              <a:ext cx="2350200" cy="647100"/>
+            </a:xfrm>
+            <a:prstGeom prst="roundRect">
+              <a:avLst>
+                <a:gd name="adj" fmla="val 16667"/>
+              </a:avLst>
+            </a:prstGeom>
+            <a:solidFill>
+              <a:srgbClr val="FFFFFF"/>
+            </a:solidFill>
+            <a:ln w="19050" cap="flat" cmpd="sng">
+              <a:solidFill>
+                <a:srgbClr val="A72A1E"/>
+              </a:solidFill>
+              <a:prstDash val="solid"/>
+              <a:round/>
+              <a:headEnd type="none" w="sm" len="sm"/>
+              <a:tailEnd type="none" w="sm" len="sm"/>
+            </a:ln>
+          </p:spPr>
+          <p:txBody>
+            <a:bodyPr spcFirstLastPara="1" wrap="square" lIns="91425" tIns="91425" rIns="91425" bIns="91425" anchor="ctr" anchorCtr="0">
+              <a:noAutofit/>
+            </a:bodyPr>
+            <a:lstStyle/>
+            <a:p>
+              <a:pPr marL="0" marR="0" lvl="0" indent="0" algn="l" rtl="0">
+                <a:lnSpc>
+                  <a:spcPct val="115000"/>
+                </a:lnSpc>
+                <a:spcBef>
+                  <a:spcPts val="0"/>
+                </a:spcBef>
+                <a:spcAft>
+                  <a:spcPts val="0"/>
+                </a:spcAft>
+                <a:buClr>
+                  <a:srgbClr val="000000"/>
+                </a:buClr>
+                <a:buSzPts val="1800"/>
+                <a:buFont typeface="Arial"/>
+                <a:buNone/>
+              </a:pPr>
+              <a:r>
+                <a:rPr lang="en-US" sz="1800" b="0" i="0" u="none" strike="noStrike" cap="none" dirty="0">
+                  <a:solidFill>
+                    <a:schemeClr val="dk1"/>
+                  </a:solidFill>
+                  <a:latin typeface="Lato Light"/>
+                  <a:ea typeface="Lato Light"/>
+                  <a:cs typeface="Lato Light"/>
+                  <a:sym typeface="Lato Light"/>
+                </a:rPr>
+                <a:t>939119 observations</a:t>
+              </a:r>
+              <a:endParaRPr sz="1400" b="0" i="0" u="none" strike="noStrike" cap="none" dirty="0">
                 <a:solidFill>
                   <a:srgbClr val="000000"/>
                 </a:solidFill>
@@ -14892,84 +15612,75 @@
                 <a:ea typeface="Arial"/>
                 <a:cs typeface="Arial"/>
                 <a:sym typeface="Arial"/>
-                <a:hlinkClick r:id="rId4"/>
-              </a:rPr>
-              <a:t>https://seer.cancer.gov/data/access.html</a:t>
-            </a:r>
-            <a:endParaRPr sz="1400" b="0" i="0" u="none" strike="noStrike" cap="none">
+              </a:endParaRPr>
+            </a:p>
+          </p:txBody>
+        </p:sp>
+        <p:sp>
+          <p:nvSpPr>
+            <p:cNvPr id="90" name="Google Shape;90;p4"/>
+            <p:cNvSpPr/>
+            <p:nvPr/>
+          </p:nvSpPr>
+          <p:spPr>
+            <a:xfrm>
+              <a:off x="1237625" y="2935775"/>
+              <a:ext cx="1498800" cy="647100"/>
+            </a:xfrm>
+            <a:prstGeom prst="roundRect">
+              <a:avLst>
+                <a:gd name="adj" fmla="val 16667"/>
+              </a:avLst>
+            </a:prstGeom>
+            <a:solidFill>
+              <a:srgbClr val="FFFFFF"/>
+            </a:solidFill>
+            <a:ln w="19050" cap="flat" cmpd="sng">
               <a:solidFill>
-                <a:srgbClr val="000000"/>
+                <a:srgbClr val="A72A1E"/>
               </a:solidFill>
-              <a:latin typeface="Arial"/>
-              <a:ea typeface="Arial"/>
-              <a:cs typeface="Arial"/>
-              <a:sym typeface="Arial"/>
-            </a:endParaRPr>
-          </a:p>
-          <a:p>
-            <a:pPr marL="0" marR="0" lvl="0" indent="0" algn="l" rtl="0">
-              <a:lnSpc>
-                <a:spcPct val="100000"/>
-              </a:lnSpc>
-              <a:spcBef>
-                <a:spcPts val="0"/>
-              </a:spcBef>
-              <a:spcAft>
-                <a:spcPts val="0"/>
-              </a:spcAft>
-              <a:buNone/>
-            </a:pPr>
-            <a:endParaRPr sz="1400" b="0" i="0" u="none" strike="noStrike" cap="none">
-              <a:solidFill>
-                <a:srgbClr val="000000"/>
-              </a:solidFill>
-              <a:latin typeface="Arial"/>
-              <a:ea typeface="Arial"/>
-              <a:cs typeface="Arial"/>
-              <a:sym typeface="Arial"/>
-            </a:endParaRPr>
-          </a:p>
-        </p:txBody>
-      </p:sp>
-      <p:sp>
-        <p:nvSpPr>
-          <p:cNvPr id="93" name="Google Shape;93;p4"/>
-          <p:cNvSpPr/>
-          <p:nvPr/>
-        </p:nvSpPr>
-        <p:spPr>
-          <a:xfrm>
-            <a:off x="6176681" y="1171521"/>
-            <a:ext cx="2164977" cy="3323987"/>
-          </a:xfrm>
-          <a:prstGeom prst="rect">
-            <a:avLst/>
-          </a:prstGeom>
-          <a:noFill/>
-          <a:ln>
-            <a:noFill/>
-          </a:ln>
-        </p:spPr>
-        <p:txBody>
-          <a:bodyPr spcFirstLastPara="1" wrap="square" lIns="91425" tIns="45700" rIns="91425" bIns="45700" anchor="t" anchorCtr="0">
-            <a:spAutoFit/>
-          </a:bodyPr>
-          <a:lstStyle/>
-          <a:p>
-            <a:pPr marL="0" marR="0" lvl="0" indent="0" algn="l" rtl="0">
-              <a:lnSpc>
-                <a:spcPct val="100000"/>
-              </a:lnSpc>
-              <a:spcBef>
-                <a:spcPts val="0"/>
-              </a:spcBef>
-              <a:spcAft>
-                <a:spcPts val="0"/>
-              </a:spcAft>
-              <a:buNone/>
-            </a:pPr>
-            <a:r>
-              <a:rPr lang="en-US" sz="1400" b="0" i="0" u="none" strike="noStrike" cap="none">
+              <a:prstDash val="solid"/>
+              <a:round/>
+              <a:headEnd type="none" w="sm" len="sm"/>
+              <a:tailEnd type="none" w="sm" len="sm"/>
+            </a:ln>
+          </p:spPr>
+          <p:txBody>
+            <a:bodyPr spcFirstLastPara="1" wrap="square" lIns="91425" tIns="91425" rIns="91425" bIns="91425" anchor="ctr" anchorCtr="0">
+              <a:noAutofit/>
+            </a:bodyPr>
+            <a:lstStyle/>
+            <a:p>
+              <a:pPr marL="0" marR="0" lvl="0" indent="0" algn="l" rtl="0">
+                <a:lnSpc>
+                  <a:spcPct val="115000"/>
+                </a:lnSpc>
+                <a:spcBef>
+                  <a:spcPts val="0"/>
+                </a:spcBef>
+                <a:spcAft>
+                  <a:spcPts val="0"/>
+                </a:spcAft>
+                <a:buClr>
+                  <a:srgbClr val="000000"/>
+                </a:buClr>
+                <a:buSzPts val="1800"/>
+                <a:buFont typeface="Arial"/>
+                <a:buNone/>
+              </a:pPr>
+              <a:r>
+                <a:rPr lang="en-US" sz="1800" b="0" i="0" u="none" strike="noStrike" cap="none">
+                  <a:solidFill>
+                    <a:schemeClr val="dk1"/>
+                  </a:solidFill>
+                  <a:latin typeface="Lato Light"/>
+                  <a:ea typeface="Lato Light"/>
+                  <a:cs typeface="Lato Light"/>
+                  <a:sym typeface="Lato Light"/>
+                </a:rPr>
+                <a:t>35 variables</a:t>
+              </a:r>
+              <a:endParaRPr sz="1400" b="0" i="0" u="none" strike="noStrike" cap="none">
                 <a:solidFill>
                   <a:srgbClr val="000000"/>
                 </a:solidFill>
@@ -14977,18 +15688,266 @@
                 <a:ea typeface="Arial"/>
                 <a:cs typeface="Arial"/>
                 <a:sym typeface="Arial"/>
-              </a:rPr>
-              <a:t>The Surveillance, Epidemiology, and End Results (SEER) Program of the National Cancer Institute (NCI) collects and publishes cancer data through a coordinated system of strategically placed cancer registries which cover near 30% of the USA population. Currently there are 18 SEER registries in the USA.</a:t>
-            </a:r>
-            <a:endParaRPr/>
-          </a:p>
-        </p:txBody>
-      </p:sp>
+              </a:endParaRPr>
+            </a:p>
+          </p:txBody>
+        </p:sp>
+        <p:sp>
+          <p:nvSpPr>
+            <p:cNvPr id="91" name="Google Shape;91;p4"/>
+            <p:cNvSpPr/>
+            <p:nvPr/>
+          </p:nvSpPr>
+          <p:spPr>
+            <a:xfrm>
+              <a:off x="3591000" y="2509100"/>
+              <a:ext cx="2540400" cy="647100"/>
+            </a:xfrm>
+            <a:prstGeom prst="roundRect">
+              <a:avLst>
+                <a:gd name="adj" fmla="val 16667"/>
+              </a:avLst>
+            </a:prstGeom>
+            <a:solidFill>
+              <a:srgbClr val="FFFFFF"/>
+            </a:solidFill>
+            <a:ln w="19050" cap="flat" cmpd="sng">
+              <a:solidFill>
+                <a:srgbClr val="A72A1E"/>
+              </a:solidFill>
+              <a:prstDash val="solid"/>
+              <a:round/>
+              <a:headEnd type="none" w="sm" len="sm"/>
+              <a:tailEnd type="none" w="sm" len="sm"/>
+            </a:ln>
+          </p:spPr>
+          <p:txBody>
+            <a:bodyPr spcFirstLastPara="1" wrap="square" lIns="91425" tIns="91425" rIns="91425" bIns="91425" anchor="ctr" anchorCtr="0">
+              <a:noAutofit/>
+            </a:bodyPr>
+            <a:lstStyle/>
+            <a:p>
+              <a:pPr marL="0" marR="0" lvl="0" indent="0" algn="l" rtl="0">
+                <a:lnSpc>
+                  <a:spcPct val="115000"/>
+                </a:lnSpc>
+                <a:spcBef>
+                  <a:spcPts val="0"/>
+                </a:spcBef>
+                <a:spcAft>
+                  <a:spcPts val="0"/>
+                </a:spcAft>
+                <a:buClr>
+                  <a:srgbClr val="000000"/>
+                </a:buClr>
+                <a:buSzPts val="1800"/>
+                <a:buFont typeface="Arial"/>
+                <a:buNone/>
+              </a:pPr>
+              <a:r>
+                <a:rPr lang="en-US" sz="1800" b="0" i="0" u="none" strike="noStrike" cap="none">
+                  <a:solidFill>
+                    <a:schemeClr val="dk1"/>
+                  </a:solidFill>
+                  <a:latin typeface="Lato Light"/>
+                  <a:ea typeface="Lato Light"/>
+                  <a:cs typeface="Lato Light"/>
+                  <a:sym typeface="Lato Light"/>
+                </a:rPr>
+                <a:t>33 categorical variables</a:t>
+              </a:r>
+              <a:endParaRPr sz="1400" b="0" i="0" u="none" strike="noStrike" cap="none">
+                <a:solidFill>
+                  <a:srgbClr val="000000"/>
+                </a:solidFill>
+                <a:latin typeface="Arial"/>
+                <a:ea typeface="Arial"/>
+                <a:cs typeface="Arial"/>
+                <a:sym typeface="Arial"/>
+              </a:endParaRPr>
+            </a:p>
+          </p:txBody>
+        </p:sp>
+        <p:sp>
+          <p:nvSpPr>
+            <p:cNvPr id="92" name="Google Shape;92;p4"/>
+            <p:cNvSpPr/>
+            <p:nvPr/>
+          </p:nvSpPr>
+          <p:spPr>
+            <a:xfrm>
+              <a:off x="3591000" y="3388175"/>
+              <a:ext cx="2540400" cy="647100"/>
+            </a:xfrm>
+            <a:prstGeom prst="roundRect">
+              <a:avLst>
+                <a:gd name="adj" fmla="val 16667"/>
+              </a:avLst>
+            </a:prstGeom>
+            <a:solidFill>
+              <a:srgbClr val="FFFFFF"/>
+            </a:solidFill>
+            <a:ln w="19050" cap="flat" cmpd="sng">
+              <a:solidFill>
+                <a:srgbClr val="A72A1E"/>
+              </a:solidFill>
+              <a:prstDash val="solid"/>
+              <a:round/>
+              <a:headEnd type="none" w="sm" len="sm"/>
+              <a:tailEnd type="none" w="sm" len="sm"/>
+            </a:ln>
+          </p:spPr>
+          <p:txBody>
+            <a:bodyPr spcFirstLastPara="1" wrap="square" lIns="91425" tIns="91425" rIns="91425" bIns="91425" anchor="ctr" anchorCtr="0">
+              <a:noAutofit/>
+            </a:bodyPr>
+            <a:lstStyle/>
+            <a:p>
+              <a:pPr marL="0" marR="0" lvl="0" indent="0" algn="l" rtl="0">
+                <a:lnSpc>
+                  <a:spcPct val="115000"/>
+                </a:lnSpc>
+                <a:spcBef>
+                  <a:spcPts val="0"/>
+                </a:spcBef>
+                <a:spcAft>
+                  <a:spcPts val="0"/>
+                </a:spcAft>
+                <a:buClr>
+                  <a:srgbClr val="000000"/>
+                </a:buClr>
+                <a:buSzPts val="1800"/>
+                <a:buFont typeface="Arial"/>
+                <a:buNone/>
+              </a:pPr>
+              <a:r>
+                <a:rPr lang="en-US" sz="1800" b="0" i="0" u="none" strike="noStrike" cap="none">
+                  <a:solidFill>
+                    <a:schemeClr val="dk1"/>
+                  </a:solidFill>
+                  <a:latin typeface="Lato Light"/>
+                  <a:ea typeface="Lato Light"/>
+                  <a:cs typeface="Lato Light"/>
+                  <a:sym typeface="Lato Light"/>
+                </a:rPr>
+                <a:t>2 numerical variables</a:t>
+              </a:r>
+              <a:endParaRPr sz="1400" b="0" i="0" u="none" strike="noStrike" cap="none">
+                <a:solidFill>
+                  <a:srgbClr val="000000"/>
+                </a:solidFill>
+                <a:latin typeface="Arial"/>
+                <a:ea typeface="Arial"/>
+                <a:cs typeface="Arial"/>
+                <a:sym typeface="Arial"/>
+              </a:endParaRPr>
+            </a:p>
+          </p:txBody>
+        </p:sp>
+        <p:cxnSp>
+          <p:nvCxnSpPr>
+            <p:cNvPr id="93" name="Google Shape;93;p4"/>
+            <p:cNvCxnSpPr>
+              <a:stCxn id="90" idx="3"/>
+              <a:endCxn id="91" idx="1"/>
+            </p:cNvCxnSpPr>
+            <p:nvPr/>
+          </p:nvCxnSpPr>
+          <p:spPr>
+            <a:xfrm rot="10800000" flipH="1">
+              <a:off x="2736425" y="2832725"/>
+              <a:ext cx="854700" cy="426600"/>
+            </a:xfrm>
+            <a:prstGeom prst="bentConnector3">
+              <a:avLst>
+                <a:gd name="adj1" fmla="val 49993"/>
+              </a:avLst>
+            </a:prstGeom>
+            <a:noFill/>
+            <a:ln w="9525" cap="flat" cmpd="sng">
+              <a:solidFill>
+                <a:schemeClr val="dk2"/>
+              </a:solidFill>
+              <a:prstDash val="solid"/>
+              <a:round/>
+              <a:headEnd type="none" w="sm" len="sm"/>
+              <a:tailEnd type="none" w="sm" len="sm"/>
+            </a:ln>
+          </p:spPr>
+        </p:cxnSp>
+        <p:cxnSp>
+          <p:nvCxnSpPr>
+            <p:cNvPr id="94" name="Google Shape;94;p4"/>
+            <p:cNvCxnSpPr>
+              <a:stCxn id="90" idx="3"/>
+              <a:endCxn id="92" idx="1"/>
+            </p:cNvCxnSpPr>
+            <p:nvPr/>
+          </p:nvCxnSpPr>
+          <p:spPr>
+            <a:xfrm>
+              <a:off x="2736425" y="3259325"/>
+              <a:ext cx="854700" cy="452400"/>
+            </a:xfrm>
+            <a:prstGeom prst="bentConnector3">
+              <a:avLst>
+                <a:gd name="adj1" fmla="val 49993"/>
+              </a:avLst>
+            </a:prstGeom>
+            <a:noFill/>
+            <a:ln w="9525" cap="flat" cmpd="sng">
+              <a:solidFill>
+                <a:schemeClr val="dk2"/>
+              </a:solidFill>
+              <a:prstDash val="solid"/>
+              <a:round/>
+              <a:headEnd type="none" w="sm" len="sm"/>
+              <a:tailEnd type="none" w="sm" len="sm"/>
+            </a:ln>
+          </p:spPr>
+        </p:cxnSp>
+        <p:cxnSp>
+          <p:nvCxnSpPr>
+            <p:cNvPr id="95" name="Google Shape;95;p4"/>
+            <p:cNvCxnSpPr>
+              <a:stCxn id="89" idx="2"/>
+              <a:endCxn id="90" idx="0"/>
+            </p:cNvCxnSpPr>
+            <p:nvPr/>
+          </p:nvCxnSpPr>
+          <p:spPr>
+            <a:xfrm>
+              <a:off x="1987025" y="2248763"/>
+              <a:ext cx="0" cy="687000"/>
+            </a:xfrm>
+            <a:prstGeom prst="straightConnector1">
+              <a:avLst/>
+            </a:prstGeom>
+            <a:noFill/>
+            <a:ln w="9525" cap="flat" cmpd="sng">
+              <a:solidFill>
+                <a:schemeClr val="dk2"/>
+              </a:solidFill>
+              <a:prstDash val="solid"/>
+              <a:round/>
+              <a:headEnd type="none" w="med" len="med"/>
+              <a:tailEnd type="triangle" w="med" len="med"/>
+            </a:ln>
+          </p:spPr>
+        </p:cxnSp>
+      </p:grpSp>
     </p:spTree>
   </p:cSld>
   <p:clrMapOvr>
     <a:masterClrMapping/>
   </p:clrMapOvr>
+  <p:timing>
+    <p:tnLst>
+      <p:par>
+        <p:cTn id="1" dur="indefinite" restart="never" nodeType="tmRoot"/>
+      </p:par>
+    </p:tnLst>
+  </p:timing>
 </p:sld>
 </file>
 
@@ -15005,7 +15964,7 @@
     </p:bg>
     <p:spTree>
       <p:nvGrpSpPr>
-        <p:cNvPr id="1" name="Shape 97"/>
+        <p:cNvPr id="1" name="Shape 99"/>
         <p:cNvGrpSpPr/>
         <p:nvPr/>
       </p:nvGrpSpPr>
@@ -15019,7 +15978,7 @@
       </p:grpSpPr>
       <p:sp>
         <p:nvSpPr>
-          <p:cNvPr id="98" name="Google Shape;98;p5"/>
+          <p:cNvPr id="100" name="Google Shape;100;p5"/>
           <p:cNvSpPr txBox="1">
             <a:spLocks noGrp="1"/>
           </p:cNvSpPr>
@@ -15060,16 +16019,26 @@
               <a:buNone/>
             </a:pPr>
             <a:r>
-              <a:rPr lang="en-US"/>
+              <a:rPr lang="en-US">
+                <a:latin typeface="Lato"/>
+                <a:ea typeface="Lato"/>
+                <a:cs typeface="Lato"/>
+                <a:sym typeface="Lato"/>
+              </a:rPr>
               <a:t>Data Exploration</a:t>
             </a:r>
-            <a:endParaRPr/>
+            <a:endParaRPr>
+              <a:latin typeface="Lato"/>
+              <a:ea typeface="Lato"/>
+              <a:cs typeface="Lato"/>
+              <a:sym typeface="Lato"/>
+            </a:endParaRPr>
           </a:p>
         </p:txBody>
       </p:sp>
       <p:cxnSp>
         <p:nvCxnSpPr>
-          <p:cNvPr id="99" name="Google Shape;99;p5"/>
+          <p:cNvPr id="101" name="Google Shape;101;p5"/>
           <p:cNvCxnSpPr/>
           <p:nvPr/>
         </p:nvCxnSpPr>
@@ -15095,7 +16064,7 @@
       </p:cxnSp>
       <p:pic>
         <p:nvPicPr>
-          <p:cNvPr id="100" name="Google Shape;100;p5"/>
+          <p:cNvPr id="102" name="Google Shape;102;p5"/>
           <p:cNvPicPr preferRelativeResize="0"/>
           <p:nvPr/>
         </p:nvPicPr>
@@ -15122,17 +16091,16 @@
       </p:pic>
       <p:pic>
         <p:nvPicPr>
-          <p:cNvPr id="101" name="Google Shape;101;p5"/>
+          <p:cNvPr id="103" name="Google Shape;103;p5"/>
           <p:cNvPicPr preferRelativeResize="0"/>
           <p:nvPr/>
         </p:nvPicPr>
-        <p:blipFill>
+        <p:blipFill rotWithShape="1">
           <a:blip r:embed="rId4">
             <a:alphaModFix/>
           </a:blip>
-          <a:stretch>
-            <a:fillRect/>
-          </a:stretch>
+          <a:srcRect/>
+          <a:stretch/>
         </p:blipFill>
         <p:spPr>
           <a:xfrm>
@@ -15150,17 +16118,16 @@
       </p:pic>
       <p:pic>
         <p:nvPicPr>
-          <p:cNvPr id="102" name="Google Shape;102;p5"/>
+          <p:cNvPr id="104" name="Google Shape;104;p5"/>
           <p:cNvPicPr preferRelativeResize="0"/>
           <p:nvPr/>
         </p:nvPicPr>
-        <p:blipFill>
+        <p:blipFill rotWithShape="1">
           <a:blip r:embed="rId5">
             <a:alphaModFix/>
           </a:blip>
-          <a:stretch>
-            <a:fillRect/>
-          </a:stretch>
+          <a:srcRect/>
+          <a:stretch/>
         </p:blipFill>
         <p:spPr>
           <a:xfrm>
@@ -15178,17 +16145,16 @@
       </p:pic>
       <p:pic>
         <p:nvPicPr>
-          <p:cNvPr id="103" name="Google Shape;103;p5"/>
+          <p:cNvPr id="105" name="Google Shape;105;p5"/>
           <p:cNvPicPr preferRelativeResize="0"/>
           <p:nvPr/>
         </p:nvPicPr>
-        <p:blipFill>
+        <p:blipFill rotWithShape="1">
           <a:blip r:embed="rId6">
             <a:alphaModFix/>
           </a:blip>
-          <a:stretch>
-            <a:fillRect/>
-          </a:stretch>
+          <a:srcRect/>
+          <a:stretch/>
         </p:blipFill>
         <p:spPr>
           <a:xfrm>
@@ -15206,17 +16172,16 @@
       </p:pic>
       <p:pic>
         <p:nvPicPr>
-          <p:cNvPr id="104" name="Google Shape;104;p5"/>
+          <p:cNvPr id="106" name="Google Shape;106;p5"/>
           <p:cNvPicPr preferRelativeResize="0"/>
           <p:nvPr/>
         </p:nvPicPr>
-        <p:blipFill>
+        <p:blipFill rotWithShape="1">
           <a:blip r:embed="rId7">
             <a:alphaModFix/>
           </a:blip>
-          <a:stretch>
-            <a:fillRect/>
-          </a:stretch>
+          <a:srcRect/>
+          <a:stretch/>
         </p:blipFill>
         <p:spPr>
           <a:xfrm>
@@ -15234,17 +16199,16 @@
       </p:pic>
       <p:pic>
         <p:nvPicPr>
-          <p:cNvPr id="105" name="Google Shape;105;p5"/>
+          <p:cNvPr id="107" name="Google Shape;107;p5"/>
           <p:cNvPicPr preferRelativeResize="0"/>
           <p:nvPr/>
         </p:nvPicPr>
-        <p:blipFill>
+        <p:blipFill rotWithShape="1">
           <a:blip r:embed="rId8">
             <a:alphaModFix/>
           </a:blip>
-          <a:stretch>
-            <a:fillRect/>
-          </a:stretch>
+          <a:srcRect/>
+          <a:stretch/>
         </p:blipFill>
         <p:spPr>
           <a:xfrm>
@@ -15262,17 +16226,16 @@
       </p:pic>
       <p:pic>
         <p:nvPicPr>
-          <p:cNvPr id="106" name="Google Shape;106;p5"/>
+          <p:cNvPr id="108" name="Google Shape;108;p5"/>
           <p:cNvPicPr preferRelativeResize="0"/>
           <p:nvPr/>
         </p:nvPicPr>
-        <p:blipFill>
+        <p:blipFill rotWithShape="1">
           <a:blip r:embed="rId9">
             <a:alphaModFix/>
           </a:blip>
-          <a:stretch>
-            <a:fillRect/>
-          </a:stretch>
+          <a:srcRect/>
+          <a:stretch/>
         </p:blipFill>
         <p:spPr>
           <a:xfrm>
@@ -15293,6 +16256,13 @@
   <p:clrMapOvr>
     <a:masterClrMapping/>
   </p:clrMapOvr>
+  <p:timing>
+    <p:tnLst>
+      <p:par>
+        <p:cTn id="1" dur="indefinite" restart="never" nodeType="tmRoot"/>
+      </p:par>
+    </p:tnLst>
+  </p:timing>
 </p:sld>
 </file>
 
@@ -15309,7 +16279,7 @@
     </p:bg>
     <p:spTree>
       <p:nvGrpSpPr>
-        <p:cNvPr id="1" name="Shape 110"/>
+        <p:cNvPr id="1" name="Shape 112"/>
         <p:cNvGrpSpPr/>
         <p:nvPr/>
       </p:nvGrpSpPr>
@@ -15323,7 +16293,7 @@
       </p:grpSpPr>
       <p:sp>
         <p:nvSpPr>
-          <p:cNvPr id="111" name="Google Shape;111;p6"/>
+          <p:cNvPr id="113" name="Google Shape;113;p6"/>
           <p:cNvSpPr txBox="1">
             <a:spLocks noGrp="1"/>
           </p:cNvSpPr>
@@ -15364,10 +16334,20 @@
               <a:buNone/>
             </a:pPr>
             <a:r>
-              <a:rPr lang="en-US"/>
+              <a:rPr lang="en-US">
+                <a:latin typeface="Lato"/>
+                <a:ea typeface="Lato"/>
+                <a:cs typeface="Lato"/>
+                <a:sym typeface="Lato"/>
+              </a:rPr>
               <a:t>Steps to Preprocess Data</a:t>
             </a:r>
-            <a:endParaRPr/>
+            <a:endParaRPr>
+              <a:latin typeface="Lato"/>
+              <a:ea typeface="Lato"/>
+              <a:cs typeface="Lato"/>
+              <a:sym typeface="Lato"/>
+            </a:endParaRPr>
           </a:p>
           <a:p>
             <a:pPr marL="0" lvl="0" indent="0" algn="l" rtl="0">
@@ -15389,7 +16369,7 @@
       </p:sp>
       <p:sp>
         <p:nvSpPr>
-          <p:cNvPr id="112" name="Google Shape;112;p6"/>
+          <p:cNvPr id="114" name="Google Shape;114;p6"/>
           <p:cNvSpPr txBox="1">
             <a:spLocks noGrp="1"/>
           </p:cNvSpPr>
@@ -15416,7 +16396,7 @@
           </a:bodyPr>
           <a:lstStyle/>
           <a:p>
-            <a:pPr marL="285750" lvl="0" indent="-285750" algn="l" rtl="0">
+            <a:pPr marL="285750" lvl="0" indent="-285750" algn="just" rtl="0">
               <a:lnSpc>
                 <a:spcPct val="115000"/>
               </a:lnSpc>
@@ -15427,24 +16407,39 @@
                 <a:spcPts val="0"/>
               </a:spcAft>
               <a:buSzPts val="1800"/>
-              <a:buChar char="❖"/>
+              <a:buFont typeface="Arial" panose="020B0604020202020204" pitchFamily="34" charset="0"/>
+              <a:buChar char="•"/>
             </a:pPr>
             <a:r>
-              <a:rPr lang="en-US" b="1" dirty="0"/>
+              <a:rPr lang="en-US" b="1" dirty="0">
+                <a:latin typeface="Lato"/>
+                <a:ea typeface="Lato"/>
+                <a:cs typeface="Lato"/>
+                <a:sym typeface="Lato"/>
+              </a:rPr>
               <a:t>Data Formatting - </a:t>
             </a:r>
             <a:r>
-              <a:rPr lang="en-US" dirty="0"/>
+              <a:rPr lang="en-US" dirty="0">
+                <a:latin typeface="Lato"/>
+                <a:ea typeface="Lato"/>
+                <a:cs typeface="Lato"/>
+                <a:sym typeface="Lato"/>
+              </a:rPr>
               <a:t>Converting encoding ASCII files into CSV files, decoding them to explore the data.</a:t>
             </a:r>
             <a:endParaRPr dirty="0">
               <a:solidFill>
                 <a:srgbClr val="FF0000"/>
               </a:solidFill>
+              <a:latin typeface="Lato"/>
+              <a:ea typeface="Lato"/>
+              <a:cs typeface="Lato"/>
+              <a:sym typeface="Lato"/>
             </a:endParaRPr>
           </a:p>
           <a:p>
-            <a:pPr marL="285750" lvl="0" indent="-285750" algn="l" rtl="0">
+            <a:pPr marL="285750" lvl="0" indent="-285750" algn="just" rtl="0">
               <a:lnSpc>
                 <a:spcPct val="115000"/>
               </a:lnSpc>
@@ -15455,41 +16450,42 @@
                 <a:spcPts val="0"/>
               </a:spcAft>
               <a:buSzPts val="1800"/>
-              <a:buChar char="❖"/>
+              <a:buFont typeface="Arial" panose="020B0604020202020204" pitchFamily="34" charset="0"/>
+              <a:buChar char="•"/>
             </a:pPr>
             <a:r>
-              <a:rPr lang="en-US" b="1" dirty="0"/>
-              <a:t>Sampling </a:t>
+              <a:rPr lang="en-US" b="1" dirty="0" smtClean="0">
+                <a:latin typeface="Lato"/>
+                <a:ea typeface="Lato"/>
+                <a:cs typeface="Lato"/>
+                <a:sym typeface="Lato"/>
+              </a:rPr>
+              <a:t>Transforming </a:t>
             </a:r>
             <a:r>
-              <a:rPr lang="en-US" dirty="0"/>
-              <a:t>– we conducted weighted sampling (stratified sampling) to facilitate data reduction for exploratory data analysis and scaling up algorithms to big data applications and quantifying uncertainties due to varying data distributions.</a:t>
-            </a:r>
-            <a:endParaRPr dirty="0"/>
-          </a:p>
-          <a:p>
-            <a:pPr marL="285750" lvl="0" indent="-285750" algn="l" rtl="0">
-              <a:lnSpc>
-                <a:spcPct val="115000"/>
-              </a:lnSpc>
-              <a:spcBef>
-                <a:spcPts val="1600"/>
-              </a:spcBef>
-              <a:spcAft>
-                <a:spcPts val="0"/>
-              </a:spcAft>
-              <a:buSzPts val="1800"/>
-              <a:buChar char="❖"/>
-            </a:pPr>
-            <a:r>
-              <a:rPr lang="en-US" b="1" dirty="0"/>
-              <a:t>Transforming the data</a:t>
+              <a:rPr lang="en-US" b="1" dirty="0">
+                <a:latin typeface="Lato"/>
+                <a:ea typeface="Lato"/>
+                <a:cs typeface="Lato"/>
+                <a:sym typeface="Lato"/>
+              </a:rPr>
+              <a:t>the data</a:t>
             </a:r>
             <a:r>
-              <a:rPr lang="en-US" dirty="0"/>
+              <a:rPr lang="en-US" dirty="0">
+                <a:latin typeface="Lato"/>
+                <a:ea typeface="Lato"/>
+                <a:cs typeface="Lato"/>
+                <a:sym typeface="Lato"/>
+              </a:rPr>
               <a:t> - we transformed our data, created dummy variables also binning our response variable i.e., Grade I, Grade II, Grade III, Grade IV into two categories 0 (combining Grade I &amp; Grade II) and 1 (combining Grade III &amp; Grade IV).</a:t>
             </a:r>
-            <a:endParaRPr dirty="0"/>
+            <a:endParaRPr dirty="0">
+              <a:latin typeface="Lato"/>
+              <a:ea typeface="Lato"/>
+              <a:cs typeface="Lato"/>
+              <a:sym typeface="Lato"/>
+            </a:endParaRPr>
           </a:p>
           <a:p>
             <a:pPr marL="285750" lvl="0" indent="-171450" algn="l" rtl="0">
@@ -15527,7 +16523,7 @@
       </p:sp>
       <p:pic>
         <p:nvPicPr>
-          <p:cNvPr id="113" name="Google Shape;113;p6"/>
+          <p:cNvPr id="115" name="Google Shape;115;p6"/>
           <p:cNvPicPr preferRelativeResize="0"/>
           <p:nvPr/>
         </p:nvPicPr>
@@ -15554,7 +16550,7 @@
       </p:pic>
       <p:cxnSp>
         <p:nvCxnSpPr>
-          <p:cNvPr id="114" name="Google Shape;114;p6"/>
+          <p:cNvPr id="116" name="Google Shape;116;p6"/>
           <p:cNvCxnSpPr/>
           <p:nvPr/>
         </p:nvCxnSpPr>
@@ -15583,6 +16579,13 @@
   <p:clrMapOvr>
     <a:masterClrMapping/>
   </p:clrMapOvr>
+  <p:timing>
+    <p:tnLst>
+      <p:par>
+        <p:cTn id="1" dur="indefinite" restart="never" nodeType="tmRoot"/>
+      </p:par>
+    </p:tnLst>
+  </p:timing>
 </p:sld>
 </file>
 
@@ -15599,7 +16602,7 @@
     </p:bg>
     <p:spTree>
       <p:nvGrpSpPr>
-        <p:cNvPr id="1" name="Shape 118"/>
+        <p:cNvPr id="1" name="Shape 112"/>
         <p:cNvGrpSpPr/>
         <p:nvPr/>
       </p:nvGrpSpPr>
@@ -15613,7 +16616,589 @@
       </p:grpSpPr>
       <p:sp>
         <p:nvSpPr>
-          <p:cNvPr id="119" name="Google Shape;119;p8"/>
+          <p:cNvPr id="113" name="Google Shape;113;p6"/>
+          <p:cNvSpPr txBox="1">
+            <a:spLocks noGrp="1"/>
+          </p:cNvSpPr>
+          <p:nvPr>
+            <p:ph type="title"/>
+          </p:nvPr>
+        </p:nvSpPr>
+        <p:spPr>
+          <a:xfrm>
+            <a:off x="275525" y="445025"/>
+            <a:ext cx="8520600" cy="613200"/>
+          </a:xfrm>
+          <a:prstGeom prst="rect">
+            <a:avLst/>
+          </a:prstGeom>
+          <a:noFill/>
+          <a:ln>
+            <a:noFill/>
+          </a:ln>
+        </p:spPr>
+        <p:txBody>
+          <a:bodyPr spcFirstLastPara="1" wrap="square" lIns="91425" tIns="91425" rIns="91425" bIns="91425" anchor="t" anchorCtr="0">
+            <a:noAutofit/>
+          </a:bodyPr>
+          <a:lstStyle/>
+          <a:p>
+            <a:pPr marL="0" lvl="0" indent="0" algn="l" rtl="0">
+              <a:lnSpc>
+                <a:spcPct val="100000"/>
+              </a:lnSpc>
+              <a:spcBef>
+                <a:spcPts val="0"/>
+              </a:spcBef>
+              <a:spcAft>
+                <a:spcPts val="0"/>
+              </a:spcAft>
+              <a:buSzPts val="3000"/>
+              <a:buNone/>
+            </a:pPr>
+            <a:r>
+              <a:rPr lang="en-IN" dirty="0" smtClean="0">
+                <a:latin typeface="Lato"/>
+                <a:ea typeface="Lato"/>
+                <a:cs typeface="Lato"/>
+                <a:sym typeface="Lato"/>
+              </a:rPr>
+              <a:t>Regression Challenges</a:t>
+            </a:r>
+            <a:endParaRPr dirty="0"/>
+          </a:p>
+        </p:txBody>
+      </p:sp>
+      <p:pic>
+        <p:nvPicPr>
+          <p:cNvPr id="115" name="Google Shape;115;p6"/>
+          <p:cNvPicPr preferRelativeResize="0"/>
+          <p:nvPr/>
+        </p:nvPicPr>
+        <p:blipFill rotWithShape="1">
+          <a:blip r:embed="rId3">
+            <a:alphaModFix/>
+          </a:blip>
+          <a:srcRect/>
+          <a:stretch/>
+        </p:blipFill>
+        <p:spPr>
+          <a:xfrm>
+            <a:off x="5598975" y="76199"/>
+            <a:ext cx="3437901" cy="523743"/>
+          </a:xfrm>
+          <a:prstGeom prst="rect">
+            <a:avLst/>
+          </a:prstGeom>
+          <a:noFill/>
+          <a:ln>
+            <a:noFill/>
+          </a:ln>
+        </p:spPr>
+      </p:pic>
+      <p:sp>
+        <p:nvSpPr>
+          <p:cNvPr id="4" name="Rounded Rectangle 3"/>
+          <p:cNvSpPr/>
+          <p:nvPr/>
+        </p:nvSpPr>
+        <p:spPr>
+          <a:xfrm>
+            <a:off x="740231" y="1427051"/>
+            <a:ext cx="1992086" cy="3472542"/>
+          </a:xfrm>
+          <a:prstGeom prst="roundRect">
+            <a:avLst/>
+          </a:prstGeom>
+        </p:spPr>
+        <p:style>
+          <a:lnRef idx="2">
+            <a:schemeClr val="accent5"/>
+          </a:lnRef>
+          <a:fillRef idx="1">
+            <a:schemeClr val="lt1"/>
+          </a:fillRef>
+          <a:effectRef idx="0">
+            <a:schemeClr val="accent5"/>
+          </a:effectRef>
+          <a:fontRef idx="minor">
+            <a:schemeClr val="dk1"/>
+          </a:fontRef>
+        </p:style>
+        <p:txBody>
+          <a:bodyPr rtlCol="0" anchor="ctr"/>
+          <a:lstStyle/>
+          <a:p>
+            <a:pPr algn="ctr"/>
+            <a:r>
+              <a:rPr lang="en-IN" sz="2000" b="1" dirty="0" err="1">
+                <a:latin typeface="Lato"/>
+                <a:ea typeface="Lato"/>
+                <a:cs typeface="Lato"/>
+                <a:sym typeface="Old Standard TT"/>
+              </a:rPr>
+              <a:t>As.Factor</a:t>
+            </a:r>
+            <a:endParaRPr lang="en-IN" sz="2000" b="1" dirty="0">
+              <a:latin typeface="Lato"/>
+              <a:ea typeface="Lato"/>
+              <a:cs typeface="Lato"/>
+              <a:sym typeface="Old Standard TT"/>
+            </a:endParaRPr>
+          </a:p>
+          <a:p>
+            <a:pPr algn="ctr"/>
+            <a:endParaRPr lang="en-IN" sz="2000" dirty="0">
+              <a:latin typeface="Lato"/>
+              <a:ea typeface="Lato"/>
+              <a:cs typeface="Lato"/>
+              <a:sym typeface="Old Standard TT"/>
+            </a:endParaRPr>
+          </a:p>
+          <a:p>
+            <a:pPr marL="285750" indent="-285750">
+              <a:buFont typeface="Arial" panose="020B0604020202020204" pitchFamily="34" charset="0"/>
+              <a:buChar char="•"/>
+            </a:pPr>
+            <a:r>
+              <a:rPr lang="en-IN" sz="1800" dirty="0">
+                <a:latin typeface="Lato"/>
+                <a:ea typeface="Lato"/>
+                <a:cs typeface="Lato"/>
+                <a:sym typeface="Old Standard TT"/>
+              </a:rPr>
+              <a:t>Stepwise Regression</a:t>
+            </a:r>
+          </a:p>
+          <a:p>
+            <a:pPr marL="285750" indent="-285750">
+              <a:buFont typeface="Arial" panose="020B0604020202020204" pitchFamily="34" charset="0"/>
+              <a:buChar char="•"/>
+            </a:pPr>
+            <a:r>
+              <a:rPr lang="en-IN" sz="1800" dirty="0">
+                <a:latin typeface="Lato"/>
+                <a:ea typeface="Lato"/>
+                <a:cs typeface="Lato"/>
+                <a:sym typeface="Old Standard TT"/>
+              </a:rPr>
+              <a:t>Did not converge</a:t>
+            </a:r>
+          </a:p>
+          <a:p>
+            <a:pPr algn="ctr"/>
+            <a:endParaRPr lang="en-IN" sz="2000" dirty="0">
+              <a:latin typeface="Lato"/>
+              <a:ea typeface="Lato"/>
+              <a:cs typeface="Lato"/>
+              <a:sym typeface="Old Standard TT"/>
+            </a:endParaRPr>
+          </a:p>
+        </p:txBody>
+      </p:sp>
+      <p:sp>
+        <p:nvSpPr>
+          <p:cNvPr id="9" name="Rounded Rectangle 8"/>
+          <p:cNvSpPr/>
+          <p:nvPr/>
+        </p:nvSpPr>
+        <p:spPr>
+          <a:xfrm>
+            <a:off x="3381876" y="1427051"/>
+            <a:ext cx="1937656" cy="3472542"/>
+          </a:xfrm>
+          <a:prstGeom prst="roundRect">
+            <a:avLst/>
+          </a:prstGeom>
+        </p:spPr>
+        <p:style>
+          <a:lnRef idx="2">
+            <a:schemeClr val="accent5"/>
+          </a:lnRef>
+          <a:fillRef idx="1">
+            <a:schemeClr val="lt1"/>
+          </a:fillRef>
+          <a:effectRef idx="0">
+            <a:schemeClr val="accent5"/>
+          </a:effectRef>
+          <a:fontRef idx="minor">
+            <a:schemeClr val="dk1"/>
+          </a:fontRef>
+        </p:style>
+        <p:txBody>
+          <a:bodyPr rtlCol="0" anchor="ctr"/>
+          <a:lstStyle/>
+          <a:p>
+            <a:pPr algn="ctr"/>
+            <a:r>
+              <a:rPr lang="en-IN" sz="2000" b="1" dirty="0">
+                <a:latin typeface="Lato"/>
+                <a:ea typeface="Lato"/>
+                <a:cs typeface="Lato"/>
+              </a:rPr>
+              <a:t>Random Sampling</a:t>
+            </a:r>
+          </a:p>
+          <a:p>
+            <a:endParaRPr lang="en-IN" sz="1600" b="1" dirty="0">
+              <a:latin typeface="Lato"/>
+              <a:ea typeface="Lato"/>
+              <a:cs typeface="Lato"/>
+            </a:endParaRPr>
+          </a:p>
+          <a:p>
+            <a:pPr marL="285750" indent="-285750">
+              <a:buFont typeface="Arial"/>
+              <a:buChar char="•"/>
+            </a:pPr>
+            <a:r>
+              <a:rPr lang="en-IN" sz="1600" dirty="0">
+                <a:latin typeface="Lato"/>
+                <a:ea typeface="Lato"/>
+                <a:cs typeface="Lato"/>
+              </a:rPr>
+              <a:t>Manually created N-1 dummies</a:t>
+            </a:r>
+          </a:p>
+          <a:p>
+            <a:pPr marL="285750" indent="-285750">
+              <a:buFont typeface="Arial"/>
+              <a:buChar char="•"/>
+            </a:pPr>
+            <a:r>
+              <a:rPr lang="en-IN" sz="1600" dirty="0">
+                <a:latin typeface="Lato"/>
+                <a:ea typeface="Lato"/>
+                <a:cs typeface="Lato"/>
+              </a:rPr>
+              <a:t>Biased towards Class ‘0’</a:t>
+            </a:r>
+          </a:p>
+          <a:p>
+            <a:pPr marL="285750" indent="-285750">
+              <a:buFont typeface="Arial"/>
+              <a:buChar char="•"/>
+            </a:pPr>
+            <a:r>
+              <a:rPr lang="en-IN" sz="1600" dirty="0">
+                <a:latin typeface="Lato"/>
+                <a:ea typeface="Lato"/>
+                <a:cs typeface="Lato"/>
+              </a:rPr>
+              <a:t>79% was class 0, Accuracy was 81%</a:t>
+            </a:r>
+          </a:p>
+          <a:p>
+            <a:pPr marL="285750" indent="-285750" algn="ctr">
+              <a:buFont typeface="Arial" panose="020B0604020202020204" pitchFamily="34" charset="0"/>
+              <a:buChar char="•"/>
+            </a:pPr>
+            <a:endParaRPr lang="en-IN" dirty="0"/>
+          </a:p>
+          <a:p>
+            <a:pPr algn="ctr"/>
+            <a:endParaRPr lang="en-IN" dirty="0"/>
+          </a:p>
+        </p:txBody>
+      </p:sp>
+      <p:sp>
+        <p:nvSpPr>
+          <p:cNvPr id="10" name="Rounded Rectangle 9"/>
+          <p:cNvSpPr/>
+          <p:nvPr/>
+        </p:nvSpPr>
+        <p:spPr>
+          <a:xfrm>
+            <a:off x="5969091" y="1427051"/>
+            <a:ext cx="1977480" cy="3472542"/>
+          </a:xfrm>
+          <a:prstGeom prst="roundRect">
+            <a:avLst/>
+          </a:prstGeom>
+        </p:spPr>
+        <p:style>
+          <a:lnRef idx="2">
+            <a:schemeClr val="accent5"/>
+          </a:lnRef>
+          <a:fillRef idx="1">
+            <a:schemeClr val="lt1"/>
+          </a:fillRef>
+          <a:effectRef idx="0">
+            <a:schemeClr val="accent5"/>
+          </a:effectRef>
+          <a:fontRef idx="minor">
+            <a:schemeClr val="dk1"/>
+          </a:fontRef>
+        </p:style>
+        <p:txBody>
+          <a:bodyPr rtlCol="0" anchor="ctr"/>
+          <a:lstStyle/>
+          <a:p>
+            <a:pPr algn="ctr"/>
+            <a:r>
+              <a:rPr lang="en-IN" sz="2000" b="1" dirty="0" smtClean="0">
+                <a:latin typeface="Lato" panose="020F0502020204030203" pitchFamily="34" charset="0"/>
+              </a:rPr>
+              <a:t>Weighted Sampling</a:t>
+            </a:r>
+          </a:p>
+          <a:p>
+            <a:pPr marL="285750" indent="-285750">
+              <a:buFont typeface="Arial" panose="020B0604020202020204" pitchFamily="34" charset="0"/>
+              <a:buChar char="•"/>
+            </a:pPr>
+            <a:endParaRPr lang="en-IN" dirty="0"/>
+          </a:p>
+          <a:p>
+            <a:pPr marL="285750" indent="-285750">
+              <a:buFont typeface="Arial" panose="020B0604020202020204" pitchFamily="34" charset="0"/>
+              <a:buChar char="•"/>
+            </a:pPr>
+            <a:r>
+              <a:rPr lang="en-IN" sz="1600" dirty="0" smtClean="0">
+                <a:latin typeface="Lato" panose="020F0502020204030203" pitchFamily="34" charset="0"/>
+              </a:rPr>
+              <a:t>N-1 dummies </a:t>
+            </a:r>
+          </a:p>
+          <a:p>
+            <a:pPr marL="285750" indent="-285750">
+              <a:buFont typeface="Arial" panose="020B0604020202020204" pitchFamily="34" charset="0"/>
+              <a:buChar char="•"/>
+            </a:pPr>
+            <a:r>
+              <a:rPr lang="en-IN" sz="1600" dirty="0" smtClean="0">
+                <a:latin typeface="Lato" panose="020F0502020204030203" pitchFamily="34" charset="0"/>
+              </a:rPr>
+              <a:t>50/50% each class</a:t>
+            </a:r>
+          </a:p>
+          <a:p>
+            <a:pPr marL="285750" indent="-285750">
+              <a:buFont typeface="Arial" panose="020B0604020202020204" pitchFamily="34" charset="0"/>
+              <a:buChar char="•"/>
+            </a:pPr>
+            <a:r>
+              <a:rPr lang="en-IN" sz="1600" dirty="0" smtClean="0">
+                <a:latin typeface="Lato" panose="020F0502020204030203" pitchFamily="34" charset="0"/>
+              </a:rPr>
+              <a:t>Accuracy 65%</a:t>
+            </a:r>
+          </a:p>
+        </p:txBody>
+      </p:sp>
+      <p:cxnSp>
+        <p:nvCxnSpPr>
+          <p:cNvPr id="11" name="Google Shape;116;p6"/>
+          <p:cNvCxnSpPr/>
+          <p:nvPr/>
+        </p:nvCxnSpPr>
+        <p:spPr>
+          <a:xfrm>
+            <a:off x="386050" y="1081775"/>
+            <a:ext cx="6914700" cy="16200"/>
+          </a:xfrm>
+          <a:prstGeom prst="straightConnector1">
+            <a:avLst/>
+          </a:prstGeom>
+          <a:noFill/>
+          <a:ln w="19050" cap="flat" cmpd="sng">
+            <a:solidFill>
+              <a:srgbClr val="CC0000"/>
+            </a:solidFill>
+            <a:prstDash val="solid"/>
+            <a:round/>
+            <a:headEnd type="none" w="sm" len="sm"/>
+            <a:tailEnd type="none" w="sm" len="sm"/>
+          </a:ln>
+        </p:spPr>
+      </p:cxnSp>
+      <p:sp>
+        <p:nvSpPr>
+          <p:cNvPr id="5" name="Right Arrow 4"/>
+          <p:cNvSpPr/>
+          <p:nvPr/>
+        </p:nvSpPr>
+        <p:spPr>
+          <a:xfrm>
+            <a:off x="2841172" y="3016364"/>
+            <a:ext cx="424543" cy="283029"/>
+          </a:xfrm>
+          <a:prstGeom prst="rightArrow">
+            <a:avLst/>
+          </a:prstGeom>
+        </p:spPr>
+        <p:style>
+          <a:lnRef idx="2">
+            <a:schemeClr val="accent1">
+              <a:shade val="50000"/>
+            </a:schemeClr>
+          </a:lnRef>
+          <a:fillRef idx="1">
+            <a:schemeClr val="accent1"/>
+          </a:fillRef>
+          <a:effectRef idx="0">
+            <a:schemeClr val="accent1"/>
+          </a:effectRef>
+          <a:fontRef idx="minor">
+            <a:schemeClr val="lt1"/>
+          </a:fontRef>
+        </p:style>
+        <p:txBody>
+          <a:bodyPr rtlCol="0" anchor="ctr"/>
+          <a:lstStyle/>
+          <a:p>
+            <a:pPr algn="ctr"/>
+            <a:endParaRPr lang="en-IN"/>
+          </a:p>
+        </p:txBody>
+      </p:sp>
+      <p:sp>
+        <p:nvSpPr>
+          <p:cNvPr id="13" name="Right Arrow 12"/>
+          <p:cNvSpPr/>
+          <p:nvPr/>
+        </p:nvSpPr>
+        <p:spPr>
+          <a:xfrm>
+            <a:off x="5432040" y="3016363"/>
+            <a:ext cx="424543" cy="283029"/>
+          </a:xfrm>
+          <a:prstGeom prst="rightArrow">
+            <a:avLst/>
+          </a:prstGeom>
+        </p:spPr>
+        <p:style>
+          <a:lnRef idx="2">
+            <a:schemeClr val="accent1">
+              <a:shade val="50000"/>
+            </a:schemeClr>
+          </a:lnRef>
+          <a:fillRef idx="1">
+            <a:schemeClr val="accent1"/>
+          </a:fillRef>
+          <a:effectRef idx="0">
+            <a:schemeClr val="accent1"/>
+          </a:effectRef>
+          <a:fontRef idx="minor">
+            <a:schemeClr val="lt1"/>
+          </a:fontRef>
+        </p:style>
+        <p:txBody>
+          <a:bodyPr rtlCol="0" anchor="ctr"/>
+          <a:lstStyle/>
+          <a:p>
+            <a:pPr algn="ctr"/>
+            <a:endParaRPr lang="en-IN"/>
+          </a:p>
+        </p:txBody>
+      </p:sp>
+      <p:sp>
+        <p:nvSpPr>
+          <p:cNvPr id="6" name="TextBox 5"/>
+          <p:cNvSpPr txBox="1"/>
+          <p:nvPr/>
+        </p:nvSpPr>
+        <p:spPr>
+          <a:xfrm>
+            <a:off x="1219199" y="1097975"/>
+            <a:ext cx="7663543" cy="307777"/>
+          </a:xfrm>
+          <a:prstGeom prst="rect">
+            <a:avLst/>
+          </a:prstGeom>
+          <a:noFill/>
+        </p:spPr>
+        <p:txBody>
+          <a:bodyPr wrap="square" rtlCol="0">
+            <a:spAutoFit/>
+          </a:bodyPr>
+          <a:lstStyle/>
+          <a:p>
+            <a:r>
+              <a:rPr lang="en-IN" dirty="0" smtClean="0">
+                <a:latin typeface="Lato" panose="020F0502020204030203" pitchFamily="34" charset="0"/>
+              </a:rPr>
+              <a:t>1</a:t>
+            </a:r>
+            <a:r>
+              <a:rPr lang="en-IN" baseline="30000" dirty="0" smtClean="0">
+                <a:latin typeface="Lato" panose="020F0502020204030203" pitchFamily="34" charset="0"/>
+              </a:rPr>
+              <a:t>st</a:t>
+            </a:r>
+            <a:r>
+              <a:rPr lang="en-IN" dirty="0" smtClean="0">
+                <a:latin typeface="Lato" panose="020F0502020204030203" pitchFamily="34" charset="0"/>
+              </a:rPr>
+              <a:t> Attempt                                    2</a:t>
+            </a:r>
+            <a:r>
+              <a:rPr lang="en-IN" baseline="30000" dirty="0" smtClean="0">
+                <a:latin typeface="Lato" panose="020F0502020204030203" pitchFamily="34" charset="0"/>
+              </a:rPr>
+              <a:t>nd</a:t>
+            </a:r>
+            <a:r>
+              <a:rPr lang="en-IN" dirty="0" smtClean="0">
+                <a:latin typeface="Lato" panose="020F0502020204030203" pitchFamily="34" charset="0"/>
+              </a:rPr>
+              <a:t> attempt                                    Final Model</a:t>
+            </a:r>
+            <a:endParaRPr lang="en-IN" dirty="0">
+              <a:latin typeface="Lato" panose="020F0502020204030203" pitchFamily="34" charset="0"/>
+            </a:endParaRPr>
+          </a:p>
+        </p:txBody>
+      </p:sp>
+    </p:spTree>
+    <p:extLst>
+      <p:ext uri="{BB962C8B-B14F-4D97-AF65-F5344CB8AC3E}">
+        <p14:creationId xmlns:p14="http://schemas.microsoft.com/office/powerpoint/2010/main" val="2022591623"/>
+      </p:ext>
+    </p:extLst>
+  </p:cSld>
+  <p:clrMapOvr>
+    <a:masterClrMapping/>
+  </p:clrMapOvr>
+  <p:timing>
+    <p:tnLst>
+      <p:par>
+        <p:cTn id="1" dur="indefinite" restart="never" nodeType="tmRoot"/>
+      </p:par>
+    </p:tnLst>
+  </p:timing>
+</p:sld>
+</file>
+
+<file path=ppt/slides/slide8.xml><?xml version="1.0" encoding="utf-8"?>
+<p:sld xmlns:a="http://schemas.openxmlformats.org/drawingml/2006/main" xmlns:r="http://schemas.openxmlformats.org/officeDocument/2006/relationships" xmlns:p="http://schemas.openxmlformats.org/presentationml/2006/main">
+  <p:cSld>
+    <p:bg>
+      <p:bgPr>
+        <a:solidFill>
+          <a:srgbClr val="FFFFFF"/>
+        </a:solidFill>
+        <a:effectLst/>
+      </p:bgPr>
+    </p:bg>
+    <p:spTree>
+      <p:nvGrpSpPr>
+        <p:cNvPr id="1" name="Shape 120"/>
+        <p:cNvGrpSpPr/>
+        <p:nvPr/>
+      </p:nvGrpSpPr>
+      <p:grpSpPr>
+        <a:xfrm>
+          <a:off x="0" y="0"/>
+          <a:ext cx="0" cy="0"/>
+          <a:chOff x="0" y="0"/>
+          <a:chExt cx="0" cy="0"/>
+        </a:xfrm>
+      </p:grpSpPr>
+      <p:sp>
+        <p:nvSpPr>
+          <p:cNvPr id="121" name="Google Shape;121;p8"/>
           <p:cNvSpPr txBox="1">
             <a:spLocks noGrp="1"/>
           </p:cNvSpPr>
@@ -15654,16 +17239,26 @@
               <a:buNone/>
             </a:pPr>
             <a:r>
-              <a:rPr lang="en-US"/>
+              <a:rPr lang="en-US" dirty="0">
+                <a:latin typeface="Lato"/>
+                <a:ea typeface="Lato"/>
+                <a:cs typeface="Lato"/>
+                <a:sym typeface="Lato"/>
+              </a:rPr>
               <a:t>Logistic Regression</a:t>
             </a:r>
-            <a:endParaRPr/>
+            <a:endParaRPr dirty="0">
+              <a:latin typeface="Lato"/>
+              <a:ea typeface="Lato"/>
+              <a:cs typeface="Lato"/>
+              <a:sym typeface="Lato"/>
+            </a:endParaRPr>
           </a:p>
         </p:txBody>
       </p:sp>
       <p:sp>
         <p:nvSpPr>
-          <p:cNvPr id="120" name="Google Shape;120;p8"/>
+          <p:cNvPr id="122" name="Google Shape;122;p8"/>
           <p:cNvSpPr txBox="1">
             <a:spLocks noGrp="1"/>
           </p:cNvSpPr>
@@ -15701,13 +17296,33 @@
                 <a:spcPts val="0"/>
               </a:spcAft>
               <a:buSzPts val="1800"/>
+              <a:buFont typeface="Lato"/>
               <a:buChar char="❖"/>
             </a:pPr>
             <a:r>
-              <a:rPr lang="en-US"/>
-              <a:t>Final model</a:t>
+              <a:rPr lang="en-US" dirty="0">
+                <a:latin typeface="Lato"/>
+                <a:ea typeface="Lato"/>
+                <a:cs typeface="Lato"/>
+                <a:sym typeface="Lato"/>
+              </a:rPr>
+              <a:t>Final </a:t>
             </a:r>
-            <a:endParaRPr/>
+            <a:r>
+              <a:rPr lang="en-US" dirty="0" smtClean="0">
+                <a:latin typeface="Lato"/>
+                <a:ea typeface="Lato"/>
+                <a:cs typeface="Lato"/>
+                <a:sym typeface="Lato"/>
+              </a:rPr>
+              <a:t>Model</a:t>
+            </a:r>
+            <a:endParaRPr dirty="0">
+              <a:latin typeface="Lato"/>
+              <a:ea typeface="Lato"/>
+              <a:cs typeface="Lato"/>
+              <a:sym typeface="Lato"/>
+            </a:endParaRPr>
           </a:p>
           <a:p>
             <a:pPr marL="457200" lvl="0" indent="-342900" algn="l" rtl="0">
@@ -15721,19 +17336,30 @@
                 <a:spcPts val="0"/>
               </a:spcAft>
               <a:buSzPts val="1800"/>
+              <a:buFont typeface="Lato"/>
               <a:buChar char="❖"/>
             </a:pPr>
             <a:r>
-              <a:rPr lang="en-US"/>
+              <a:rPr lang="en-US" dirty="0">
+                <a:latin typeface="Lato"/>
+                <a:ea typeface="Lato"/>
+                <a:cs typeface="Lato"/>
+                <a:sym typeface="Lato"/>
+              </a:rPr>
               <a:t>Final Output </a:t>
             </a:r>
-            <a:endParaRPr/>
+            <a:endParaRPr dirty="0">
+              <a:latin typeface="Lato"/>
+              <a:ea typeface="Lato"/>
+              <a:cs typeface="Lato"/>
+              <a:sym typeface="Lato"/>
+            </a:endParaRPr>
           </a:p>
         </p:txBody>
       </p:sp>
       <p:pic>
         <p:nvPicPr>
-          <p:cNvPr id="121" name="Google Shape;121;p8"/>
+          <p:cNvPr id="123" name="Google Shape;123;p8"/>
           <p:cNvPicPr preferRelativeResize="0"/>
           <p:nvPr/>
         </p:nvPicPr>
@@ -15760,7 +17386,7 @@
       </p:pic>
       <p:cxnSp>
         <p:nvCxnSpPr>
-          <p:cNvPr id="122" name="Google Shape;122;p8"/>
+          <p:cNvPr id="124" name="Google Shape;124;p8"/>
           <p:cNvCxnSpPr/>
           <p:nvPr/>
         </p:nvCxnSpPr>
@@ -15786,7 +17412,7 @@
       </p:cxnSp>
       <p:sp>
         <p:nvSpPr>
-          <p:cNvPr id="123" name="Google Shape;123;p8"/>
+          <p:cNvPr id="125" name="Google Shape;125;p8"/>
           <p:cNvSpPr/>
           <p:nvPr/>
         </p:nvSpPr>
@@ -15820,22 +17446,38 @@
           </a:bodyPr>
           <a:lstStyle/>
           <a:p>
-            <a:pPr marL="0" lvl="0" indent="0" algn="l" rtl="0">
-              <a:spcBef>
-                <a:spcPts val="0"/>
-              </a:spcBef>
-              <a:spcAft>
-                <a:spcPts val="0"/>
-              </a:spcAft>
+            <a:pPr marL="0" marR="0" lvl="0" indent="0" algn="l" rtl="0">
+              <a:lnSpc>
+                <a:spcPct val="100000"/>
+              </a:lnSpc>
+              <a:spcBef>
+                <a:spcPts val="0"/>
+              </a:spcBef>
+              <a:spcAft>
+                <a:spcPts val="0"/>
+              </a:spcAft>
+              <a:buClr>
+                <a:srgbClr val="000000"/>
+              </a:buClr>
+              <a:buSzPts val="1400"/>
+              <a:buFont typeface="Arial"/>
               <a:buNone/>
             </a:pPr>
-            <a:endParaRPr/>
+            <a:endParaRPr sz="1400" b="0" i="0" u="none" strike="noStrike" cap="none">
+              <a:solidFill>
+                <a:srgbClr val="000000"/>
+              </a:solidFill>
+              <a:latin typeface="Arial"/>
+              <a:ea typeface="Arial"/>
+              <a:cs typeface="Arial"/>
+              <a:sym typeface="Arial"/>
+            </a:endParaRPr>
           </a:p>
         </p:txBody>
       </p:sp>
       <p:sp>
         <p:nvSpPr>
-          <p:cNvPr id="124" name="Google Shape;124;p8"/>
+          <p:cNvPr id="126" name="Google Shape;126;p8"/>
           <p:cNvSpPr/>
           <p:nvPr/>
         </p:nvSpPr>
@@ -15871,35 +17513,45 @@
           </a:bodyPr>
           <a:lstStyle/>
           <a:p>
-            <a:pPr marL="0" lvl="0" indent="0" algn="l" rtl="0">
-              <a:spcBef>
-                <a:spcPts val="0"/>
-              </a:spcBef>
-              <a:spcAft>
-                <a:spcPts val="0"/>
-              </a:spcAft>
+            <a:pPr marL="0" marR="0" lvl="0" indent="0" algn="l" rtl="0">
+              <a:lnSpc>
+                <a:spcPct val="100000"/>
+              </a:lnSpc>
+              <a:spcBef>
+                <a:spcPts val="0"/>
+              </a:spcBef>
+              <a:spcAft>
+                <a:spcPts val="0"/>
+              </a:spcAft>
+              <a:buClr>
+                <a:srgbClr val="000000"/>
+              </a:buClr>
+              <a:buSzPts val="1400"/>
+              <a:buFont typeface="Arial"/>
               <a:buNone/>
             </a:pPr>
-            <a:endParaRPr/>
+            <a:endParaRPr sz="1400" b="0" i="0" u="none" strike="noStrike" cap="none">
+              <a:solidFill>
+                <a:srgbClr val="000000"/>
+              </a:solidFill>
+              <a:latin typeface="Arial"/>
+              <a:ea typeface="Arial"/>
+              <a:cs typeface="Arial"/>
+              <a:sym typeface="Arial"/>
+            </a:endParaRPr>
           </a:p>
         </p:txBody>
       </p:sp>
       <p:pic>
         <p:nvPicPr>
-          <p:cNvPr id="2" name="Picture 1">
-            <a:extLst>
-              <a:ext uri="{FF2B5EF4-FFF2-40B4-BE49-F238E27FC236}">
-                <a16:creationId xmlns:a16="http://schemas.microsoft.com/office/drawing/2014/main" id="{2AC13965-2767-4456-9455-8440AE393425}"/>
-              </a:ext>
-            </a:extLst>
-          </p:cNvPr>
-          <p:cNvPicPr>
-            <a:picLocks noChangeAspect="1"/>
-          </p:cNvPicPr>
+          <p:cNvPr id="127" name="Google Shape;127;p8"/>
+          <p:cNvPicPr preferRelativeResize="0"/>
           <p:nvPr/>
         </p:nvPicPr>
         <p:blipFill rotWithShape="1">
-          <a:blip r:embed="rId4"/>
+          <a:blip r:embed="rId4">
+            <a:alphaModFix/>
+          </a:blip>
           <a:srcRect t="1233"/>
           <a:stretch/>
         </p:blipFill>
@@ -15911,27 +17563,24 @@
           <a:prstGeom prst="rect">
             <a:avLst/>
           </a:prstGeom>
+          <a:noFill/>
+          <a:ln>
+            <a:noFill/>
+          </a:ln>
         </p:spPr>
       </p:pic>
       <p:pic>
         <p:nvPicPr>
-          <p:cNvPr id="3" name="Picture 2">
-            <a:extLst>
-              <a:ext uri="{FF2B5EF4-FFF2-40B4-BE49-F238E27FC236}">
-                <a16:creationId xmlns:a16="http://schemas.microsoft.com/office/drawing/2014/main" id="{04E30DD9-B903-46E5-A116-FCE94689008D}"/>
-              </a:ext>
-            </a:extLst>
-          </p:cNvPr>
-          <p:cNvPicPr>
-            <a:picLocks noChangeAspect="1"/>
-          </p:cNvPicPr>
+          <p:cNvPr id="128" name="Google Shape;128;p8"/>
+          <p:cNvPicPr preferRelativeResize="0"/>
           <p:nvPr/>
         </p:nvPicPr>
-        <p:blipFill>
-          <a:blip r:embed="rId5"/>
-          <a:stretch>
-            <a:fillRect/>
-          </a:stretch>
+        <p:blipFill rotWithShape="1">
+          <a:blip r:embed="rId5">
+            <a:alphaModFix/>
+          </a:blip>
+          <a:srcRect/>
+          <a:stretch/>
         </p:blipFill>
         <p:spPr>
           <a:xfrm>
@@ -15941,17 +17590,107 @@
           <a:prstGeom prst="rect">
             <a:avLst/>
           </a:prstGeom>
+          <a:noFill/>
+          <a:ln>
+            <a:noFill/>
+          </a:ln>
         </p:spPr>
       </p:pic>
+      <p:sp>
+        <p:nvSpPr>
+          <p:cNvPr id="3" name="Rounded Rectangle 2"/>
+          <p:cNvSpPr/>
+          <p:nvPr/>
+        </p:nvSpPr>
+        <p:spPr>
+          <a:xfrm>
+            <a:off x="4272464" y="3146258"/>
+            <a:ext cx="2621268" cy="1218914"/>
+          </a:xfrm>
+          <a:prstGeom prst="roundRect">
+            <a:avLst/>
+          </a:prstGeom>
+        </p:spPr>
+        <p:style>
+          <a:lnRef idx="2">
+            <a:schemeClr val="accent5"/>
+          </a:lnRef>
+          <a:fillRef idx="1">
+            <a:schemeClr val="lt1"/>
+          </a:fillRef>
+          <a:effectRef idx="0">
+            <a:schemeClr val="accent5"/>
+          </a:effectRef>
+          <a:fontRef idx="minor">
+            <a:schemeClr val="dk1"/>
+          </a:fontRef>
+        </p:style>
+        <p:txBody>
+          <a:bodyPr rtlCol="0" anchor="ctr"/>
+          <a:lstStyle/>
+          <a:p>
+            <a:pPr algn="ctr"/>
+            <a:r>
+              <a:rPr lang="en-IN" dirty="0" smtClean="0">
+                <a:latin typeface="Lato" panose="020F0502020204030203" pitchFamily="34" charset="0"/>
+              </a:rPr>
+              <a:t>Initial: 255 variables</a:t>
+            </a:r>
+          </a:p>
+          <a:p>
+            <a:pPr algn="ctr"/>
+            <a:r>
+              <a:rPr lang="en-IN" dirty="0" smtClean="0">
+                <a:latin typeface="Lato" panose="020F0502020204030203" pitchFamily="34" charset="0"/>
+              </a:rPr>
+              <a:t>Final: Total </a:t>
+            </a:r>
+            <a:r>
+              <a:rPr lang="en-IN" dirty="0">
+                <a:latin typeface="Lato" panose="020F0502020204030203" pitchFamily="34" charset="0"/>
+              </a:rPr>
+              <a:t>36 </a:t>
+            </a:r>
+            <a:r>
+              <a:rPr lang="en-IN" dirty="0" smtClean="0">
+                <a:latin typeface="Lato" panose="020F0502020204030203" pitchFamily="34" charset="0"/>
+              </a:rPr>
+              <a:t>variables </a:t>
+            </a:r>
+            <a:endParaRPr lang="en-IN" dirty="0">
+              <a:latin typeface="Lato" panose="020F0502020204030203" pitchFamily="34" charset="0"/>
+            </a:endParaRPr>
+          </a:p>
+          <a:p>
+            <a:pPr algn="ctr"/>
+            <a:r>
+              <a:rPr lang="en-IN" dirty="0" smtClean="0">
+                <a:latin typeface="Lato" panose="020F0502020204030203" pitchFamily="34" charset="0"/>
+              </a:rPr>
+              <a:t>(35 binary) </a:t>
+            </a:r>
+            <a:endParaRPr lang="en-IN" dirty="0">
+              <a:latin typeface="Lato" panose="020F0502020204030203" pitchFamily="34" charset="0"/>
+            </a:endParaRPr>
+          </a:p>
+        </p:txBody>
+      </p:sp>
     </p:spTree>
   </p:cSld>
   <p:clrMapOvr>
     <a:masterClrMapping/>
   </p:clrMapOvr>
+  <p:timing>
+    <p:tnLst>
+      <p:par>
+        <p:cTn id="1" dur="indefinite" restart="never" nodeType="tmRoot"/>
+      </p:par>
+    </p:tnLst>
+  </p:timing>
 </p:sld>
 </file>
 
-<file path=ppt/slides/slide8.xml><?xml version="1.0" encoding="utf-8"?>
+<file path=ppt/slides/slide9.xml><?xml version="1.0" encoding="utf-8"?>
 <p:sld xmlns:a="http://schemas.openxmlformats.org/drawingml/2006/main" xmlns:r="http://schemas.openxmlformats.org/officeDocument/2006/relationships" xmlns:p="http://schemas.openxmlformats.org/presentationml/2006/main">
   <p:cSld>
     <p:bg>
@@ -15964,7 +17703,7 @@
     </p:bg>
     <p:spTree>
       <p:nvGrpSpPr>
-        <p:cNvPr id="1" name="Shape 130"/>
+        <p:cNvPr id="1" name="Shape 132"/>
         <p:cNvGrpSpPr/>
         <p:nvPr/>
       </p:nvGrpSpPr>
@@ -15978,7 +17717,7 @@
       </p:grpSpPr>
       <p:sp>
         <p:nvSpPr>
-          <p:cNvPr id="131" name="Google Shape;131;p9"/>
+          <p:cNvPr id="133" name="Google Shape;133;p9"/>
           <p:cNvSpPr txBox="1">
             <a:spLocks noGrp="1"/>
           </p:cNvSpPr>
@@ -16019,16 +17758,25 @@
               <a:buNone/>
             </a:pPr>
             <a:r>
-              <a:rPr lang="en-US"/>
-              <a:t>Evaluating Classification Performance </a:t>
+              <a:rPr lang="en-US" dirty="0">
+                <a:latin typeface="Lato"/>
+                <a:ea typeface="Lato"/>
+                <a:cs typeface="Lato"/>
+                <a:sym typeface="Lato"/>
+              </a:rPr>
+              <a:t>Evaluating Classification Performance</a:t>
             </a:r>
-            <a:endParaRPr/>
+            <a:r>
+              <a:rPr lang="en-US" dirty="0"/>
+              <a:t> </a:t>
+            </a:r>
+            <a:endParaRPr dirty="0"/>
           </a:p>
         </p:txBody>
       </p:sp>
       <p:sp>
         <p:nvSpPr>
-          <p:cNvPr id="132" name="Google Shape;132;p9"/>
+          <p:cNvPr id="134" name="Google Shape;134;p9"/>
           <p:cNvSpPr txBox="1">
             <a:spLocks noGrp="1"/>
           </p:cNvSpPr>
@@ -16039,7 +17787,7 @@
         <p:spPr>
           <a:xfrm>
             <a:off x="311700" y="1171600"/>
-            <a:ext cx="5151453" cy="3397200"/>
+            <a:ext cx="5054400" cy="3397200"/>
           </a:xfrm>
           <a:prstGeom prst="rect">
             <a:avLst/>
@@ -16055,45 +17803,43 @@
           </a:bodyPr>
           <a:lstStyle/>
           <a:p>
-            <a:pPr marL="457200" lvl="0" indent="-342900" algn="l" rtl="0">
-              <a:lnSpc>
-                <a:spcPct val="115000"/>
-              </a:lnSpc>
-              <a:spcBef>
-                <a:spcPts val="0"/>
-              </a:spcBef>
-              <a:spcAft>
-                <a:spcPts val="0"/>
-              </a:spcAft>
-              <a:buSzPts val="1800"/>
-              <a:buChar char="❖"/>
-            </a:pPr>
+            <a:pPr algn="just"/>
             <a:r>
-              <a:rPr lang="en-US" dirty="0"/>
+              <a:rPr lang="en-US" dirty="0">
+                <a:latin typeface="Lato"/>
+                <a:ea typeface="Lato"/>
+                <a:cs typeface="Lato"/>
+                <a:sym typeface="Lato"/>
+              </a:rPr>
               <a:t>Final model can predict 65% of the                                                                   validation data correctly</a:t>
             </a:r>
+            <a:endParaRPr dirty="0">
+              <a:latin typeface="Lato"/>
+              <a:ea typeface="Lato"/>
+              <a:cs typeface="Lato"/>
+              <a:sym typeface="Lato"/>
+            </a:endParaRPr>
           </a:p>
           <a:p>
-            <a:pPr marL="457200" lvl="0" indent="-342900" algn="l" rtl="0">
-              <a:lnSpc>
-                <a:spcPct val="115000"/>
-              </a:lnSpc>
-              <a:spcBef>
-                <a:spcPts val="0"/>
-              </a:spcBef>
-              <a:spcAft>
-                <a:spcPts val="0"/>
-              </a:spcAft>
-              <a:buSzPts val="1800"/>
-              <a:buChar char="❖"/>
-            </a:pPr>
+            <a:pPr algn="just"/>
             <a:r>
-              <a:rPr lang="en-US" dirty="0"/>
+              <a:rPr lang="en-US" dirty="0">
+                <a:latin typeface="Lato"/>
+                <a:ea typeface="Lato"/>
+                <a:cs typeface="Lato"/>
+                <a:sym typeface="Lato"/>
+              </a:rPr>
               <a:t>Before weighted sampling had 81%, but was classifying nearly all as class 0</a:t>
             </a:r>
+            <a:endParaRPr dirty="0">
+              <a:latin typeface="Lato"/>
+              <a:ea typeface="Lato"/>
+              <a:cs typeface="Lato"/>
+              <a:sym typeface="Lato"/>
+            </a:endParaRPr>
           </a:p>
           <a:p>
-            <a:pPr marL="457200" lvl="0" indent="-342900" algn="l" rtl="0">
+            <a:pPr marL="457200" lvl="0" indent="-228600" algn="just" rtl="0">
               <a:lnSpc>
                 <a:spcPct val="115000"/>
               </a:lnSpc>
@@ -16104,9 +17850,14 @@
                 <a:spcPts val="0"/>
               </a:spcAft>
               <a:buSzPts val="1800"/>
-              <a:buChar char="❖"/>
+              <a:buNone/>
             </a:pPr>
-            <a:endParaRPr dirty="0"/>
+            <a:endParaRPr dirty="0">
+              <a:latin typeface="Lato"/>
+              <a:ea typeface="Lato"/>
+              <a:cs typeface="Lato"/>
+              <a:sym typeface="Lato"/>
+            </a:endParaRPr>
           </a:p>
           <a:p>
             <a:pPr marL="914400" lvl="0" indent="0" algn="l" rtl="0">
@@ -16119,6 +17870,7 @@
               <a:spcAft>
                 <a:spcPts val="1600"/>
               </a:spcAft>
+              <a:buSzPts val="1800"/>
               <a:buNone/>
             </a:pPr>
             <a:endParaRPr dirty="0"/>
@@ -16127,7 +17879,7 @@
       </p:sp>
       <p:pic>
         <p:nvPicPr>
-          <p:cNvPr id="133" name="Google Shape;133;p9"/>
+          <p:cNvPr id="135" name="Google Shape;135;p9"/>
           <p:cNvPicPr preferRelativeResize="0"/>
           <p:nvPr/>
         </p:nvPicPr>
@@ -16154,7 +17906,7 @@
       </p:pic>
       <p:cxnSp>
         <p:nvCxnSpPr>
-          <p:cNvPr id="134" name="Google Shape;134;p9"/>
+          <p:cNvPr id="136" name="Google Shape;136;p9"/>
           <p:cNvCxnSpPr/>
           <p:nvPr/>
         </p:nvCxnSpPr>
@@ -16180,17 +17932,16 @@
       </p:cxnSp>
       <p:pic>
         <p:nvPicPr>
-          <p:cNvPr id="135" name="Google Shape;135;p9"/>
+          <p:cNvPr id="137" name="Google Shape;137;p9"/>
           <p:cNvPicPr preferRelativeResize="0"/>
           <p:nvPr/>
         </p:nvPicPr>
-        <p:blipFill>
+        <p:blipFill rotWithShape="1">
           <a:blip r:embed="rId4">
             <a:alphaModFix/>
           </a:blip>
-          <a:stretch>
-            <a:fillRect/>
-          </a:stretch>
+          <a:srcRect/>
+          <a:stretch/>
         </p:blipFill>
         <p:spPr>
           <a:xfrm>
@@ -16208,17 +17959,16 @@
       </p:pic>
       <p:pic>
         <p:nvPicPr>
-          <p:cNvPr id="136" name="Google Shape;136;p9"/>
+          <p:cNvPr id="138" name="Google Shape;138;p9"/>
           <p:cNvPicPr preferRelativeResize="0"/>
           <p:nvPr/>
         </p:nvPicPr>
-        <p:blipFill>
+        <p:blipFill rotWithShape="1">
           <a:blip r:embed="rId5">
             <a:alphaModFix/>
           </a:blip>
-          <a:stretch>
-            <a:fillRect/>
-          </a:stretch>
+          <a:srcRect/>
+          <a:stretch/>
         </p:blipFill>
         <p:spPr>
           <a:xfrm>
@@ -16239,293 +17989,13 @@
   <p:clrMapOvr>
     <a:masterClrMapping/>
   </p:clrMapOvr>
-</p:sld>
-</file>
-
-<file path=ppt/slides/slide9.xml><?xml version="1.0" encoding="utf-8"?>
-<p:sld xmlns:a="http://schemas.openxmlformats.org/drawingml/2006/main" xmlns:r="http://schemas.openxmlformats.org/officeDocument/2006/relationships" xmlns:p="http://schemas.openxmlformats.org/presentationml/2006/main">
-  <p:cSld>
-    <p:bg>
-      <p:bgPr>
-        <a:solidFill>
-          <a:srgbClr val="FFFFFF"/>
-        </a:solidFill>
-        <a:effectLst/>
-      </p:bgPr>
-    </p:bg>
-    <p:spTree>
-      <p:nvGrpSpPr>
-        <p:cNvPr id="1" name="Shape 140"/>
-        <p:cNvGrpSpPr/>
-        <p:nvPr/>
-      </p:nvGrpSpPr>
-      <p:grpSpPr>
-        <a:xfrm>
-          <a:off x="0" y="0"/>
-          <a:ext cx="0" cy="0"/>
-          <a:chOff x="0" y="0"/>
-          <a:chExt cx="0" cy="0"/>
-        </a:xfrm>
-      </p:grpSpPr>
-      <p:sp>
-        <p:nvSpPr>
-          <p:cNvPr id="141" name="Google Shape;141;g757575d8c2_0_5"/>
-          <p:cNvSpPr txBox="1">
-            <a:spLocks noGrp="1"/>
-          </p:cNvSpPr>
-          <p:nvPr>
-            <p:ph type="title"/>
-          </p:nvPr>
-        </p:nvSpPr>
-        <p:spPr>
-          <a:xfrm>
-            <a:off x="311700" y="445025"/>
-            <a:ext cx="8520600" cy="613200"/>
-          </a:xfrm>
-          <a:prstGeom prst="rect">
-            <a:avLst/>
-          </a:prstGeom>
-          <a:noFill/>
-          <a:ln>
-            <a:noFill/>
-          </a:ln>
-        </p:spPr>
-        <p:txBody>
-          <a:bodyPr spcFirstLastPara="1" wrap="square" lIns="91425" tIns="91425" rIns="91425" bIns="91425" anchor="t" anchorCtr="0">
-            <a:noAutofit/>
-          </a:bodyPr>
-          <a:lstStyle/>
-          <a:p>
-            <a:pPr marL="0" lvl="0" indent="0" algn="l" rtl="0">
-              <a:lnSpc>
-                <a:spcPct val="100000"/>
-              </a:lnSpc>
-              <a:spcBef>
-                <a:spcPts val="0"/>
-              </a:spcBef>
-              <a:spcAft>
-                <a:spcPts val="0"/>
-              </a:spcAft>
-              <a:buSzPts val="3000"/>
-              <a:buNone/>
-            </a:pPr>
-            <a:r>
-              <a:rPr lang="en-US"/>
-              <a:t>Bias-variance tradeoff</a:t>
-            </a:r>
-            <a:endParaRPr/>
-          </a:p>
-        </p:txBody>
-      </p:sp>
-      <p:sp>
-        <p:nvSpPr>
-          <p:cNvPr id="142" name="Google Shape;142;g757575d8c2_0_5"/>
-          <p:cNvSpPr txBox="1">
-            <a:spLocks noGrp="1"/>
-          </p:cNvSpPr>
-          <p:nvPr>
-            <p:ph type="body" idx="1"/>
-          </p:nvPr>
-        </p:nvSpPr>
-        <p:spPr>
-          <a:xfrm>
-            <a:off x="311700" y="1171600"/>
-            <a:ext cx="8520600" cy="3397200"/>
-          </a:xfrm>
-          <a:prstGeom prst="rect">
-            <a:avLst/>
-          </a:prstGeom>
-          <a:noFill/>
-          <a:ln>
-            <a:noFill/>
-          </a:ln>
-        </p:spPr>
-        <p:txBody>
-          <a:bodyPr spcFirstLastPara="1" wrap="square" lIns="91425" tIns="91425" rIns="91425" bIns="91425" anchor="t" anchorCtr="0">
-            <a:noAutofit/>
-          </a:bodyPr>
-          <a:lstStyle/>
-          <a:p>
-            <a:pPr marL="457200" lvl="0" indent="-342900" algn="l" rtl="0">
-              <a:lnSpc>
-                <a:spcPct val="115000"/>
-              </a:lnSpc>
-              <a:spcBef>
-                <a:spcPts val="0"/>
-              </a:spcBef>
-              <a:spcAft>
-                <a:spcPts val="0"/>
-              </a:spcAft>
-              <a:buSzPts val="1800"/>
-              <a:buChar char="●"/>
-            </a:pPr>
-            <a:r>
-              <a:rPr lang="en-US" dirty="0"/>
-              <a:t>Overall accuracy can be misleading</a:t>
-            </a:r>
-            <a:endParaRPr dirty="0"/>
-          </a:p>
-          <a:p>
-            <a:pPr marL="914400" lvl="1" indent="-317500" algn="l" rtl="0">
-              <a:spcBef>
-                <a:spcPts val="0"/>
-              </a:spcBef>
-              <a:spcAft>
-                <a:spcPts val="0"/>
-              </a:spcAft>
-              <a:buSzPts val="1400"/>
-              <a:buChar char="○"/>
-            </a:pPr>
-            <a:r>
-              <a:rPr lang="en-US" sz="1600" dirty="0">
-                <a:highlight>
-                  <a:srgbClr val="FFFFFF"/>
-                </a:highlight>
-              </a:rPr>
-              <a:t>e.g. we can get 74% accuracy, but it ignores a class value that is represented by 30% of the data.</a:t>
-            </a:r>
-            <a:endParaRPr dirty="0"/>
-          </a:p>
-          <a:p>
-            <a:pPr marL="457200" lvl="0" indent="-342900" algn="l" rtl="0">
-              <a:lnSpc>
-                <a:spcPct val="115000"/>
-              </a:lnSpc>
-              <a:spcBef>
-                <a:spcPts val="0"/>
-              </a:spcBef>
-              <a:spcAft>
-                <a:spcPts val="0"/>
-              </a:spcAft>
-              <a:buSzPts val="1800"/>
-              <a:buChar char="●"/>
-            </a:pPr>
-            <a:r>
-              <a:rPr lang="en-US" dirty="0"/>
-              <a:t>Tree-based ensemble models tend to reduce the variance</a:t>
-            </a:r>
-            <a:endParaRPr dirty="0"/>
-          </a:p>
-          <a:p>
-            <a:pPr marL="914400" lvl="1" indent="-317500" algn="l" rtl="0">
-              <a:lnSpc>
-                <a:spcPct val="115000"/>
-              </a:lnSpc>
-              <a:spcBef>
-                <a:spcPts val="0"/>
-              </a:spcBef>
-              <a:spcAft>
-                <a:spcPts val="0"/>
-              </a:spcAft>
-              <a:buSzPts val="1400"/>
-              <a:buChar char="○"/>
-            </a:pPr>
-            <a:r>
-              <a:rPr lang="en-US" dirty="0"/>
-              <a:t>Overfitting issues</a:t>
-            </a:r>
-            <a:endParaRPr dirty="0"/>
-          </a:p>
-          <a:p>
-            <a:pPr marL="457200" lvl="0" indent="-342900" algn="l" rtl="0">
-              <a:lnSpc>
-                <a:spcPct val="115000"/>
-              </a:lnSpc>
-              <a:spcBef>
-                <a:spcPts val="0"/>
-              </a:spcBef>
-              <a:spcAft>
-                <a:spcPts val="0"/>
-              </a:spcAft>
-              <a:buSzPts val="1800"/>
-              <a:buChar char="●"/>
-            </a:pPr>
-            <a:r>
-              <a:rPr lang="en-US" dirty="0"/>
-              <a:t>The cross-validation estimator is nearly unbiased</a:t>
-            </a:r>
-            <a:endParaRPr dirty="0"/>
-          </a:p>
-          <a:p>
-            <a:pPr marL="457200" lvl="0" indent="-342900" algn="l" rtl="0">
-              <a:lnSpc>
-                <a:spcPct val="115000"/>
-              </a:lnSpc>
-              <a:spcBef>
-                <a:spcPts val="0"/>
-              </a:spcBef>
-              <a:spcAft>
-                <a:spcPts val="0"/>
-              </a:spcAft>
-              <a:buSzPts val="1800"/>
-              <a:buChar char="●"/>
-            </a:pPr>
-            <a:r>
-              <a:rPr lang="en-US" dirty="0"/>
-              <a:t>The bias will tend to be pessimistic (that is, overestimate the error), which is good</a:t>
-            </a:r>
-            <a:endParaRPr dirty="0"/>
-          </a:p>
-        </p:txBody>
-      </p:sp>
-      <p:pic>
-        <p:nvPicPr>
-          <p:cNvPr id="143" name="Google Shape;143;g757575d8c2_0_5"/>
-          <p:cNvPicPr preferRelativeResize="0"/>
-          <p:nvPr/>
-        </p:nvPicPr>
-        <p:blipFill rotWithShape="1">
-          <a:blip r:embed="rId3">
-            <a:alphaModFix/>
-          </a:blip>
-          <a:srcRect/>
-          <a:stretch/>
-        </p:blipFill>
-        <p:spPr>
-          <a:xfrm>
-            <a:off x="5598975" y="76199"/>
-            <a:ext cx="3437901" cy="523743"/>
-          </a:xfrm>
-          <a:prstGeom prst="rect">
-            <a:avLst/>
-          </a:prstGeom>
-          <a:noFill/>
-          <a:ln>
-            <a:noFill/>
-          </a:ln>
-        </p:spPr>
-      </p:pic>
-      <p:cxnSp>
-        <p:nvCxnSpPr>
-          <p:cNvPr id="144" name="Google Shape;144;g757575d8c2_0_5"/>
-          <p:cNvCxnSpPr/>
-          <p:nvPr/>
-        </p:nvCxnSpPr>
-        <p:spPr>
-          <a:xfrm>
-            <a:off x="386050" y="1081775"/>
-            <a:ext cx="6914700" cy="16200"/>
-          </a:xfrm>
-          <a:prstGeom prst="straightConnector1">
-            <a:avLst/>
-          </a:prstGeom>
-          <a:noFill/>
-          <a:ln w="19050" cap="flat" cmpd="sng">
-            <a:solidFill>
-              <a:srgbClr val="CC0000"/>
-            </a:solidFill>
-            <a:prstDash val="solid"/>
-            <a:round/>
-            <a:headEnd type="none" w="sm" len="sm"/>
-            <a:tailEnd type="none" w="sm" len="sm"/>
-          </a:ln>
-        </p:spPr>
-      </p:cxnSp>
-    </p:spTree>
-  </p:cSld>
-  <p:clrMapOvr>
-    <a:masterClrMapping/>
-  </p:clrMapOvr>
+  <p:timing>
+    <p:tnLst>
+      <p:par>
+        <p:cTn id="1" dur="indefinite" restart="never" nodeType="tmRoot"/>
+      </p:par>
+    </p:tnLst>
+  </p:timing>
 </p:sld>
 </file>
 
